--- a/taotao-manage/taotao-manage-web/src/main/resources/Redis介绍.pptx
+++ b/taotao-manage/taotao-manage-web/src/main/resources/Redis介绍.pptx
@@ -5,7 +5,7 @@
     <p:sldMasterId id="2147483648" r:id="rId1"/>
   </p:sldMasterIdLst>
   <p:notesMasterIdLst>
-    <p:notesMasterId r:id="rId36"/>
+    <p:notesMasterId r:id="rId33"/>
   </p:notesMasterIdLst>
   <p:sldIdLst>
     <p:sldId id="278" r:id="rId2"/>
@@ -38,10 +38,7 @@
     <p:sldId id="333" r:id="rId29"/>
     <p:sldId id="334" r:id="rId30"/>
     <p:sldId id="307" r:id="rId31"/>
-    <p:sldId id="308" r:id="rId32"/>
-    <p:sldId id="335" r:id="rId33"/>
-    <p:sldId id="336" r:id="rId34"/>
-    <p:sldId id="295" r:id="rId35"/>
+    <p:sldId id="295" r:id="rId32"/>
   </p:sldIdLst>
   <p:sldSz cx="12192000" cy="6858000"/>
   <p:notesSz cx="6858000" cy="9144000"/>
@@ -563,7 +560,7 @@
           <a:p>
             <a:fld id="{DEDC1D2E-7A78-4BFA-A6C4-FC2E2F5396BF}" type="slidenum">
               <a:rPr lang="zh-CN" altLang="en-US" smtClean="0"/>
-              <a:t>34</a:t>
+              <a:t>31</a:t>
             </a:fld>
             <a:endParaRPr lang="zh-CN" altLang="en-US"/>
           </a:p>
@@ -5264,16 +5261,22 @@
               </a:lnSpc>
             </a:pPr>
             <a:r>
-              <a:rPr lang="en-US" altLang="zh-CN" dirty="0">
-                <a:latin typeface="+mn-ea"/>
-              </a:rPr>
-              <a:t>redis</a:t>
+              <a:rPr lang="en-US" altLang="zh-CN" dirty="0" smtClean="0">
+                <a:latin typeface="+mn-ea"/>
+              </a:rPr>
+              <a:t>Redis</a:t>
+            </a:r>
+            <a:r>
+              <a:rPr lang="zh-CN" altLang="en-US" dirty="0" smtClean="0">
+                <a:latin typeface="+mn-ea"/>
+              </a:rPr>
+              <a:t>是</a:t>
             </a:r>
             <a:r>
               <a:rPr lang="zh-CN" altLang="en-US" dirty="0">
                 <a:latin typeface="+mn-ea"/>
               </a:rPr>
-              <a:t>是一种高级的</a:t>
+              <a:t>一种高级的</a:t>
             </a:r>
             <a:r>
               <a:rPr lang="en-US" altLang="zh-CN" dirty="0" err="1">
@@ -5934,7 +5937,7 @@
               <a:t>Redis</a:t>
             </a:r>
             <a:r>
-              <a:rPr lang="zh-CN" altLang="en-US" b="1" dirty="0">
+              <a:rPr lang="zh-CN" altLang="en-US" b="1" dirty="0" smtClean="0">
                 <a:latin typeface="+mn-ea"/>
               </a:rPr>
               <a:t>数据结构 </a:t>
@@ -5966,31 +5969,55 @@
             </a:pPr>
             <a:r>
               <a:rPr lang="zh-CN" altLang="en-US" dirty="0"/>
-              <a:t>如果只使用</a:t>
-            </a:r>
-            <a:r>
-              <a:rPr lang="en-US" altLang="zh-CN" dirty="0"/>
-              <a:t>redis</a:t>
+              <a:t>如果只</a:t>
+            </a:r>
+            <a:r>
+              <a:rPr lang="zh-CN" altLang="en-US" dirty="0" smtClean="0"/>
+              <a:t>使用</a:t>
+            </a:r>
+            <a:r>
+              <a:rPr lang="en-US" altLang="zh-CN" dirty="0" smtClean="0"/>
+              <a:t>Redis</a:t>
+            </a:r>
+            <a:r>
+              <a:rPr lang="zh-CN" altLang="en-US" dirty="0" smtClean="0"/>
+              <a:t>中</a:t>
             </a:r>
             <a:r>
               <a:rPr lang="zh-CN" altLang="en-US" dirty="0"/>
-              <a:t>中的字符串类型，且不使用</a:t>
-            </a:r>
-            <a:r>
-              <a:rPr lang="en-US" altLang="zh-CN" dirty="0"/>
-              <a:t>redis</a:t>
+              <a:t>的字符串类型，且不</a:t>
+            </a:r>
+            <a:r>
+              <a:rPr lang="zh-CN" altLang="en-US" dirty="0" smtClean="0"/>
+              <a:t>使用</a:t>
+            </a:r>
+            <a:r>
+              <a:rPr lang="en-US" altLang="zh-CN" dirty="0" smtClean="0"/>
+              <a:t>Redis</a:t>
+            </a:r>
+            <a:r>
+              <a:rPr lang="zh-CN" altLang="en-US" dirty="0" smtClean="0"/>
+              <a:t>的</a:t>
             </a:r>
             <a:r>
               <a:rPr lang="zh-CN" altLang="en-US" dirty="0"/>
-              <a:t>的持久化功能，那么，</a:t>
-            </a:r>
-            <a:r>
-              <a:rPr lang="en-US" altLang="zh-CN" dirty="0"/>
-              <a:t>redis</a:t>
+              <a:t>持久化功能，那么</a:t>
+            </a:r>
+            <a:r>
+              <a:rPr lang="zh-CN" altLang="en-US" dirty="0" smtClean="0"/>
+              <a:t>，</a:t>
+            </a:r>
+            <a:r>
+              <a:rPr lang="en-US" altLang="zh-CN" dirty="0" smtClean="0"/>
+              <a:t>Redis</a:t>
+            </a:r>
+            <a:r>
+              <a:rPr lang="zh-CN" altLang="en-US" dirty="0" smtClean="0"/>
+              <a:t>就</a:t>
             </a:r>
             <a:r>
               <a:rPr lang="zh-CN" altLang="en-US" dirty="0"/>
-              <a:t>就和</a:t>
+              <a:t>和</a:t>
             </a:r>
             <a:r>
               <a:rPr lang="en-US" altLang="zh-CN" dirty="0"/>
@@ -6354,7 +6381,7 @@
               <a:t>Redis</a:t>
             </a:r>
             <a:r>
-              <a:rPr lang="zh-CN" altLang="en-US" b="1" dirty="0">
+              <a:rPr lang="zh-CN" altLang="en-US" b="1" dirty="0" smtClean="0">
                 <a:latin typeface="+mn-ea"/>
               </a:rPr>
               <a:t>数据结构 </a:t>
@@ -6501,15 +6528,23 @@
             </a:r>
             <a:r>
               <a:rPr lang="zh-CN" altLang="en-US" dirty="0"/>
-              <a:t>等指令本身就具有原子操作的特性不少网站都利用</a:t>
-            </a:r>
-            <a:r>
-              <a:rPr lang="en-US" altLang="zh-CN" dirty="0"/>
-              <a:t>redis</a:t>
+              <a:t>等指令本身就具有原子操作的特性不少网站都</a:t>
+            </a:r>
+            <a:r>
+              <a:rPr lang="zh-CN" altLang="en-US" dirty="0" smtClean="0"/>
+              <a:t>利用</a:t>
+            </a:r>
+            <a:r>
+              <a:rPr lang="en-US" altLang="zh-CN" dirty="0" smtClean="0"/>
+              <a:t>Redis</a:t>
+            </a:r>
+            <a:r>
+              <a:rPr lang="zh-CN" altLang="en-US" dirty="0" smtClean="0"/>
+              <a:t>的</a:t>
             </a:r>
             <a:r>
               <a:rPr lang="zh-CN" altLang="en-US" dirty="0"/>
-              <a:t>的这个特性来实现业务上的统计计数需求。</a:t>
+              <a:t>这个特性来实现业务上的统计计数需求。</a:t>
             </a:r>
           </a:p>
         </p:txBody>
@@ -6862,7 +6897,7 @@
               <a:t>Redis</a:t>
             </a:r>
             <a:r>
-              <a:rPr lang="zh-CN" altLang="en-US" b="1" dirty="0">
+              <a:rPr lang="zh-CN" altLang="en-US" b="1" dirty="0" smtClean="0">
                 <a:latin typeface="+mn-ea"/>
               </a:rPr>
               <a:t>数据结构 </a:t>
@@ -6897,8 +6932,12 @@
               <a:t>Redis</a:t>
             </a:r>
             <a:r>
+              <a:rPr lang="zh-CN" altLang="en-US" dirty="0" smtClean="0"/>
+              <a:t>中</a:t>
+            </a:r>
+            <a:r>
               <a:rPr lang="zh-CN" altLang="en-US" dirty="0"/>
-              <a:t>中的</a:t>
+              <a:t>的</a:t>
             </a:r>
             <a:r>
               <a:rPr lang="en-US" altLang="zh-CN" dirty="0"/>
@@ -7226,7 +7265,7 @@
         <p:spPr>
           <a:xfrm>
             <a:off x="2715064" y="1069138"/>
-            <a:ext cx="9158068" cy="458908"/>
+            <a:ext cx="9158068" cy="507831"/>
           </a:xfrm>
           <a:prstGeom prst="rect">
             <a:avLst/>
@@ -7251,7 +7290,7 @@
               <a:t>Redis</a:t>
             </a:r>
             <a:r>
-              <a:rPr lang="zh-CN" altLang="en-US" b="1" dirty="0">
+              <a:rPr lang="zh-CN" altLang="en-US" b="1" dirty="0" smtClean="0">
                 <a:latin typeface="+mn-ea"/>
               </a:rPr>
               <a:t>数据结构 </a:t>
@@ -7682,7 +7721,7 @@
               <a:t>Redis</a:t>
             </a:r>
             <a:r>
-              <a:rPr lang="zh-CN" altLang="en-US" b="1" dirty="0">
+              <a:rPr lang="zh-CN" altLang="en-US" b="1" dirty="0" smtClean="0">
                 <a:latin typeface="+mn-ea"/>
               </a:rPr>
               <a:t>数据结构 </a:t>
@@ -7717,8 +7756,12 @@
               <a:t>Redis</a:t>
             </a:r>
             <a:r>
+              <a:rPr lang="zh-CN" altLang="en-US" dirty="0" smtClean="0"/>
+              <a:t>的</a:t>
+            </a:r>
+            <a:r>
               <a:rPr lang="zh-CN" altLang="en-US" dirty="0"/>
-              <a:t>的集合，是一种无序的集合，集合中的元素没有先后顺序。</a:t>
+              <a:t>集合，是一种无序的集合，集合中的元素没有先后顺序。</a:t>
             </a:r>
           </a:p>
           <a:p>
@@ -8419,7 +8462,7 @@
         <p:spPr>
           <a:xfrm>
             <a:off x="2715064" y="970662"/>
-            <a:ext cx="9158068" cy="458908"/>
+            <a:ext cx="9158068" cy="507831"/>
           </a:xfrm>
           <a:prstGeom prst="rect">
             <a:avLst/>
@@ -8444,7 +8487,7 @@
               <a:t>Redis</a:t>
             </a:r>
             <a:r>
-              <a:rPr lang="zh-CN" altLang="en-US" b="1" dirty="0">
+              <a:rPr lang="zh-CN" altLang="en-US" b="1" dirty="0" smtClean="0">
                 <a:latin typeface="+mn-ea"/>
               </a:rPr>
               <a:t>数据结构 </a:t>
@@ -9155,7 +9198,7 @@
               <a:t>Redis</a:t>
             </a:r>
             <a:r>
-              <a:rPr lang="zh-CN" altLang="en-US" b="1" dirty="0">
+              <a:rPr lang="zh-CN" altLang="en-US" b="1" dirty="0" smtClean="0">
                 <a:latin typeface="+mn-ea"/>
               </a:rPr>
               <a:t>数据结构 </a:t>
@@ -9214,15 +9257,23 @@
             </a:r>
             <a:r>
               <a:rPr lang="zh-CN" altLang="en-US" dirty="0"/>
-              <a:t>等等，这时就可以使用</a:t>
-            </a:r>
-            <a:r>
-              <a:rPr lang="en-US" altLang="zh-CN" dirty="0"/>
-              <a:t>redis</a:t>
+              <a:t>等等，这时就可以</a:t>
+            </a:r>
+            <a:r>
+              <a:rPr lang="zh-CN" altLang="en-US" dirty="0" smtClean="0"/>
+              <a:t>使用</a:t>
+            </a:r>
+            <a:r>
+              <a:rPr lang="en-US" altLang="zh-CN" dirty="0" smtClean="0"/>
+              <a:t>Redis</a:t>
+            </a:r>
+            <a:r>
+              <a:rPr lang="zh-CN" altLang="en-US" dirty="0" smtClean="0"/>
+              <a:t>的</a:t>
             </a:r>
             <a:r>
               <a:rPr lang="zh-CN" altLang="en-US" dirty="0"/>
-              <a:t>的集合来实现，把每一个用户的标签都存储在一个集合之中。</a:t>
+              <a:t>集合来实现，把每一个用户的标签都存储在一个集合之中。</a:t>
             </a:r>
             <a:endParaRPr lang="en-US" altLang="zh-CN" b="1" dirty="0" smtClean="0">
               <a:latin typeface="+mn-ea"/>
@@ -9408,7 +9459,7 @@
               <a:t>Redis</a:t>
             </a:r>
             <a:r>
-              <a:rPr lang="zh-CN" altLang="en-US" b="1" dirty="0">
+              <a:rPr lang="zh-CN" altLang="en-US" b="1" dirty="0" smtClean="0">
                 <a:latin typeface="+mn-ea"/>
               </a:rPr>
               <a:t>数据结构 </a:t>
@@ -9449,8 +9500,12 @@
               <a:t>Redis</a:t>
             </a:r>
             <a:r>
+              <a:rPr lang="zh-CN" altLang="en-US" dirty="0" smtClean="0"/>
+              <a:t>不但</a:t>
+            </a:r>
+            <a:r>
               <a:rPr lang="zh-CN" altLang="en-US" dirty="0"/>
-              <a:t>不但提供了无需集合（</a:t>
+              <a:t>提供了无需集合（</a:t>
             </a:r>
             <a:r>
               <a:rPr lang="en-US" altLang="zh-CN" dirty="0"/>
@@ -9485,15 +9540,23 @@
             </a:pPr>
             <a:r>
               <a:rPr lang="zh-CN" altLang="en-US" dirty="0"/>
-              <a:t>很多时候，我们都将</a:t>
-            </a:r>
-            <a:r>
-              <a:rPr lang="en-US" altLang="zh-CN" dirty="0"/>
-              <a:t>redis</a:t>
+              <a:t>很多时候，我们都</a:t>
+            </a:r>
+            <a:r>
+              <a:rPr lang="zh-CN" altLang="en-US" dirty="0" smtClean="0"/>
+              <a:t>将</a:t>
+            </a:r>
+            <a:r>
+              <a:rPr lang="en-US" altLang="zh-CN" dirty="0" smtClean="0"/>
+              <a:t>Redis</a:t>
+            </a:r>
+            <a:r>
+              <a:rPr lang="zh-CN" altLang="en-US" dirty="0" smtClean="0"/>
+              <a:t>中</a:t>
             </a:r>
             <a:r>
               <a:rPr lang="zh-CN" altLang="en-US" dirty="0"/>
-              <a:t>中的有序集合叫做</a:t>
+              <a:t>的有序集合叫做</a:t>
             </a:r>
             <a:r>
               <a:rPr lang="en-US" altLang="zh-CN" dirty="0"/>
@@ -9501,15 +9564,23 @@
             </a:r>
             <a:r>
               <a:rPr lang="zh-CN" altLang="en-US" dirty="0"/>
-              <a:t>，这是因为在</a:t>
-            </a:r>
-            <a:r>
-              <a:rPr lang="en-US" altLang="zh-CN" dirty="0"/>
-              <a:t>redis</a:t>
+              <a:t>，这是因为</a:t>
+            </a:r>
+            <a:r>
+              <a:rPr lang="zh-CN" altLang="en-US" dirty="0" smtClean="0"/>
+              <a:t>在</a:t>
+            </a:r>
+            <a:r>
+              <a:rPr lang="en-US" altLang="zh-CN" dirty="0" smtClean="0"/>
+              <a:t>Redis</a:t>
+            </a:r>
+            <a:r>
+              <a:rPr lang="zh-CN" altLang="en-US" dirty="0" smtClean="0"/>
+              <a:t>中</a:t>
             </a:r>
             <a:r>
               <a:rPr lang="zh-CN" altLang="en-US" dirty="0"/>
-              <a:t>中，有序集合相关的操作指令都是以</a:t>
+              <a:t>，有序集合相关的操作指令都是以</a:t>
             </a:r>
             <a:r>
               <a:rPr lang="en-US" altLang="zh-CN" dirty="0"/>
@@ -10150,7 +10221,7 @@
         <p:spPr>
           <a:xfrm>
             <a:off x="2715064" y="1181680"/>
-            <a:ext cx="9158068" cy="458908"/>
+            <a:ext cx="9158068" cy="507831"/>
           </a:xfrm>
           <a:prstGeom prst="rect">
             <a:avLst/>
@@ -10175,7 +10246,7 @@
               <a:t>Redis</a:t>
             </a:r>
             <a:r>
-              <a:rPr lang="zh-CN" altLang="en-US" b="1" dirty="0">
+              <a:rPr lang="zh-CN" altLang="en-US" b="1" dirty="0" smtClean="0">
                 <a:latin typeface="+mn-ea"/>
               </a:rPr>
               <a:t>数据结构 </a:t>
@@ -10809,7 +10880,7 @@
               <a:buChar char="l"/>
             </a:pPr>
             <a:r>
-              <a:rPr lang="en-US" altLang="zh-CN" b="1" dirty="0">
+              <a:rPr lang="en-US" altLang="zh-CN" b="1" dirty="0" smtClean="0">
                 <a:solidFill>
                   <a:schemeClr val="tx1">
                     <a:lumMod val="95000"/>
@@ -11074,73 +11145,6 @@
       </p:sp>
       <p:sp>
         <p:nvSpPr>
-          <p:cNvPr id="34" name="TextBox 10">
-            <a:hlinkClick r:id="rId6" action="ppaction://hlinksldjump"/>
-          </p:cNvPr>
-          <p:cNvSpPr txBox="1"/>
-          <p:nvPr/>
-        </p:nvSpPr>
-        <p:spPr>
-          <a:xfrm>
-            <a:off x="1651982" y="4851495"/>
-            <a:ext cx="2664412" cy="369332"/>
-          </a:xfrm>
-          <a:prstGeom prst="rect">
-            <a:avLst/>
-          </a:prstGeom>
-          <a:noFill/>
-        </p:spPr>
-        <p:txBody>
-          <a:bodyPr wrap="square" rtlCol="0" anchor="ctr" anchorCtr="0">
-            <a:spAutoFit/>
-          </a:bodyPr>
-          <a:lstStyle/>
-          <a:p>
-            <a:pPr marL="285750" indent="-285750" defTabSz="914400">
-              <a:buFont typeface="Wingdings" panose="05000000000000000000" pitchFamily="2" charset="2"/>
-              <a:buChar char="l"/>
-            </a:pPr>
-            <a:r>
-              <a:rPr lang="en-US" altLang="zh-CN" b="1" dirty="0" smtClean="0">
-                <a:solidFill>
-                  <a:schemeClr val="tx1">
-                    <a:lumMod val="95000"/>
-                    <a:lumOff val="5000"/>
-                  </a:schemeClr>
-                </a:solidFill>
-                <a:latin typeface="Levenim MT" pitchFamily="2" charset="-79"/>
-                <a:cs typeface="Levenim MT" pitchFamily="2" charset="-79"/>
-              </a:rPr>
-              <a:t>Redis</a:t>
-            </a:r>
-            <a:r>
-              <a:rPr lang="zh-CN" altLang="en-US" b="1" dirty="0" smtClean="0">
-                <a:solidFill>
-                  <a:schemeClr val="tx1">
-                    <a:lumMod val="95000"/>
-                    <a:lumOff val="5000"/>
-                  </a:schemeClr>
-                </a:solidFill>
-                <a:latin typeface="Levenim MT" pitchFamily="2" charset="-79"/>
-                <a:cs typeface="Levenim MT" pitchFamily="2" charset="-79"/>
-              </a:rPr>
-              <a:t>应用场景</a:t>
-            </a:r>
-            <a:endParaRPr lang="zh-CN" altLang="en-US" b="1" dirty="0">
-              <a:solidFill>
-                <a:schemeClr val="tx1">
-                  <a:lumMod val="95000"/>
-                  <a:lumOff val="5000"/>
-                </a:schemeClr>
-              </a:solidFill>
-              <a:latin typeface="Levenim MT" pitchFamily="2" charset="-79"/>
-              <a:cs typeface="Levenim MT" pitchFamily="2" charset="-79"/>
-            </a:endParaRPr>
-          </a:p>
-        </p:txBody>
-      </p:sp>
-      <p:sp>
-        <p:nvSpPr>
           <p:cNvPr id="35" name="TextBox 10">
             <a:hlinkClick r:id="rId6" action="ppaction://hlinksldjump"/>
           </p:cNvPr>
@@ -11149,7 +11153,7 @@
         </p:nvSpPr>
         <p:spPr>
           <a:xfrm>
-            <a:off x="1640461" y="5421013"/>
+            <a:off x="1640461" y="4844230"/>
             <a:ext cx="2664412" cy="369332"/>
           </a:xfrm>
           <a:prstGeom prst="rect">
@@ -11271,7 +11275,33 @@
                 <a:latin typeface="Levenim MT" pitchFamily="2" charset="-79"/>
                 <a:cs typeface="Levenim MT" pitchFamily="2" charset="-79"/>
               </a:rPr>
-              <a:t>主从复制 </a:t>
+              <a:t>主从</a:t>
+            </a:r>
+            <a:r>
+              <a:rPr lang="zh-CN" altLang="en-US" sz="1600" b="1" dirty="0">
+                <a:solidFill>
+                  <a:schemeClr val="tx1">
+                    <a:lumMod val="95000"/>
+                    <a:lumOff val="5000"/>
+                  </a:schemeClr>
+                </a:solidFill>
+                <a:latin typeface="Levenim MT" pitchFamily="2" charset="-79"/>
+                <a:cs typeface="Levenim MT" pitchFamily="2" charset="-79"/>
+              </a:rPr>
+              <a:t>同步</a:t>
+            </a:r>
+            <a:r>
+              <a:rPr lang="zh-CN" altLang="en-US" sz="1600" b="1" dirty="0" smtClean="0">
+                <a:solidFill>
+                  <a:schemeClr val="tx1">
+                    <a:lumMod val="95000"/>
+                    <a:lumOff val="5000"/>
+                  </a:schemeClr>
+                </a:solidFill>
+                <a:latin typeface="Levenim MT" pitchFamily="2" charset="-79"/>
+                <a:cs typeface="Levenim MT" pitchFamily="2" charset="-79"/>
+              </a:rPr>
+              <a:t> </a:t>
             </a:r>
             <a:r>
               <a:rPr lang="zh-CN" altLang="en-US" sz="1600" b="1" dirty="0" smtClean="0">
@@ -11393,7 +11423,7 @@
               <a:buChar char="Ø"/>
             </a:pPr>
             <a:r>
-              <a:rPr lang="zh-CN" altLang="en-US" sz="1600" b="1" smtClean="0">
+              <a:rPr lang="zh-CN" altLang="en-US" sz="1600" b="1" dirty="0" smtClean="0">
                 <a:solidFill>
                   <a:schemeClr val="tx1">
                     <a:lumMod val="95000"/>
@@ -11403,20 +11433,7 @@
                 <a:latin typeface="Levenim MT" pitchFamily="2" charset="-79"/>
                 <a:cs typeface="Levenim MT" pitchFamily="2" charset="-79"/>
               </a:rPr>
-              <a:t>事务支持 </a:t>
-            </a:r>
-            <a:r>
-              <a:rPr lang="zh-CN" altLang="en-US" sz="1600" b="1" dirty="0" smtClean="0">
-                <a:solidFill>
-                  <a:schemeClr val="tx1">
-                    <a:lumMod val="95000"/>
-                    <a:lumOff val="5000"/>
-                  </a:schemeClr>
-                </a:solidFill>
-                <a:latin typeface="Levenim MT" pitchFamily="2" charset="-79"/>
-                <a:cs typeface="Levenim MT" pitchFamily="2" charset="-79"/>
-              </a:rPr>
-              <a:t>（</a:t>
+              <a:t>事务支持 （</a:t>
             </a:r>
             <a:r>
               <a:rPr lang="en-US" altLang="zh-CN" sz="1600" b="1" dirty="0" smtClean="0">
@@ -11577,7 +11594,7 @@
               <a:t>Redis</a:t>
             </a:r>
             <a:r>
-              <a:rPr lang="zh-CN" altLang="en-US" b="1" dirty="0">
+              <a:rPr lang="zh-CN" altLang="en-US" b="1" dirty="0" smtClean="0">
                 <a:latin typeface="+mn-ea"/>
               </a:rPr>
               <a:t>数据结构 </a:t>
@@ -11613,11 +11630,15 @@
             </a:r>
             <a:r>
               <a:rPr lang="zh-CN" altLang="en-US" dirty="0"/>
-              <a:t>，即哈希。哈希是从</a:t>
-            </a:r>
-            <a:r>
-              <a:rPr lang="en-US" altLang="zh-CN" dirty="0"/>
-              <a:t>redis-2.0.0</a:t>
+              <a:t>，即哈希。哈希是</a:t>
+            </a:r>
+            <a:r>
+              <a:rPr lang="zh-CN" altLang="en-US" dirty="0" smtClean="0"/>
+              <a:t>从</a:t>
+            </a:r>
+            <a:r>
+              <a:rPr lang="en-US" altLang="zh-CN" dirty="0" smtClean="0"/>
+              <a:t>Redis-2.0.0</a:t>
             </a:r>
             <a:r>
               <a:rPr lang="zh-CN" altLang="en-US" dirty="0"/>
@@ -12206,7 +12227,7 @@
         <p:spPr>
           <a:xfrm>
             <a:off x="2672861" y="1139477"/>
-            <a:ext cx="9158068" cy="458908"/>
+            <a:ext cx="9158068" cy="507831"/>
           </a:xfrm>
           <a:prstGeom prst="rect">
             <a:avLst/>
@@ -12231,7 +12252,7 @@
               <a:t>Redis</a:t>
             </a:r>
             <a:r>
-              <a:rPr lang="zh-CN" altLang="en-US" b="1" dirty="0">
+              <a:rPr lang="zh-CN" altLang="en-US" b="1" dirty="0" smtClean="0">
                 <a:latin typeface="+mn-ea"/>
               </a:rPr>
               <a:t>数据结构 </a:t>
@@ -12651,15 +12672,7 @@
             <a:pPr algn="ctr"/>
             <a:r>
               <a:rPr lang="en-US" altLang="zh-CN" sz="3600" b="1" dirty="0" smtClean="0"/>
-              <a:t>Redi</a:t>
-            </a:r>
-            <a:r>
-              <a:rPr lang="en-US" altLang="zh-CN" sz="3600" b="1" dirty="0" smtClean="0">
-                <a:solidFill>
-                  <a:srgbClr val="F2F2F2"/>
-                </a:solidFill>
-              </a:rPr>
-              <a:t>s</a:t>
+              <a:t>Redis</a:t>
             </a:r>
             <a:r>
               <a:rPr lang="zh-CN" altLang="en-US" sz="3600" b="1" dirty="0" smtClean="0">
@@ -12718,6 +12731,272 @@
           </a:p>
         </p:txBody>
       </p:sp>
+      <p:sp>
+        <p:nvSpPr>
+          <p:cNvPr id="7" name="文本框 6"/>
+          <p:cNvSpPr txBox="1"/>
+          <p:nvPr/>
+        </p:nvSpPr>
+        <p:spPr>
+          <a:xfrm>
+            <a:off x="2672861" y="1786597"/>
+            <a:ext cx="9158068" cy="1338828"/>
+          </a:xfrm>
+          <a:prstGeom prst="rect">
+            <a:avLst/>
+          </a:prstGeom>
+          <a:noFill/>
+        </p:spPr>
+        <p:txBody>
+          <a:bodyPr wrap="square" rtlCol="0">
+            <a:spAutoFit/>
+          </a:bodyPr>
+          <a:lstStyle/>
+          <a:p>
+            <a:pPr>
+              <a:lnSpc>
+                <a:spcPct val="150000"/>
+              </a:lnSpc>
+            </a:pPr>
+            <a:r>
+              <a:rPr lang="en-US" altLang="zh-CN" dirty="0" smtClean="0"/>
+              <a:t>Redis</a:t>
+            </a:r>
+            <a:r>
+              <a:rPr lang="zh-CN" altLang="en-US" dirty="0" smtClean="0"/>
+              <a:t>提供</a:t>
+            </a:r>
+            <a:r>
+              <a:rPr lang="zh-CN" altLang="en-US" dirty="0"/>
+              <a:t>了两种持久化的方式，分别是</a:t>
+            </a:r>
+            <a:r>
+              <a:rPr lang="en-US" altLang="zh-CN" dirty="0"/>
+              <a:t>RDB</a:t>
+            </a:r>
+            <a:r>
+              <a:rPr lang="zh-CN" altLang="en-US" dirty="0" smtClean="0"/>
+              <a:t>（</a:t>
+            </a:r>
+            <a:r>
+              <a:rPr lang="en-US" altLang="zh-CN" dirty="0" smtClean="0"/>
+              <a:t>Redis </a:t>
+            </a:r>
+            <a:r>
+              <a:rPr lang="en-US" altLang="zh-CN" dirty="0"/>
+              <a:t>DataBase</a:t>
+            </a:r>
+            <a:r>
+              <a:rPr lang="zh-CN" altLang="en-US" dirty="0"/>
+              <a:t>）和</a:t>
+            </a:r>
+            <a:r>
+              <a:rPr lang="en-US" altLang="zh-CN" dirty="0"/>
+              <a:t>AOF</a:t>
+            </a:r>
+            <a:r>
+              <a:rPr lang="zh-CN" altLang="en-US" dirty="0"/>
+              <a:t>（</a:t>
+            </a:r>
+            <a:r>
+              <a:rPr lang="en-US" altLang="zh-CN" dirty="0"/>
+              <a:t>Append Only File</a:t>
+            </a:r>
+            <a:r>
+              <a:rPr lang="zh-CN" altLang="en-US" dirty="0"/>
+              <a:t>）。</a:t>
+            </a:r>
+          </a:p>
+          <a:p>
+            <a:pPr>
+              <a:lnSpc>
+                <a:spcPct val="150000"/>
+              </a:lnSpc>
+            </a:pPr>
+            <a:r>
+              <a:rPr lang="en-US" altLang="zh-CN" dirty="0"/>
+              <a:t>RDB</a:t>
+            </a:r>
+            <a:r>
+              <a:rPr lang="zh-CN" altLang="en-US" dirty="0"/>
+              <a:t>，简而言之，就是在不同的时间点，</a:t>
+            </a:r>
+            <a:r>
+              <a:rPr lang="zh-CN" altLang="en-US" dirty="0" smtClean="0"/>
+              <a:t>将</a:t>
+            </a:r>
+            <a:r>
+              <a:rPr lang="en-US" altLang="zh-CN" dirty="0" smtClean="0"/>
+              <a:t>Redis</a:t>
+            </a:r>
+            <a:r>
+              <a:rPr lang="zh-CN" altLang="en-US" dirty="0" smtClean="0"/>
+              <a:t>存储</a:t>
+            </a:r>
+            <a:r>
+              <a:rPr lang="zh-CN" altLang="en-US" dirty="0"/>
+              <a:t>的数据生成快照并存储到磁盘等介质上</a:t>
+            </a:r>
+            <a:r>
+              <a:rPr lang="zh-CN" altLang="en-US" dirty="0" smtClean="0"/>
+              <a:t>；</a:t>
+            </a:r>
+            <a:endParaRPr lang="zh-CN" altLang="en-US" dirty="0"/>
+          </a:p>
+        </p:txBody>
+      </p:sp>
+      <p:sp>
+        <p:nvSpPr>
+          <p:cNvPr id="8" name="文本框 7"/>
+          <p:cNvSpPr txBox="1"/>
+          <p:nvPr/>
+        </p:nvSpPr>
+        <p:spPr>
+          <a:xfrm>
+            <a:off x="2672861" y="3137090"/>
+            <a:ext cx="9158068" cy="1338828"/>
+          </a:xfrm>
+          <a:prstGeom prst="rect">
+            <a:avLst/>
+          </a:prstGeom>
+          <a:noFill/>
+        </p:spPr>
+        <p:txBody>
+          <a:bodyPr wrap="square" rtlCol="0">
+            <a:spAutoFit/>
+          </a:bodyPr>
+          <a:lstStyle/>
+          <a:p>
+            <a:pPr>
+              <a:lnSpc>
+                <a:spcPct val="150000"/>
+              </a:lnSpc>
+            </a:pPr>
+            <a:r>
+              <a:rPr lang="en-US" altLang="zh-CN" dirty="0"/>
+              <a:t>AOF</a:t>
+            </a:r>
+            <a:r>
+              <a:rPr lang="zh-CN" altLang="en-US" dirty="0"/>
+              <a:t>，则是换了一个角度来实现持久化，那就是</a:t>
+            </a:r>
+            <a:r>
+              <a:rPr lang="zh-CN" altLang="en-US" dirty="0" smtClean="0"/>
+              <a:t>将</a:t>
+            </a:r>
+            <a:r>
+              <a:rPr lang="en-US" altLang="zh-CN" dirty="0" smtClean="0"/>
+              <a:t>Redis</a:t>
+            </a:r>
+            <a:r>
+              <a:rPr lang="zh-CN" altLang="en-US" dirty="0" smtClean="0"/>
+              <a:t>执行</a:t>
+            </a:r>
+            <a:r>
+              <a:rPr lang="zh-CN" altLang="en-US" dirty="0"/>
+              <a:t>过的所有写指令记录下来，在</a:t>
+            </a:r>
+            <a:r>
+              <a:rPr lang="zh-CN" altLang="en-US" dirty="0" smtClean="0"/>
+              <a:t>下次</a:t>
+            </a:r>
+            <a:r>
+              <a:rPr lang="en-US" altLang="zh-CN" dirty="0" smtClean="0"/>
+              <a:t>Redis</a:t>
+            </a:r>
+            <a:r>
+              <a:rPr lang="zh-CN" altLang="en-US" dirty="0" smtClean="0"/>
+              <a:t>重新</a:t>
+            </a:r>
+            <a:r>
+              <a:rPr lang="zh-CN" altLang="en-US" dirty="0"/>
+              <a:t>启动时，只要把这些写指令从前到后再重复执行一遍，就可以实现数据恢复了</a:t>
+            </a:r>
+            <a:r>
+              <a:rPr lang="zh-CN" altLang="en-US" dirty="0" smtClean="0"/>
+              <a:t>。</a:t>
+            </a:r>
+            <a:endParaRPr lang="en-US" altLang="zh-CN" dirty="0"/>
+          </a:p>
+        </p:txBody>
+      </p:sp>
+      <p:sp>
+        <p:nvSpPr>
+          <p:cNvPr id="9" name="文本框 8"/>
+          <p:cNvSpPr txBox="1"/>
+          <p:nvPr/>
+        </p:nvSpPr>
+        <p:spPr>
+          <a:xfrm>
+            <a:off x="2672861" y="4586065"/>
+            <a:ext cx="9158068" cy="1200329"/>
+          </a:xfrm>
+          <a:prstGeom prst="rect">
+            <a:avLst/>
+          </a:prstGeom>
+          <a:noFill/>
+        </p:spPr>
+        <p:txBody>
+          <a:bodyPr wrap="square" rtlCol="0">
+            <a:spAutoFit/>
+          </a:bodyPr>
+          <a:lstStyle/>
+          <a:p>
+            <a:pPr>
+              <a:lnSpc>
+                <a:spcPct val="150000"/>
+              </a:lnSpc>
+            </a:pPr>
+            <a:r>
+              <a:rPr lang="zh-CN" altLang="en-US" dirty="0"/>
+              <a:t>如果你没有数据持久化的需求，也完全可以关闭</a:t>
+            </a:r>
+            <a:r>
+              <a:rPr lang="en-US" altLang="zh-CN" dirty="0"/>
+              <a:t>RDB</a:t>
+            </a:r>
+            <a:r>
+              <a:rPr lang="zh-CN" altLang="en-US" dirty="0"/>
+              <a:t>和</a:t>
+            </a:r>
+            <a:r>
+              <a:rPr lang="en-US" altLang="zh-CN" dirty="0"/>
+              <a:t>AOF</a:t>
+            </a:r>
+            <a:r>
+              <a:rPr lang="zh-CN" altLang="en-US" dirty="0"/>
+              <a:t>方式，这样的话</a:t>
+            </a:r>
+            <a:r>
+              <a:rPr lang="zh-CN" altLang="en-US" dirty="0" smtClean="0"/>
+              <a:t>，</a:t>
+            </a:r>
+            <a:r>
+              <a:rPr lang="en-US" altLang="zh-CN" dirty="0" smtClean="0"/>
+              <a:t>Redis</a:t>
+            </a:r>
+            <a:r>
+              <a:rPr lang="zh-CN" altLang="en-US" dirty="0" smtClean="0"/>
+              <a:t>将</a:t>
+            </a:r>
+            <a:r>
+              <a:rPr lang="zh-CN" altLang="en-US" dirty="0"/>
+              <a:t>变成一个纯内存数据库，就像</a:t>
+            </a:r>
+            <a:r>
+              <a:rPr lang="en-US" altLang="zh-CN" dirty="0"/>
+              <a:t>memcache</a:t>
+            </a:r>
+            <a:r>
+              <a:rPr lang="zh-CN" altLang="en-US" dirty="0"/>
+              <a:t>一样。</a:t>
+            </a:r>
+          </a:p>
+          <a:p>
+            <a:endParaRPr lang="zh-CN" altLang="en-US" dirty="0"/>
+          </a:p>
+        </p:txBody>
+      </p:sp>
     </p:spTree>
     <p:extLst>
       <p:ext uri="{BB962C8B-B14F-4D97-AF65-F5344CB8AC3E}">
@@ -12734,9 +13013,142 @@
   <p:timing>
     <p:tnLst>
       <p:par>
-        <p:cTn id="1" dur="indefinite" restart="never" nodeType="tmRoot"/>
+        <p:cTn id="1" dur="indefinite" restart="never" nodeType="tmRoot">
+          <p:childTnLst>
+            <p:seq concurrent="1" nextAc="seek">
+              <p:cTn id="2" dur="indefinite" nodeType="mainSeq">
+                <p:childTnLst>
+                  <p:par>
+                    <p:cTn id="3" fill="hold">
+                      <p:stCondLst>
+                        <p:cond delay="indefinite"/>
+                      </p:stCondLst>
+                      <p:childTnLst>
+                        <p:par>
+                          <p:cTn id="4" fill="hold">
+                            <p:stCondLst>
+                              <p:cond delay="0"/>
+                            </p:stCondLst>
+                            <p:childTnLst>
+                              <p:par>
+                                <p:cTn id="5" presetID="10" presetClass="entr" presetSubtype="0" fill="hold" grpId="0" nodeType="clickEffect">
+                                  <p:stCondLst>
+                                    <p:cond delay="0"/>
+                                  </p:stCondLst>
+                                  <p:childTnLst>
+                                    <p:set>
+                                      <p:cBhvr>
+                                        <p:cTn id="6" dur="1" fill="hold">
+                                          <p:stCondLst>
+                                            <p:cond delay="0"/>
+                                          </p:stCondLst>
+                                        </p:cTn>
+                                        <p:tgtEl>
+                                          <p:spTgt spid="8"/>
+                                        </p:tgtEl>
+                                        <p:attrNameLst>
+                                          <p:attrName>style.visibility</p:attrName>
+                                        </p:attrNameLst>
+                                      </p:cBhvr>
+                                      <p:to>
+                                        <p:strVal val="visible"/>
+                                      </p:to>
+                                    </p:set>
+                                    <p:animEffect transition="in" filter="fade">
+                                      <p:cBhvr>
+                                        <p:cTn id="7" dur="500"/>
+                                        <p:tgtEl>
+                                          <p:spTgt spid="8"/>
+                                        </p:tgtEl>
+                                      </p:cBhvr>
+                                    </p:animEffect>
+                                  </p:childTnLst>
+                                </p:cTn>
+                              </p:par>
+                            </p:childTnLst>
+                          </p:cTn>
+                        </p:par>
+                      </p:childTnLst>
+                    </p:cTn>
+                  </p:par>
+                  <p:par>
+                    <p:cTn id="8" fill="hold">
+                      <p:stCondLst>
+                        <p:cond delay="indefinite"/>
+                      </p:stCondLst>
+                      <p:childTnLst>
+                        <p:par>
+                          <p:cTn id="9" fill="hold">
+                            <p:stCondLst>
+                              <p:cond delay="0"/>
+                            </p:stCondLst>
+                            <p:childTnLst>
+                              <p:par>
+                                <p:cTn id="10" presetID="10" presetClass="entr" presetSubtype="0" fill="hold" grpId="0" nodeType="clickEffect">
+                                  <p:stCondLst>
+                                    <p:cond delay="0"/>
+                                  </p:stCondLst>
+                                  <p:childTnLst>
+                                    <p:set>
+                                      <p:cBhvr>
+                                        <p:cTn id="11" dur="1" fill="hold">
+                                          <p:stCondLst>
+                                            <p:cond delay="0"/>
+                                          </p:stCondLst>
+                                        </p:cTn>
+                                        <p:tgtEl>
+                                          <p:spTgt spid="9"/>
+                                        </p:tgtEl>
+                                        <p:attrNameLst>
+                                          <p:attrName>style.visibility</p:attrName>
+                                        </p:attrNameLst>
+                                      </p:cBhvr>
+                                      <p:to>
+                                        <p:strVal val="visible"/>
+                                      </p:to>
+                                    </p:set>
+                                    <p:animEffect transition="in" filter="fade">
+                                      <p:cBhvr>
+                                        <p:cTn id="12" dur="500"/>
+                                        <p:tgtEl>
+                                          <p:spTgt spid="9"/>
+                                        </p:tgtEl>
+                                      </p:cBhvr>
+                                    </p:animEffect>
+                                  </p:childTnLst>
+                                </p:cTn>
+                              </p:par>
+                            </p:childTnLst>
+                          </p:cTn>
+                        </p:par>
+                      </p:childTnLst>
+                    </p:cTn>
+                  </p:par>
+                </p:childTnLst>
+              </p:cTn>
+              <p:prevCondLst>
+                <p:cond evt="onPrev" delay="0">
+                  <p:tgtEl>
+                    <p:sldTgt/>
+                  </p:tgtEl>
+                </p:cond>
+              </p:prevCondLst>
+              <p:nextCondLst>
+                <p:cond evt="onNext" delay="0">
+                  <p:tgtEl>
+                    <p:sldTgt/>
+                  </p:tgtEl>
+                </p:cond>
+              </p:nextCondLst>
+            </p:seq>
+          </p:childTnLst>
+        </p:cTn>
       </p:par>
     </p:tnLst>
+    <p:bldLst>
+      <p:bldP spid="8" grpId="0"/>
+      <p:bldP spid="9" grpId="0"/>
+    </p:bldLst>
   </p:timing>
 </p:sld>
 </file>
@@ -12848,15 +13260,7 @@
             <a:pPr algn="ctr"/>
             <a:r>
               <a:rPr lang="en-US" altLang="zh-CN" sz="3600" b="1" dirty="0" smtClean="0"/>
-              <a:t>Redi</a:t>
-            </a:r>
-            <a:r>
-              <a:rPr lang="en-US" altLang="zh-CN" sz="3600" b="1" dirty="0" smtClean="0">
-                <a:solidFill>
-                  <a:srgbClr val="F2F2F2"/>
-                </a:solidFill>
-              </a:rPr>
-              <a:t>s</a:t>
+              <a:t>Redis</a:t>
             </a:r>
             <a:r>
               <a:rPr lang="zh-CN" altLang="en-US" sz="3600" b="1" dirty="0" smtClean="0">
@@ -12907,11 +13311,239 @@
               <a:rPr lang="zh-CN" altLang="en-US" b="1" dirty="0" smtClean="0">
                 <a:latin typeface="+mn-ea"/>
               </a:rPr>
-              <a:t>持久化</a:t>
+              <a:t>持久化 </a:t>
+            </a:r>
+            <a:r>
+              <a:rPr lang="en-US" altLang="zh-CN" b="1" dirty="0" smtClean="0">
+                <a:latin typeface="+mn-ea"/>
+              </a:rPr>
+              <a:t>- RDB</a:t>
             </a:r>
             <a:endParaRPr lang="en-US" altLang="zh-CN" b="1" dirty="0">
               <a:latin typeface="+mn-ea"/>
             </a:endParaRPr>
+          </a:p>
+        </p:txBody>
+      </p:sp>
+      <p:sp>
+        <p:nvSpPr>
+          <p:cNvPr id="3" name="文本框 2"/>
+          <p:cNvSpPr txBox="1"/>
+          <p:nvPr/>
+        </p:nvSpPr>
+        <p:spPr>
+          <a:xfrm>
+            <a:off x="2715062" y="1617781"/>
+            <a:ext cx="8975187" cy="4524315"/>
+          </a:xfrm>
+          <a:prstGeom prst="rect">
+            <a:avLst/>
+          </a:prstGeom>
+          <a:noFill/>
+        </p:spPr>
+        <p:txBody>
+          <a:bodyPr wrap="square" rtlCol="0">
+            <a:spAutoFit/>
+          </a:bodyPr>
+          <a:lstStyle/>
+          <a:p>
+            <a:pPr>
+              <a:lnSpc>
+                <a:spcPct val="150000"/>
+              </a:lnSpc>
+            </a:pPr>
+            <a:r>
+              <a:rPr lang="en-US" altLang="zh-CN" dirty="0" smtClean="0"/>
+              <a:t>Redis</a:t>
+            </a:r>
+            <a:r>
+              <a:rPr lang="zh-CN" altLang="en-US" dirty="0" smtClean="0"/>
+              <a:t>在</a:t>
+            </a:r>
+            <a:r>
+              <a:rPr lang="zh-CN" altLang="en-US" dirty="0"/>
+              <a:t>进行数据持久化的过程中，会先将数据写入到一个临时文件中，待持久化过程都结束了，才会用这个临时文件替换上次持久化好的文件。正是这种特性，让我们可以随时来进行备份，因为快照文件总是完整可用的。</a:t>
+            </a:r>
+          </a:p>
+          <a:p>
+            <a:pPr>
+              <a:lnSpc>
+                <a:spcPct val="150000"/>
+              </a:lnSpc>
+            </a:pPr>
+            <a:r>
+              <a:rPr lang="zh-CN" altLang="en-US" dirty="0"/>
+              <a:t>对于</a:t>
+            </a:r>
+            <a:r>
+              <a:rPr lang="en-US" altLang="zh-CN" dirty="0"/>
+              <a:t>RDB</a:t>
+            </a:r>
+            <a:r>
+              <a:rPr lang="zh-CN" altLang="en-US" dirty="0"/>
+              <a:t>方式</a:t>
+            </a:r>
+            <a:r>
+              <a:rPr lang="zh-CN" altLang="en-US" dirty="0" smtClean="0"/>
+              <a:t>，</a:t>
+            </a:r>
+            <a:r>
+              <a:rPr lang="en-US" altLang="zh-CN" dirty="0" smtClean="0"/>
+              <a:t>Redis</a:t>
+            </a:r>
+            <a:r>
+              <a:rPr lang="zh-CN" altLang="en-US" dirty="0" smtClean="0"/>
+              <a:t>会</a:t>
+            </a:r>
+            <a:r>
+              <a:rPr lang="zh-CN" altLang="en-US" dirty="0"/>
+              <a:t>单独</a:t>
+            </a:r>
+            <a:r>
+              <a:rPr lang="zh-CN" altLang="en-US" dirty="0" smtClean="0"/>
+              <a:t>创建一</a:t>
+            </a:r>
+            <a:r>
+              <a:rPr lang="zh-CN" altLang="en-US" dirty="0"/>
+              <a:t>个子进程来进行持久化，而主进程是不会进行任何</a:t>
+            </a:r>
+            <a:r>
+              <a:rPr lang="en-US" altLang="zh-CN" dirty="0"/>
+              <a:t>IO</a:t>
+            </a:r>
+            <a:r>
+              <a:rPr lang="zh-CN" altLang="en-US" dirty="0"/>
+              <a:t>操作的，这样就确保</a:t>
+            </a:r>
+            <a:r>
+              <a:rPr lang="zh-CN" altLang="en-US" dirty="0" smtClean="0"/>
+              <a:t>了</a:t>
+            </a:r>
+            <a:r>
+              <a:rPr lang="en-US" altLang="zh-CN" dirty="0" smtClean="0"/>
+              <a:t>Redis</a:t>
+            </a:r>
+            <a:r>
+              <a:rPr lang="zh-CN" altLang="en-US" dirty="0" smtClean="0"/>
+              <a:t>极</a:t>
+            </a:r>
+            <a:r>
+              <a:rPr lang="zh-CN" altLang="en-US" dirty="0"/>
+              <a:t>高的性能。</a:t>
+            </a:r>
+          </a:p>
+          <a:p>
+            <a:pPr>
+              <a:lnSpc>
+                <a:spcPct val="150000"/>
+              </a:lnSpc>
+            </a:pPr>
+            <a:r>
+              <a:rPr lang="zh-CN" altLang="en-US" dirty="0"/>
+              <a:t>如果需要进行大规模数据的恢复，且对于数据恢复的完整性不是非常敏感，那</a:t>
+            </a:r>
+            <a:r>
+              <a:rPr lang="en-US" altLang="zh-CN" dirty="0"/>
+              <a:t>RDB</a:t>
+            </a:r>
+            <a:r>
+              <a:rPr lang="zh-CN" altLang="en-US" dirty="0"/>
+              <a:t>方式要比</a:t>
+            </a:r>
+            <a:r>
+              <a:rPr lang="en-US" altLang="zh-CN" dirty="0"/>
+              <a:t>AOF</a:t>
+            </a:r>
+            <a:r>
+              <a:rPr lang="zh-CN" altLang="en-US" dirty="0"/>
+              <a:t>方式更加的高效。</a:t>
+            </a:r>
+          </a:p>
+          <a:p>
+            <a:pPr>
+              <a:lnSpc>
+                <a:spcPct val="150000"/>
+              </a:lnSpc>
+            </a:pPr>
+            <a:r>
+              <a:rPr lang="zh-CN" altLang="en-US" dirty="0"/>
+              <a:t>虽然</a:t>
+            </a:r>
+            <a:r>
+              <a:rPr lang="en-US" altLang="zh-CN" dirty="0"/>
+              <a:t>RDB</a:t>
+            </a:r>
+            <a:r>
+              <a:rPr lang="zh-CN" altLang="en-US" dirty="0"/>
+              <a:t>有不少优点，但它的缺点也是不容忽视的。如果你对数据的完整性非常敏感，那么</a:t>
+            </a:r>
+            <a:r>
+              <a:rPr lang="en-US" altLang="zh-CN" dirty="0"/>
+              <a:t>RDB</a:t>
+            </a:r>
+            <a:r>
+              <a:rPr lang="zh-CN" altLang="en-US" dirty="0"/>
+              <a:t>方式就不太适合你，因为即使你每</a:t>
+            </a:r>
+            <a:r>
+              <a:rPr lang="en-US" altLang="zh-CN" dirty="0"/>
+              <a:t>5</a:t>
+            </a:r>
+            <a:r>
+              <a:rPr lang="zh-CN" altLang="en-US" dirty="0"/>
+              <a:t>分钟都持久化一次，</a:t>
+            </a:r>
+            <a:r>
+              <a:rPr lang="zh-CN" altLang="en-US" dirty="0" smtClean="0"/>
+              <a:t>当</a:t>
+            </a:r>
+            <a:r>
+              <a:rPr lang="en-US" altLang="zh-CN" dirty="0" smtClean="0"/>
+              <a:t>Redis</a:t>
+            </a:r>
+            <a:r>
+              <a:rPr lang="zh-CN" altLang="en-US" dirty="0" smtClean="0"/>
+              <a:t>故障</a:t>
+            </a:r>
+            <a:r>
+              <a:rPr lang="zh-CN" altLang="en-US" dirty="0"/>
+              <a:t>时，仍然会有近</a:t>
+            </a:r>
+            <a:r>
+              <a:rPr lang="en-US" altLang="zh-CN" dirty="0"/>
+              <a:t>5</a:t>
+            </a:r>
+            <a:r>
+              <a:rPr lang="zh-CN" altLang="en-US" dirty="0"/>
+              <a:t>分钟的数据丢失。所以</a:t>
+            </a:r>
+            <a:r>
+              <a:rPr lang="zh-CN" altLang="en-US" dirty="0" smtClean="0"/>
+              <a:t>，</a:t>
+            </a:r>
+            <a:r>
+              <a:rPr lang="en-US" altLang="zh-CN" dirty="0" smtClean="0"/>
+              <a:t>Redis</a:t>
+            </a:r>
+            <a:r>
+              <a:rPr lang="zh-CN" altLang="en-US" dirty="0" smtClean="0"/>
+              <a:t>还</a:t>
+            </a:r>
+            <a:r>
+              <a:rPr lang="zh-CN" altLang="en-US" dirty="0"/>
+              <a:t>提供了另一种持久化方式，那就是</a:t>
+            </a:r>
+            <a:r>
+              <a:rPr lang="en-US" altLang="zh-CN" dirty="0"/>
+              <a:t>AOF</a:t>
+            </a:r>
+            <a:r>
+              <a:rPr lang="zh-CN" altLang="en-US" dirty="0"/>
+              <a:t>。</a:t>
+            </a:r>
+          </a:p>
+          <a:p>
+            <a:endParaRPr lang="zh-CN" altLang="en-US" dirty="0"/>
           </a:p>
         </p:txBody>
       </p:sp>
@@ -13045,15 +13677,7 @@
             <a:pPr algn="ctr"/>
             <a:r>
               <a:rPr lang="en-US" altLang="zh-CN" sz="3600" b="1" dirty="0" smtClean="0"/>
-              <a:t>Redi</a:t>
-            </a:r>
-            <a:r>
-              <a:rPr lang="en-US" altLang="zh-CN" sz="3600" b="1" dirty="0" smtClean="0">
-                <a:solidFill>
-                  <a:srgbClr val="F2F2F2"/>
-                </a:solidFill>
-              </a:rPr>
-              <a:t>s</a:t>
+              <a:t>Redis</a:t>
             </a:r>
             <a:r>
               <a:rPr lang="zh-CN" altLang="en-US" sz="3600" b="1" dirty="0" smtClean="0">
@@ -13076,7 +13700,7 @@
         <p:spPr>
           <a:xfrm>
             <a:off x="2672861" y="1139477"/>
-            <a:ext cx="9158068" cy="507831"/>
+            <a:ext cx="9158068" cy="4662815"/>
           </a:xfrm>
           <a:prstGeom prst="rect">
             <a:avLst/>
@@ -13104,11 +13728,236 @@
               <a:rPr lang="zh-CN" altLang="en-US" b="1" dirty="0" smtClean="0">
                 <a:latin typeface="+mn-ea"/>
               </a:rPr>
-              <a:t>持久化</a:t>
-            </a:r>
-            <a:endParaRPr lang="en-US" altLang="zh-CN" b="1" dirty="0">
+              <a:t>持久化 </a:t>
+            </a:r>
+            <a:r>
+              <a:rPr lang="en-US" altLang="zh-CN" b="1" dirty="0" smtClean="0">
+                <a:latin typeface="+mn-ea"/>
+              </a:rPr>
+              <a:t>– AOF</a:t>
+            </a:r>
+          </a:p>
+          <a:p>
+            <a:pPr>
+              <a:lnSpc>
+                <a:spcPct val="150000"/>
+              </a:lnSpc>
+            </a:pPr>
+            <a:r>
+              <a:rPr lang="en-US" altLang="zh-CN" dirty="0"/>
+              <a:t>AOF</a:t>
+            </a:r>
+            <a:r>
+              <a:rPr lang="zh-CN" altLang="en-US" dirty="0"/>
+              <a:t>，英文是</a:t>
+            </a:r>
+            <a:r>
+              <a:rPr lang="en-US" altLang="zh-CN" dirty="0"/>
+              <a:t>Append Only File</a:t>
+            </a:r>
+            <a:r>
+              <a:rPr lang="zh-CN" altLang="en-US" dirty="0"/>
+              <a:t>，即只允许追加不允许改写的文件。</a:t>
+            </a:r>
+          </a:p>
+          <a:p>
+            <a:pPr>
+              <a:lnSpc>
+                <a:spcPct val="150000"/>
+              </a:lnSpc>
+            </a:pPr>
+            <a:r>
+              <a:rPr lang="zh-CN" altLang="en-US" dirty="0"/>
+              <a:t>如前面介绍的，</a:t>
+            </a:r>
+            <a:r>
+              <a:rPr lang="en-US" altLang="zh-CN" dirty="0"/>
+              <a:t>AOF</a:t>
+            </a:r>
+            <a:r>
+              <a:rPr lang="zh-CN" altLang="en-US" dirty="0"/>
+              <a:t>方式是将执行过的写指令记录下来，在数据恢复时按照从前到后的顺序再将指令都执行一遍，就这么简单。</a:t>
+            </a:r>
+          </a:p>
+          <a:p>
+            <a:pPr>
+              <a:lnSpc>
+                <a:spcPct val="150000"/>
+              </a:lnSpc>
+            </a:pPr>
+            <a:r>
+              <a:rPr lang="zh-CN" altLang="en-US" dirty="0"/>
+              <a:t>我们通过</a:t>
+            </a:r>
+            <a:r>
+              <a:rPr lang="zh-CN" altLang="en-US" dirty="0" smtClean="0"/>
+              <a:t>配置</a:t>
+            </a:r>
+            <a:r>
+              <a:rPr lang="en-US" altLang="zh-CN" dirty="0"/>
+              <a:t>R</a:t>
+            </a:r>
+            <a:r>
+              <a:rPr lang="en-US" altLang="zh-CN" dirty="0" smtClean="0"/>
+              <a:t>edis.conf</a:t>
+            </a:r>
+            <a:r>
+              <a:rPr lang="zh-CN" altLang="en-US" dirty="0"/>
+              <a:t>中的</a:t>
+            </a:r>
+            <a:r>
+              <a:rPr lang="en-US" altLang="zh-CN" dirty="0"/>
+              <a:t>appendonly yes</a:t>
+            </a:r>
+            <a:r>
+              <a:rPr lang="zh-CN" altLang="en-US" dirty="0"/>
+              <a:t>就可以打开</a:t>
+            </a:r>
+            <a:r>
+              <a:rPr lang="en-US" altLang="zh-CN" dirty="0"/>
+              <a:t>AOF</a:t>
+            </a:r>
+            <a:r>
+              <a:rPr lang="zh-CN" altLang="en-US" dirty="0"/>
+              <a:t>功能。如果有写操作（如</a:t>
+            </a:r>
+            <a:r>
+              <a:rPr lang="en-US" altLang="zh-CN" dirty="0"/>
+              <a:t>SET</a:t>
+            </a:r>
+            <a:r>
+              <a:rPr lang="zh-CN" altLang="en-US" dirty="0"/>
+              <a:t>等），</a:t>
+            </a:r>
+            <a:r>
+              <a:rPr lang="en-US" altLang="zh-CN" dirty="0"/>
+              <a:t>redis</a:t>
+            </a:r>
+            <a:r>
+              <a:rPr lang="zh-CN" altLang="en-US" dirty="0"/>
+              <a:t>就会被追加到</a:t>
+            </a:r>
+            <a:r>
+              <a:rPr lang="en-US" altLang="zh-CN" dirty="0"/>
+              <a:t>AOF</a:t>
+            </a:r>
+            <a:r>
+              <a:rPr lang="zh-CN" altLang="en-US" dirty="0"/>
+              <a:t>文件的末尾。</a:t>
+            </a:r>
+          </a:p>
+          <a:p>
+            <a:pPr>
+              <a:lnSpc>
+                <a:spcPct val="150000"/>
+              </a:lnSpc>
+            </a:pPr>
+            <a:r>
+              <a:rPr lang="zh-CN" altLang="en-US" dirty="0"/>
+              <a:t>默认的</a:t>
+            </a:r>
+            <a:r>
+              <a:rPr lang="en-US" altLang="zh-CN" dirty="0"/>
+              <a:t>AOF</a:t>
+            </a:r>
+            <a:r>
+              <a:rPr lang="zh-CN" altLang="en-US" dirty="0"/>
+              <a:t>持久化策略是每秒钟</a:t>
+            </a:r>
+            <a:r>
+              <a:rPr lang="en-US" altLang="zh-CN" dirty="0"/>
+              <a:t>fsync</a:t>
+            </a:r>
+            <a:r>
+              <a:rPr lang="zh-CN" altLang="en-US" dirty="0"/>
+              <a:t>一次（</a:t>
+            </a:r>
+            <a:r>
+              <a:rPr lang="en-US" altLang="zh-CN" dirty="0"/>
+              <a:t>fsync</a:t>
+            </a:r>
+            <a:r>
+              <a:rPr lang="zh-CN" altLang="en-US" dirty="0"/>
+              <a:t>是指把缓存中的写指令记录到磁盘中），因为在这种情况下，</a:t>
+            </a:r>
+            <a:r>
+              <a:rPr lang="en-US" altLang="zh-CN" dirty="0"/>
+              <a:t>redis</a:t>
+            </a:r>
+            <a:r>
+              <a:rPr lang="zh-CN" altLang="en-US" dirty="0"/>
+              <a:t>仍然可以保持很好的处理性能，即使</a:t>
+            </a:r>
+            <a:r>
+              <a:rPr lang="en-US" altLang="zh-CN" dirty="0"/>
+              <a:t>redis</a:t>
+            </a:r>
+            <a:r>
+              <a:rPr lang="zh-CN" altLang="en-US" dirty="0"/>
+              <a:t>故障，也只会丢失最近</a:t>
+            </a:r>
+            <a:r>
+              <a:rPr lang="en-US" altLang="zh-CN" dirty="0"/>
+              <a:t>1</a:t>
+            </a:r>
+            <a:r>
+              <a:rPr lang="zh-CN" altLang="en-US" dirty="0"/>
+              <a:t>秒钟的数据</a:t>
+            </a:r>
+            <a:r>
+              <a:rPr lang="zh-CN" altLang="en-US" dirty="0" smtClean="0"/>
+              <a:t>。</a:t>
+            </a:r>
+            <a:endParaRPr lang="en-US" altLang="zh-CN" b="1" dirty="0" smtClean="0">
               <a:latin typeface="+mn-ea"/>
             </a:endParaRPr>
+          </a:p>
+          <a:p>
+            <a:pPr>
+              <a:lnSpc>
+                <a:spcPct val="150000"/>
+              </a:lnSpc>
+            </a:pPr>
+            <a:r>
+              <a:rPr lang="en-US" altLang="zh-CN" dirty="0"/>
+              <a:t>AOF</a:t>
+            </a:r>
+            <a:r>
+              <a:rPr lang="zh-CN" altLang="en-US" dirty="0"/>
+              <a:t>方式也同样存在缺陷，比如在同样数据规模的情况下，</a:t>
+            </a:r>
+            <a:r>
+              <a:rPr lang="en-US" altLang="zh-CN" dirty="0"/>
+              <a:t>AOF</a:t>
+            </a:r>
+            <a:r>
+              <a:rPr lang="zh-CN" altLang="en-US" dirty="0"/>
+              <a:t>文件要比</a:t>
+            </a:r>
+            <a:r>
+              <a:rPr lang="en-US" altLang="zh-CN" dirty="0"/>
+              <a:t>RDB</a:t>
+            </a:r>
+            <a:r>
+              <a:rPr lang="zh-CN" altLang="en-US" dirty="0"/>
+              <a:t>文件的体积大。而且，</a:t>
+            </a:r>
+            <a:r>
+              <a:rPr lang="en-US" altLang="zh-CN" dirty="0"/>
+              <a:t>AOF</a:t>
+            </a:r>
+            <a:r>
+              <a:rPr lang="zh-CN" altLang="en-US" dirty="0"/>
+              <a:t>方式的恢复速度也要慢于</a:t>
+            </a:r>
+            <a:r>
+              <a:rPr lang="en-US" altLang="zh-CN" dirty="0"/>
+              <a:t>RDB</a:t>
+            </a:r>
+            <a:r>
+              <a:rPr lang="zh-CN" altLang="en-US" dirty="0"/>
+              <a:t>方式。</a:t>
+            </a:r>
           </a:p>
         </p:txBody>
       </p:sp>
@@ -13242,15 +14091,7 @@
             <a:pPr algn="ctr"/>
             <a:r>
               <a:rPr lang="en-US" altLang="zh-CN" sz="3600" b="1" dirty="0" smtClean="0"/>
-              <a:t>Redi</a:t>
-            </a:r>
-            <a:r>
-              <a:rPr lang="en-US" altLang="zh-CN" sz="3600" b="1" dirty="0" smtClean="0">
-                <a:solidFill>
-                  <a:srgbClr val="F2F2F2"/>
-                </a:solidFill>
-              </a:rPr>
-              <a:t>s</a:t>
+              <a:t>Redis</a:t>
             </a:r>
             <a:r>
               <a:rPr lang="zh-CN" altLang="en-US" sz="3600" b="1" dirty="0" smtClean="0">
@@ -13272,8 +14113,8 @@
         </p:nvSpPr>
         <p:spPr>
           <a:xfrm>
-            <a:off x="2672861" y="1139477"/>
-            <a:ext cx="9158068" cy="507831"/>
+            <a:off x="2672861" y="1083205"/>
+            <a:ext cx="9158068" cy="4618572"/>
           </a:xfrm>
           <a:prstGeom prst="rect">
             <a:avLst/>
@@ -13301,11 +14142,88 @@
               <a:rPr lang="zh-CN" altLang="en-US" b="1" dirty="0" smtClean="0">
                 <a:latin typeface="+mn-ea"/>
               </a:rPr>
-              <a:t>持久化</a:t>
-            </a:r>
-            <a:endParaRPr lang="en-US" altLang="zh-CN" b="1" dirty="0">
+              <a:t>主从同步</a:t>
+            </a:r>
+            <a:endParaRPr lang="en-US" altLang="zh-CN" b="1" dirty="0" smtClean="0">
               <a:latin typeface="+mn-ea"/>
             </a:endParaRPr>
+          </a:p>
+          <a:p>
+            <a:pPr>
+              <a:lnSpc>
+                <a:spcPct val="150000"/>
+              </a:lnSpc>
+            </a:pPr>
+            <a:r>
+              <a:rPr lang="zh-CN" altLang="en-US" dirty="0"/>
+              <a:t>主从结构，一是为了纯粹的冗余备份，二是为了提升读性能，比如很消耗性能的</a:t>
+            </a:r>
+            <a:r>
+              <a:rPr lang="en-US" altLang="zh-CN" dirty="0"/>
+              <a:t>SORT</a:t>
+            </a:r>
+            <a:r>
+              <a:rPr lang="zh-CN" altLang="en-US" dirty="0"/>
+              <a:t>就可以由从服务器来承担。</a:t>
+            </a:r>
+          </a:p>
+          <a:p>
+            <a:pPr>
+              <a:lnSpc>
+                <a:spcPct val="150000"/>
+              </a:lnSpc>
+            </a:pPr>
+            <a:r>
+              <a:rPr lang="en-US" altLang="zh-CN" dirty="0"/>
+              <a:t>redis</a:t>
+            </a:r>
+            <a:r>
+              <a:rPr lang="zh-CN" altLang="en-US" dirty="0"/>
+              <a:t>的主从同步是异步进行的，这意味着主从同步不会影响主逻辑，也不会降低</a:t>
+            </a:r>
+            <a:r>
+              <a:rPr lang="en-US" altLang="zh-CN" dirty="0"/>
+              <a:t>redis</a:t>
+            </a:r>
+            <a:r>
+              <a:rPr lang="zh-CN" altLang="en-US" dirty="0"/>
+              <a:t>的处理性能。</a:t>
+            </a:r>
+          </a:p>
+          <a:p>
+            <a:pPr>
+              <a:lnSpc>
+                <a:spcPct val="150000"/>
+              </a:lnSpc>
+            </a:pPr>
+            <a:r>
+              <a:rPr lang="zh-CN" altLang="en-US" dirty="0"/>
+              <a:t>主从架构中，可以考虑关闭主服务器的数据持久化功能，只让从服务器进行持久化，这样可以提高主服务器的处理性能。</a:t>
+            </a:r>
+          </a:p>
+          <a:p>
+            <a:pPr>
+              <a:lnSpc>
+                <a:spcPct val="150000"/>
+              </a:lnSpc>
+            </a:pPr>
+            <a:r>
+              <a:rPr lang="zh-CN" altLang="en-US" dirty="0"/>
+              <a:t>在主从架构中，从服务器通常被设置为只读模式，这样可以避免从服务器的数据被误修改。但是从服务器仍然可以接受</a:t>
+            </a:r>
+            <a:r>
+              <a:rPr lang="en-US" altLang="zh-CN" dirty="0"/>
+              <a:t>CONFIG</a:t>
+            </a:r>
+            <a:r>
+              <a:rPr lang="zh-CN" altLang="en-US" dirty="0"/>
+              <a:t>等指令，所以还是不应该将从服务器直接暴露到不安全的网络环境中。如果必须如此，那可以考虑给重要指令进行重命名，来避免命令被外人误执行</a:t>
+            </a:r>
+            <a:r>
+              <a:rPr lang="zh-CN" altLang="en-US" dirty="0" smtClean="0"/>
+              <a:t>。</a:t>
+            </a:r>
+            <a:endParaRPr lang="zh-CN" altLang="en-US" dirty="0"/>
           </a:p>
         </p:txBody>
       </p:sp>
@@ -13439,15 +14357,7 @@
             <a:pPr algn="ctr"/>
             <a:r>
               <a:rPr lang="en-US" altLang="zh-CN" sz="3600" b="1" dirty="0" smtClean="0"/>
-              <a:t>Redi</a:t>
-            </a:r>
-            <a:r>
-              <a:rPr lang="en-US" altLang="zh-CN" sz="3600" b="1" dirty="0" smtClean="0">
-                <a:solidFill>
-                  <a:srgbClr val="F2F2F2"/>
-                </a:solidFill>
-              </a:rPr>
-              <a:t>s</a:t>
+              <a:t>Redis</a:t>
             </a:r>
             <a:r>
               <a:rPr lang="zh-CN" altLang="en-US" sz="3600" b="1" dirty="0" smtClean="0">
@@ -13470,7 +14380,7 @@
         <p:spPr>
           <a:xfrm>
             <a:off x="2672861" y="1139477"/>
-            <a:ext cx="9158068" cy="507831"/>
+            <a:ext cx="9158068" cy="4662815"/>
           </a:xfrm>
           <a:prstGeom prst="rect">
             <a:avLst/>
@@ -13498,7 +14408,425 @@
               <a:rPr lang="zh-CN" altLang="en-US" b="1" dirty="0" smtClean="0">
                 <a:latin typeface="+mn-ea"/>
               </a:rPr>
-              <a:t>持久化</a:t>
+              <a:t>同步</a:t>
+            </a:r>
+            <a:endParaRPr lang="en-US" altLang="zh-CN" b="1" dirty="0" smtClean="0">
+              <a:latin typeface="+mn-ea"/>
+            </a:endParaRPr>
+          </a:p>
+          <a:p>
+            <a:pPr>
+              <a:lnSpc>
+                <a:spcPct val="150000"/>
+              </a:lnSpc>
+            </a:pPr>
+            <a:r>
+              <a:rPr lang="zh-CN" altLang="en-US" dirty="0" smtClean="0">
+                <a:latin typeface="+mn-ea"/>
+              </a:rPr>
+              <a:t>关于</a:t>
+            </a:r>
+            <a:r>
+              <a:rPr lang="en-US" altLang="zh-CN" dirty="0">
+                <a:latin typeface="+mn-ea"/>
+              </a:rPr>
+              <a:t>redis</a:t>
+            </a:r>
+            <a:r>
+              <a:rPr lang="zh-CN" altLang="en-US" dirty="0" smtClean="0">
+                <a:latin typeface="+mn-ea"/>
+              </a:rPr>
+              <a:t>主从同步的</a:t>
+            </a:r>
+            <a:r>
+              <a:rPr lang="zh-CN" altLang="en-US" dirty="0">
+                <a:latin typeface="+mn-ea"/>
+              </a:rPr>
+              <a:t>一些</a:t>
+            </a:r>
+            <a:r>
+              <a:rPr lang="zh-CN" altLang="en-US" dirty="0" smtClean="0">
+                <a:latin typeface="+mn-ea"/>
+              </a:rPr>
+              <a:t>特点：</a:t>
+            </a:r>
+            <a:endParaRPr lang="en-US" altLang="zh-CN" dirty="0" smtClean="0">
+              <a:latin typeface="+mn-ea"/>
+            </a:endParaRPr>
+          </a:p>
+          <a:p>
+            <a:pPr marL="342900" indent="-342900">
+              <a:lnSpc>
+                <a:spcPct val="150000"/>
+              </a:lnSpc>
+              <a:buFont typeface="+mj-lt"/>
+              <a:buAutoNum type="arabicPeriod"/>
+            </a:pPr>
+            <a:r>
+              <a:rPr lang="en-US" altLang="zh-CN" dirty="0" smtClean="0">
+                <a:latin typeface="+mn-ea"/>
+              </a:rPr>
+              <a:t>master</a:t>
+            </a:r>
+            <a:r>
+              <a:rPr lang="zh-CN" altLang="en-US" dirty="0">
+                <a:latin typeface="+mn-ea"/>
+              </a:rPr>
+              <a:t>可以有多个</a:t>
+            </a:r>
+            <a:r>
+              <a:rPr lang="en-US" altLang="zh-CN" dirty="0" smtClean="0">
+                <a:latin typeface="+mn-ea"/>
+              </a:rPr>
+              <a:t>slave</a:t>
+            </a:r>
+            <a:r>
+              <a:rPr lang="zh-CN" altLang="en-US" dirty="0" smtClean="0">
+                <a:latin typeface="+mn-ea"/>
+              </a:rPr>
+              <a:t>。</a:t>
+            </a:r>
+            <a:endParaRPr lang="en-US" altLang="zh-CN" dirty="0" smtClean="0">
+              <a:latin typeface="+mn-ea"/>
+            </a:endParaRPr>
+          </a:p>
+          <a:p>
+            <a:pPr marL="342900" indent="-342900">
+              <a:lnSpc>
+                <a:spcPct val="150000"/>
+              </a:lnSpc>
+              <a:buFont typeface="+mj-lt"/>
+              <a:buAutoNum type="arabicPeriod"/>
+            </a:pPr>
+            <a:r>
+              <a:rPr lang="zh-CN" altLang="en-US" dirty="0" smtClean="0">
+                <a:latin typeface="+mn-ea"/>
+              </a:rPr>
+              <a:t>除了</a:t>
+            </a:r>
+            <a:r>
+              <a:rPr lang="zh-CN" altLang="en-US" dirty="0">
+                <a:latin typeface="+mn-ea"/>
+              </a:rPr>
+              <a:t>多个</a:t>
+            </a:r>
+            <a:r>
+              <a:rPr lang="en-US" altLang="zh-CN" dirty="0">
+                <a:latin typeface="+mn-ea"/>
+              </a:rPr>
+              <a:t>slave</a:t>
+            </a:r>
+            <a:r>
+              <a:rPr lang="zh-CN" altLang="en-US" dirty="0">
+                <a:latin typeface="+mn-ea"/>
+              </a:rPr>
+              <a:t>连到相同的</a:t>
+            </a:r>
+            <a:r>
+              <a:rPr lang="en-US" altLang="zh-CN" dirty="0">
+                <a:latin typeface="+mn-ea"/>
+              </a:rPr>
+              <a:t>master</a:t>
+            </a:r>
+            <a:r>
+              <a:rPr lang="zh-CN" altLang="en-US" dirty="0">
+                <a:latin typeface="+mn-ea"/>
+              </a:rPr>
+              <a:t>外，</a:t>
+            </a:r>
+            <a:r>
+              <a:rPr lang="en-US" altLang="zh-CN" dirty="0">
+                <a:latin typeface="+mn-ea"/>
+              </a:rPr>
+              <a:t>slave</a:t>
+            </a:r>
+            <a:r>
+              <a:rPr lang="zh-CN" altLang="en-US" dirty="0">
+                <a:latin typeface="+mn-ea"/>
+              </a:rPr>
+              <a:t>也可以连接其他</a:t>
+            </a:r>
+            <a:r>
+              <a:rPr lang="en-US" altLang="zh-CN" dirty="0">
+                <a:latin typeface="+mn-ea"/>
+              </a:rPr>
+              <a:t>slave</a:t>
+            </a:r>
+            <a:r>
+              <a:rPr lang="zh-CN" altLang="en-US" dirty="0">
+                <a:latin typeface="+mn-ea"/>
+              </a:rPr>
+              <a:t>形成图状</a:t>
+            </a:r>
+            <a:r>
+              <a:rPr lang="zh-CN" altLang="en-US" dirty="0" smtClean="0">
+                <a:latin typeface="+mn-ea"/>
+              </a:rPr>
+              <a:t>结构。</a:t>
+            </a:r>
+            <a:endParaRPr lang="en-US" altLang="zh-CN" dirty="0" smtClean="0">
+              <a:latin typeface="+mn-ea"/>
+            </a:endParaRPr>
+          </a:p>
+          <a:p>
+            <a:pPr marL="342900" indent="-342900">
+              <a:lnSpc>
+                <a:spcPct val="150000"/>
+              </a:lnSpc>
+              <a:buFont typeface="+mj-lt"/>
+              <a:buAutoNum type="arabicPeriod"/>
+            </a:pPr>
+            <a:r>
+              <a:rPr lang="zh-CN" altLang="en-US" dirty="0" smtClean="0">
+                <a:latin typeface="+mn-ea"/>
+              </a:rPr>
+              <a:t>主从</a:t>
+            </a:r>
+            <a:r>
+              <a:rPr lang="zh-CN" altLang="en-US" dirty="0">
+                <a:latin typeface="+mn-ea"/>
+              </a:rPr>
+              <a:t>复制不会阻塞</a:t>
+            </a:r>
+            <a:r>
+              <a:rPr lang="en-US" altLang="zh-CN" dirty="0">
+                <a:latin typeface="+mn-ea"/>
+              </a:rPr>
+              <a:t>master</a:t>
+            </a:r>
+            <a:r>
+              <a:rPr lang="zh-CN" altLang="en-US" dirty="0">
+                <a:latin typeface="+mn-ea"/>
+              </a:rPr>
+              <a:t>。也就是说当一个或多个</a:t>
+            </a:r>
+            <a:r>
+              <a:rPr lang="en-US" altLang="zh-CN" dirty="0">
+                <a:latin typeface="+mn-ea"/>
+              </a:rPr>
+              <a:t>slave</a:t>
+            </a:r>
+            <a:r>
+              <a:rPr lang="zh-CN" altLang="en-US" dirty="0">
+                <a:latin typeface="+mn-ea"/>
+              </a:rPr>
+              <a:t>与</a:t>
+            </a:r>
+            <a:r>
+              <a:rPr lang="en-US" altLang="zh-CN" dirty="0">
+                <a:latin typeface="+mn-ea"/>
+              </a:rPr>
+              <a:t>master</a:t>
+            </a:r>
+            <a:r>
+              <a:rPr lang="zh-CN" altLang="en-US" dirty="0">
+                <a:latin typeface="+mn-ea"/>
+              </a:rPr>
+              <a:t>进行初次同步数据时，</a:t>
+            </a:r>
+            <a:r>
+              <a:rPr lang="en-US" altLang="zh-CN" dirty="0">
+                <a:latin typeface="+mn-ea"/>
+              </a:rPr>
+              <a:t>master</a:t>
+            </a:r>
+            <a:r>
+              <a:rPr lang="zh-CN" altLang="en-US" dirty="0">
+                <a:latin typeface="+mn-ea"/>
+              </a:rPr>
+              <a:t>可以继续处理</a:t>
+            </a:r>
+            <a:r>
+              <a:rPr lang="en-US" altLang="zh-CN" dirty="0">
+                <a:latin typeface="+mn-ea"/>
+              </a:rPr>
+              <a:t>client</a:t>
+            </a:r>
+            <a:r>
+              <a:rPr lang="zh-CN" altLang="en-US" dirty="0">
+                <a:latin typeface="+mn-ea"/>
+              </a:rPr>
+              <a:t>发来的请求。相反</a:t>
+            </a:r>
+            <a:r>
+              <a:rPr lang="en-US" altLang="zh-CN" dirty="0">
+                <a:latin typeface="+mn-ea"/>
+              </a:rPr>
+              <a:t>slave</a:t>
+            </a:r>
+            <a:r>
+              <a:rPr lang="zh-CN" altLang="en-US" dirty="0">
+                <a:latin typeface="+mn-ea"/>
+              </a:rPr>
+              <a:t>在初次同步数据时则会阻塞，不能处理</a:t>
+            </a:r>
+            <a:r>
+              <a:rPr lang="en-US" altLang="zh-CN" dirty="0">
+                <a:latin typeface="+mn-ea"/>
+              </a:rPr>
+              <a:t>client</a:t>
+            </a:r>
+            <a:r>
+              <a:rPr lang="zh-CN" altLang="en-US" dirty="0">
+                <a:latin typeface="+mn-ea"/>
+              </a:rPr>
+              <a:t>的请求</a:t>
+            </a:r>
+            <a:r>
+              <a:rPr lang="zh-CN" altLang="en-US" dirty="0" smtClean="0">
+                <a:latin typeface="+mn-ea"/>
+              </a:rPr>
+              <a:t>。</a:t>
+            </a:r>
+            <a:endParaRPr lang="en-US" altLang="zh-CN" dirty="0" smtClean="0">
+              <a:latin typeface="+mn-ea"/>
+            </a:endParaRPr>
+          </a:p>
+          <a:p>
+            <a:pPr marL="342900" indent="-342900">
+              <a:lnSpc>
+                <a:spcPct val="150000"/>
+              </a:lnSpc>
+              <a:buFont typeface="+mj-lt"/>
+              <a:buAutoNum type="arabicPeriod"/>
+            </a:pPr>
+            <a:r>
+              <a:rPr lang="zh-CN" altLang="en-US" dirty="0" smtClean="0">
+                <a:latin typeface="+mn-ea"/>
+              </a:rPr>
+              <a:t>主从</a:t>
+            </a:r>
+            <a:r>
+              <a:rPr lang="zh-CN" altLang="en-US" dirty="0">
+                <a:latin typeface="+mn-ea"/>
+              </a:rPr>
+              <a:t>复制可以用来提高系统的可伸缩性（我们可以用多个</a:t>
+            </a:r>
+            <a:r>
+              <a:rPr lang="en-US" altLang="zh-CN" dirty="0">
+                <a:latin typeface="+mn-ea"/>
+              </a:rPr>
+              <a:t>slave </a:t>
+            </a:r>
+            <a:r>
+              <a:rPr lang="zh-CN" altLang="en-US" dirty="0">
+                <a:latin typeface="+mn-ea"/>
+              </a:rPr>
+              <a:t>专门用于</a:t>
+            </a:r>
+            <a:r>
+              <a:rPr lang="en-US" altLang="zh-CN" dirty="0">
+                <a:latin typeface="+mn-ea"/>
+              </a:rPr>
+              <a:t>client</a:t>
+            </a:r>
+            <a:r>
+              <a:rPr lang="zh-CN" altLang="en-US" dirty="0">
+                <a:latin typeface="+mn-ea"/>
+              </a:rPr>
+              <a:t>的读请求，比如</a:t>
+            </a:r>
+            <a:r>
+              <a:rPr lang="en-US" altLang="zh-CN" dirty="0">
+                <a:latin typeface="+mn-ea"/>
+              </a:rPr>
+              <a:t>sort</a:t>
+            </a:r>
+            <a:r>
+              <a:rPr lang="zh-CN" altLang="en-US" dirty="0">
+                <a:latin typeface="+mn-ea"/>
+              </a:rPr>
+              <a:t>操作可以使用</a:t>
+            </a:r>
+            <a:r>
+              <a:rPr lang="en-US" altLang="zh-CN" dirty="0">
+                <a:latin typeface="+mn-ea"/>
+              </a:rPr>
+              <a:t>slave</a:t>
+            </a:r>
+            <a:r>
+              <a:rPr lang="zh-CN" altLang="en-US" dirty="0">
+                <a:latin typeface="+mn-ea"/>
+              </a:rPr>
+              <a:t>来处理），也可以用来做简单的数据冗余</a:t>
+            </a:r>
+            <a:r>
+              <a:rPr lang="zh-CN" altLang="en-US" dirty="0" smtClean="0">
+                <a:latin typeface="+mn-ea"/>
+              </a:rPr>
+              <a:t>。</a:t>
+            </a:r>
+            <a:endParaRPr lang="en-US" altLang="zh-CN" dirty="0" smtClean="0">
+              <a:latin typeface="+mn-ea"/>
+            </a:endParaRPr>
+          </a:p>
+          <a:p>
+            <a:pPr marL="342900" indent="-342900">
+              <a:lnSpc>
+                <a:spcPct val="150000"/>
+              </a:lnSpc>
+              <a:buFont typeface="+mj-lt"/>
+              <a:buAutoNum type="arabicPeriod"/>
+            </a:pPr>
+            <a:r>
+              <a:rPr lang="zh-CN" altLang="en-US" dirty="0" smtClean="0">
+                <a:latin typeface="+mn-ea"/>
+              </a:rPr>
+              <a:t>可以</a:t>
+            </a:r>
+            <a:r>
+              <a:rPr lang="zh-CN" altLang="en-US" dirty="0">
+                <a:latin typeface="+mn-ea"/>
+              </a:rPr>
+              <a:t>在</a:t>
+            </a:r>
+            <a:r>
+              <a:rPr lang="en-US" altLang="zh-CN" dirty="0">
+                <a:latin typeface="+mn-ea"/>
+              </a:rPr>
+              <a:t>master</a:t>
+            </a:r>
+            <a:r>
+              <a:rPr lang="zh-CN" altLang="en-US" dirty="0">
+                <a:latin typeface="+mn-ea"/>
+              </a:rPr>
+              <a:t>禁用数据持久化，只需要注释掉</a:t>
+            </a:r>
+            <a:r>
+              <a:rPr lang="en-US" altLang="zh-CN" dirty="0">
+                <a:latin typeface="+mn-ea"/>
+              </a:rPr>
+              <a:t>master </a:t>
+            </a:r>
+            <a:r>
+              <a:rPr lang="zh-CN" altLang="en-US" dirty="0">
+                <a:latin typeface="+mn-ea"/>
+              </a:rPr>
+              <a:t>配置文件中的所有</a:t>
+            </a:r>
+            <a:r>
+              <a:rPr lang="en-US" altLang="zh-CN" dirty="0">
+                <a:latin typeface="+mn-ea"/>
+              </a:rPr>
+              <a:t>save</a:t>
+            </a:r>
+            <a:r>
+              <a:rPr lang="zh-CN" altLang="en-US" dirty="0">
+                <a:latin typeface="+mn-ea"/>
+              </a:rPr>
+              <a:t>配置，然后只在</a:t>
+            </a:r>
+            <a:r>
+              <a:rPr lang="en-US" altLang="zh-CN" dirty="0">
+                <a:latin typeface="+mn-ea"/>
+              </a:rPr>
+              <a:t>slave</a:t>
+            </a:r>
+            <a:r>
+              <a:rPr lang="zh-CN" altLang="en-US" dirty="0">
+                <a:latin typeface="+mn-ea"/>
+              </a:rPr>
+              <a:t>上配置数据持久化。</a:t>
             </a:r>
             <a:endParaRPr lang="en-US" altLang="zh-CN" b="1" dirty="0">
               <a:latin typeface="+mn-ea"/>
@@ -13636,15 +14964,7 @@
             <a:pPr algn="ctr"/>
             <a:r>
               <a:rPr lang="en-US" altLang="zh-CN" sz="3600" b="1" dirty="0" smtClean="0"/>
-              <a:t>Redi</a:t>
-            </a:r>
-            <a:r>
-              <a:rPr lang="en-US" altLang="zh-CN" sz="3600" b="1" dirty="0" smtClean="0">
-                <a:solidFill>
-                  <a:srgbClr val="F2F2F2"/>
-                </a:solidFill>
-              </a:rPr>
-              <a:t>s</a:t>
+              <a:t>Redis</a:t>
             </a:r>
             <a:r>
               <a:rPr lang="zh-CN" altLang="en-US" sz="3600" b="1" dirty="0" smtClean="0">
@@ -13667,7 +14987,7 @@
         <p:spPr>
           <a:xfrm>
             <a:off x="2672861" y="1139477"/>
-            <a:ext cx="9158068" cy="507831"/>
+            <a:ext cx="9158068" cy="3000821"/>
           </a:xfrm>
           <a:prstGeom prst="rect">
             <a:avLst/>
@@ -13692,14 +15012,188 @@
               <a:t>Redis</a:t>
             </a:r>
             <a:r>
+              <a:rPr lang="zh-CN" altLang="en-US" b="1" dirty="0">
+                <a:latin typeface="+mn-ea"/>
+              </a:rPr>
+              <a:t>事务</a:t>
+            </a:r>
+            <a:r>
               <a:rPr lang="zh-CN" altLang="en-US" b="1" dirty="0" smtClean="0">
                 <a:latin typeface="+mn-ea"/>
               </a:rPr>
-              <a:t>持久化</a:t>
-            </a:r>
-            <a:endParaRPr lang="en-US" altLang="zh-CN" b="1" dirty="0">
+              <a:t>支持</a:t>
+            </a:r>
+            <a:endParaRPr lang="en-US" altLang="zh-CN" b="1" dirty="0" smtClean="0">
               <a:latin typeface="+mn-ea"/>
             </a:endParaRPr>
+          </a:p>
+          <a:p>
+            <a:pPr>
+              <a:lnSpc>
+                <a:spcPct val="150000"/>
+              </a:lnSpc>
+            </a:pPr>
+            <a:r>
+              <a:rPr lang="zh-CN" altLang="en-US" dirty="0"/>
+              <a:t>介绍四个</a:t>
+            </a:r>
+            <a:r>
+              <a:rPr lang="en-US" altLang="zh-CN" dirty="0"/>
+              <a:t>redis</a:t>
+            </a:r>
+            <a:r>
+              <a:rPr lang="zh-CN" altLang="en-US" dirty="0"/>
+              <a:t>指令，即</a:t>
+            </a:r>
+            <a:r>
+              <a:rPr lang="en-US" altLang="zh-CN" dirty="0"/>
+              <a:t>MULTI</a:t>
+            </a:r>
+            <a:r>
+              <a:rPr lang="zh-CN" altLang="en-US" dirty="0"/>
+              <a:t>、</a:t>
+            </a:r>
+            <a:r>
+              <a:rPr lang="en-US" altLang="zh-CN" dirty="0"/>
+              <a:t>EXEC</a:t>
+            </a:r>
+            <a:r>
+              <a:rPr lang="zh-CN" altLang="en-US" dirty="0"/>
+              <a:t>、</a:t>
+            </a:r>
+            <a:r>
+              <a:rPr lang="en-US" altLang="zh-CN" dirty="0"/>
+              <a:t>DISCARD</a:t>
+            </a:r>
+            <a:r>
+              <a:rPr lang="zh-CN" altLang="en-US" dirty="0"/>
+              <a:t>、</a:t>
+            </a:r>
+            <a:r>
+              <a:rPr lang="en-US" altLang="zh-CN" dirty="0"/>
+              <a:t>WATCH</a:t>
+            </a:r>
+            <a:r>
+              <a:rPr lang="zh-CN" altLang="en-US" dirty="0"/>
+              <a:t>。这四个指令构成了</a:t>
+            </a:r>
+            <a:r>
+              <a:rPr lang="en-US" altLang="zh-CN" dirty="0"/>
+              <a:t>redis</a:t>
+            </a:r>
+            <a:r>
+              <a:rPr lang="zh-CN" altLang="en-US" dirty="0"/>
+              <a:t>事务处理的基础</a:t>
+            </a:r>
+            <a:r>
+              <a:rPr lang="zh-CN" altLang="en-US" dirty="0" smtClean="0"/>
+              <a:t>。</a:t>
+            </a:r>
+            <a:endParaRPr lang="en-US" altLang="zh-CN" dirty="0" smtClean="0"/>
+          </a:p>
+          <a:p>
+            <a:pPr marL="342900" indent="-342900">
+              <a:lnSpc>
+                <a:spcPct val="150000"/>
+              </a:lnSpc>
+              <a:buFont typeface="+mj-lt"/>
+              <a:buAutoNum type="arabicPeriod"/>
+            </a:pPr>
+            <a:r>
+              <a:rPr lang="en-US" altLang="zh-CN" dirty="0" smtClean="0"/>
+              <a:t>MULTI</a:t>
+            </a:r>
+            <a:r>
+              <a:rPr lang="zh-CN" altLang="en-US" dirty="0"/>
+              <a:t>用来组装一个事务</a:t>
+            </a:r>
+            <a:r>
+              <a:rPr lang="zh-CN" altLang="en-US" dirty="0" smtClean="0"/>
+              <a:t>；</a:t>
+            </a:r>
+            <a:endParaRPr lang="en-US" altLang="zh-CN" dirty="0" smtClean="0"/>
+          </a:p>
+          <a:p>
+            <a:pPr marL="342900" indent="-342900">
+              <a:lnSpc>
+                <a:spcPct val="150000"/>
+              </a:lnSpc>
+              <a:buFont typeface="+mj-lt"/>
+              <a:buAutoNum type="arabicPeriod"/>
+            </a:pPr>
+            <a:r>
+              <a:rPr lang="en-US" altLang="zh-CN" dirty="0" smtClean="0"/>
+              <a:t>EXEC</a:t>
+            </a:r>
+            <a:r>
+              <a:rPr lang="zh-CN" altLang="en-US" dirty="0"/>
+              <a:t>用来执行一个事务</a:t>
+            </a:r>
+            <a:r>
+              <a:rPr lang="zh-CN" altLang="en-US" dirty="0" smtClean="0"/>
+              <a:t>；</a:t>
+            </a:r>
+            <a:endParaRPr lang="en-US" altLang="zh-CN" dirty="0" smtClean="0"/>
+          </a:p>
+          <a:p>
+            <a:pPr marL="342900" indent="-342900">
+              <a:lnSpc>
+                <a:spcPct val="150000"/>
+              </a:lnSpc>
+              <a:buFont typeface="+mj-lt"/>
+              <a:buAutoNum type="arabicPeriod"/>
+            </a:pPr>
+            <a:r>
+              <a:rPr lang="en-US" altLang="zh-CN" dirty="0" smtClean="0"/>
+              <a:t>DISCARD</a:t>
+            </a:r>
+            <a:r>
+              <a:rPr lang="zh-CN" altLang="en-US" dirty="0"/>
+              <a:t>用来取消一个事务</a:t>
+            </a:r>
+            <a:r>
+              <a:rPr lang="zh-CN" altLang="en-US" dirty="0" smtClean="0"/>
+              <a:t>；</a:t>
+            </a:r>
+            <a:endParaRPr lang="en-US" altLang="zh-CN" dirty="0" smtClean="0"/>
+          </a:p>
+          <a:p>
+            <a:pPr marL="342900" indent="-342900">
+              <a:lnSpc>
+                <a:spcPct val="150000"/>
+              </a:lnSpc>
+              <a:buFont typeface="+mj-lt"/>
+              <a:buAutoNum type="arabicPeriod"/>
+            </a:pPr>
+            <a:r>
+              <a:rPr lang="en-US" altLang="zh-CN" dirty="0" smtClean="0"/>
+              <a:t>WATCH</a:t>
+            </a:r>
+            <a:r>
+              <a:rPr lang="zh-CN" altLang="en-US" dirty="0"/>
+              <a:t>用来监视一些</a:t>
+            </a:r>
+            <a:r>
+              <a:rPr lang="en-US" altLang="zh-CN" dirty="0"/>
+              <a:t>key</a:t>
+            </a:r>
+            <a:r>
+              <a:rPr lang="zh-CN" altLang="en-US" dirty="0"/>
+              <a:t>，一旦这些</a:t>
+            </a:r>
+            <a:r>
+              <a:rPr lang="en-US" altLang="zh-CN" dirty="0"/>
+              <a:t>key</a:t>
+            </a:r>
+            <a:r>
+              <a:rPr lang="zh-CN" altLang="en-US" dirty="0"/>
+              <a:t>在事务执行之前被改变，则取消事务的执行</a:t>
+            </a:r>
+            <a:r>
+              <a:rPr lang="zh-CN" altLang="en-US" dirty="0" smtClean="0"/>
+              <a:t>。</a:t>
+            </a:r>
+            <a:endParaRPr lang="zh-CN" altLang="en-US" dirty="0"/>
           </a:p>
         </p:txBody>
       </p:sp>
@@ -13833,15 +15327,7 @@
             <a:pPr algn="ctr"/>
             <a:r>
               <a:rPr lang="en-US" altLang="zh-CN" sz="3600" b="1" dirty="0" smtClean="0"/>
-              <a:t>Redi</a:t>
-            </a:r>
-            <a:r>
-              <a:rPr lang="en-US" altLang="zh-CN" sz="3600" b="1" dirty="0" smtClean="0">
-                <a:solidFill>
-                  <a:srgbClr val="F2F2F2"/>
-                </a:solidFill>
-              </a:rPr>
-              <a:t>s</a:t>
+              <a:t>Redis</a:t>
             </a:r>
             <a:r>
               <a:rPr lang="zh-CN" altLang="en-US" sz="3600" b="1" dirty="0" smtClean="0">
@@ -13864,7 +15350,7 @@
         <p:spPr>
           <a:xfrm>
             <a:off x="2672861" y="1139477"/>
-            <a:ext cx="9158068" cy="507831"/>
+            <a:ext cx="9158068" cy="923330"/>
           </a:xfrm>
           <a:prstGeom prst="rect">
             <a:avLst/>
@@ -13892,10 +15378,324 @@
               <a:rPr lang="zh-CN" altLang="en-US" b="1" dirty="0" smtClean="0">
                 <a:latin typeface="+mn-ea"/>
               </a:rPr>
-              <a:t>持久化</a:t>
-            </a:r>
-            <a:endParaRPr lang="en-US" altLang="zh-CN" b="1" dirty="0">
+              <a:t>事务支持</a:t>
+            </a:r>
+            <a:endParaRPr lang="en-US" altLang="zh-CN" b="1" dirty="0" smtClean="0">
               <a:latin typeface="+mn-ea"/>
+            </a:endParaRPr>
+          </a:p>
+          <a:p>
+            <a:pPr>
+              <a:lnSpc>
+                <a:spcPct val="150000"/>
+              </a:lnSpc>
+            </a:pPr>
+            <a:r>
+              <a:rPr lang="en-US" altLang="zh-CN" dirty="0" smtClean="0">
+                <a:latin typeface="+mn-ea"/>
+              </a:rPr>
+              <a:t>MULTI</a:t>
+            </a:r>
+            <a:r>
+              <a:rPr lang="zh-CN" altLang="en-US" dirty="0" smtClean="0">
+                <a:latin typeface="+mn-ea"/>
+              </a:rPr>
+              <a:t>指令和</a:t>
+            </a:r>
+            <a:r>
+              <a:rPr lang="en-US" altLang="zh-CN" dirty="0" smtClean="0">
+                <a:latin typeface="+mn-ea"/>
+              </a:rPr>
+              <a:t>EXEC</a:t>
+            </a:r>
+            <a:r>
+              <a:rPr lang="zh-CN" altLang="en-US" dirty="0">
+                <a:latin typeface="+mn-ea"/>
+              </a:rPr>
+              <a:t>指</a:t>
+            </a:r>
+            <a:r>
+              <a:rPr lang="zh-CN" altLang="en-US" dirty="0" smtClean="0">
+                <a:latin typeface="+mn-ea"/>
+              </a:rPr>
+              <a:t>令</a:t>
+            </a:r>
+            <a:endParaRPr lang="en-US" altLang="zh-CN" dirty="0" smtClean="0">
+              <a:latin typeface="+mn-ea"/>
+            </a:endParaRPr>
+          </a:p>
+        </p:txBody>
+      </p:sp>
+      <p:sp>
+        <p:nvSpPr>
+          <p:cNvPr id="3" name="文本框 2"/>
+          <p:cNvSpPr txBox="1"/>
+          <p:nvPr/>
+        </p:nvSpPr>
+        <p:spPr>
+          <a:xfrm>
+            <a:off x="2672861" y="2055265"/>
+            <a:ext cx="9158068" cy="4247317"/>
+          </a:xfrm>
+          <a:prstGeom prst="rect">
+            <a:avLst/>
+          </a:prstGeom>
+          <a:solidFill>
+            <a:schemeClr val="tx1"/>
+          </a:solidFill>
+        </p:spPr>
+        <p:txBody>
+          <a:bodyPr wrap="square" rtlCol="0">
+            <a:spAutoFit/>
+          </a:bodyPr>
+          <a:lstStyle/>
+          <a:p>
+            <a:r>
+              <a:rPr lang="en-US" altLang="zh-CN" dirty="0">
+                <a:solidFill>
+                  <a:schemeClr val="bg1"/>
+                </a:solidFill>
+              </a:rPr>
+              <a:t>redis&gt; MULTI //</a:t>
+            </a:r>
+            <a:r>
+              <a:rPr lang="zh-CN" altLang="en-US" dirty="0">
+                <a:solidFill>
+                  <a:schemeClr val="bg1"/>
+                </a:solidFill>
+              </a:rPr>
+              <a:t>标记事务开始</a:t>
+            </a:r>
+            <a:br>
+              <a:rPr lang="zh-CN" altLang="en-US" dirty="0">
+                <a:solidFill>
+                  <a:schemeClr val="bg1"/>
+                </a:solidFill>
+              </a:rPr>
+            </a:br>
+            <a:r>
+              <a:rPr lang="en-US" altLang="zh-CN" dirty="0">
+                <a:solidFill>
+                  <a:schemeClr val="bg1"/>
+                </a:solidFill>
+              </a:rPr>
+              <a:t>OK</a:t>
+            </a:r>
+            <a:br>
+              <a:rPr lang="en-US" altLang="zh-CN" dirty="0">
+                <a:solidFill>
+                  <a:schemeClr val="bg1"/>
+                </a:solidFill>
+              </a:rPr>
+            </a:br>
+            <a:r>
+              <a:rPr lang="en-US" altLang="zh-CN" dirty="0">
+                <a:solidFill>
+                  <a:schemeClr val="bg1"/>
+                </a:solidFill>
+              </a:rPr>
+              <a:t>redis&gt; INCR user_id //</a:t>
+            </a:r>
+            <a:r>
+              <a:rPr lang="zh-CN" altLang="en-US" dirty="0">
+                <a:solidFill>
+                  <a:schemeClr val="bg1"/>
+                </a:solidFill>
+              </a:rPr>
+              <a:t>多条命令按顺序入队</a:t>
+            </a:r>
+            <a:br>
+              <a:rPr lang="zh-CN" altLang="en-US" dirty="0">
+                <a:solidFill>
+                  <a:schemeClr val="bg1"/>
+                </a:solidFill>
+              </a:rPr>
+            </a:br>
+            <a:r>
+              <a:rPr lang="en-US" altLang="zh-CN" dirty="0">
+                <a:solidFill>
+                  <a:schemeClr val="bg1"/>
+                </a:solidFill>
+              </a:rPr>
+              <a:t>QUEUED</a:t>
+            </a:r>
+            <a:br>
+              <a:rPr lang="en-US" altLang="zh-CN" dirty="0">
+                <a:solidFill>
+                  <a:schemeClr val="bg1"/>
+                </a:solidFill>
+              </a:rPr>
+            </a:br>
+            <a:r>
+              <a:rPr lang="en-US" altLang="zh-CN" dirty="0">
+                <a:solidFill>
+                  <a:schemeClr val="bg1"/>
+                </a:solidFill>
+              </a:rPr>
+              <a:t>redis&gt; INCR user_id</a:t>
+            </a:r>
+            <a:br>
+              <a:rPr lang="en-US" altLang="zh-CN" dirty="0">
+                <a:solidFill>
+                  <a:schemeClr val="bg1"/>
+                </a:solidFill>
+              </a:rPr>
+            </a:br>
+            <a:r>
+              <a:rPr lang="en-US" altLang="zh-CN" dirty="0">
+                <a:solidFill>
+                  <a:schemeClr val="bg1"/>
+                </a:solidFill>
+              </a:rPr>
+              <a:t>QUEUED</a:t>
+            </a:r>
+            <a:br>
+              <a:rPr lang="en-US" altLang="zh-CN" dirty="0">
+                <a:solidFill>
+                  <a:schemeClr val="bg1"/>
+                </a:solidFill>
+              </a:rPr>
+            </a:br>
+            <a:r>
+              <a:rPr lang="en-US" altLang="zh-CN" dirty="0">
+                <a:solidFill>
+                  <a:schemeClr val="bg1"/>
+                </a:solidFill>
+              </a:rPr>
+              <a:t>redis&gt; INCR user_id</a:t>
+            </a:r>
+            <a:br>
+              <a:rPr lang="en-US" altLang="zh-CN" dirty="0">
+                <a:solidFill>
+                  <a:schemeClr val="bg1"/>
+                </a:solidFill>
+              </a:rPr>
+            </a:br>
+            <a:r>
+              <a:rPr lang="en-US" altLang="zh-CN" dirty="0">
+                <a:solidFill>
+                  <a:schemeClr val="bg1"/>
+                </a:solidFill>
+              </a:rPr>
+              <a:t>QUEUED</a:t>
+            </a:r>
+            <a:br>
+              <a:rPr lang="en-US" altLang="zh-CN" dirty="0">
+                <a:solidFill>
+                  <a:schemeClr val="bg1"/>
+                </a:solidFill>
+              </a:rPr>
+            </a:br>
+            <a:r>
+              <a:rPr lang="en-US" altLang="zh-CN" dirty="0">
+                <a:solidFill>
+                  <a:schemeClr val="bg1"/>
+                </a:solidFill>
+              </a:rPr>
+              <a:t>redis&gt; PING</a:t>
+            </a:r>
+            <a:br>
+              <a:rPr lang="en-US" altLang="zh-CN" dirty="0">
+                <a:solidFill>
+                  <a:schemeClr val="bg1"/>
+                </a:solidFill>
+              </a:rPr>
+            </a:br>
+            <a:r>
+              <a:rPr lang="en-US" altLang="zh-CN" dirty="0">
+                <a:solidFill>
+                  <a:schemeClr val="bg1"/>
+                </a:solidFill>
+              </a:rPr>
+              <a:t>QUEUED</a:t>
+            </a:r>
+            <a:br>
+              <a:rPr lang="en-US" altLang="zh-CN" dirty="0">
+                <a:solidFill>
+                  <a:schemeClr val="bg1"/>
+                </a:solidFill>
+              </a:rPr>
+            </a:br>
+            <a:r>
+              <a:rPr lang="en-US" altLang="zh-CN" dirty="0">
+                <a:solidFill>
+                  <a:schemeClr val="bg1"/>
+                </a:solidFill>
+              </a:rPr>
+              <a:t>redis&gt; EXEC //</a:t>
+            </a:r>
+            <a:r>
+              <a:rPr lang="zh-CN" altLang="en-US" dirty="0">
+                <a:solidFill>
+                  <a:schemeClr val="bg1"/>
+                </a:solidFill>
+              </a:rPr>
+              <a:t>执行</a:t>
+            </a:r>
+            <a:br>
+              <a:rPr lang="zh-CN" altLang="en-US" dirty="0">
+                <a:solidFill>
+                  <a:schemeClr val="bg1"/>
+                </a:solidFill>
+              </a:rPr>
+            </a:br>
+            <a:r>
+              <a:rPr lang="en-US" altLang="zh-CN" dirty="0">
+                <a:solidFill>
+                  <a:schemeClr val="bg1"/>
+                </a:solidFill>
+              </a:rPr>
+              <a:t>1) (integer) 1</a:t>
+            </a:r>
+            <a:br>
+              <a:rPr lang="en-US" altLang="zh-CN" dirty="0">
+                <a:solidFill>
+                  <a:schemeClr val="bg1"/>
+                </a:solidFill>
+              </a:rPr>
+            </a:br>
+            <a:r>
+              <a:rPr lang="en-US" altLang="zh-CN" dirty="0">
+                <a:solidFill>
+                  <a:schemeClr val="bg1"/>
+                </a:solidFill>
+              </a:rPr>
+              <a:t>2) (integer) 2</a:t>
+            </a:r>
+            <a:br>
+              <a:rPr lang="en-US" altLang="zh-CN" dirty="0">
+                <a:solidFill>
+                  <a:schemeClr val="bg1"/>
+                </a:solidFill>
+              </a:rPr>
+            </a:br>
+            <a:r>
+              <a:rPr lang="en-US" altLang="zh-CN" dirty="0">
+                <a:solidFill>
+                  <a:schemeClr val="bg1"/>
+                </a:solidFill>
+              </a:rPr>
+              <a:t>3) (integer) 3</a:t>
+            </a:r>
+            <a:br>
+              <a:rPr lang="en-US" altLang="zh-CN" dirty="0">
+                <a:solidFill>
+                  <a:schemeClr val="bg1"/>
+                </a:solidFill>
+              </a:rPr>
+            </a:br>
+            <a:r>
+              <a:rPr lang="en-US" altLang="zh-CN" dirty="0">
+                <a:solidFill>
+                  <a:schemeClr val="bg1"/>
+                </a:solidFill>
+              </a:rPr>
+              <a:t>4) PONG</a:t>
+            </a:r>
+            <a:endParaRPr lang="zh-CN" altLang="en-US" dirty="0">
+              <a:solidFill>
+                <a:schemeClr val="bg1"/>
+              </a:solidFill>
             </a:endParaRPr>
           </a:p>
         </p:txBody>
@@ -14030,15 +15830,7 @@
             <a:pPr algn="ctr"/>
             <a:r>
               <a:rPr lang="en-US" altLang="zh-CN" sz="3600" b="1" dirty="0" smtClean="0"/>
-              <a:t>Redi</a:t>
-            </a:r>
-            <a:r>
-              <a:rPr lang="en-US" altLang="zh-CN" sz="3600" b="1" dirty="0" smtClean="0">
-                <a:solidFill>
-                  <a:srgbClr val="F2F2F2"/>
-                </a:solidFill>
-              </a:rPr>
-              <a:t>s</a:t>
+              <a:t>Redis</a:t>
             </a:r>
             <a:r>
               <a:rPr lang="zh-CN" altLang="en-US" sz="3600" b="1" dirty="0" smtClean="0">
@@ -14061,7 +15853,7 @@
         <p:spPr>
           <a:xfrm>
             <a:off x="2672861" y="1139477"/>
-            <a:ext cx="9158068" cy="507831"/>
+            <a:ext cx="9158068" cy="923330"/>
           </a:xfrm>
           <a:prstGeom prst="rect">
             <a:avLst/>
@@ -14089,11 +15881,343 @@
               <a:rPr lang="zh-CN" altLang="en-US" b="1" dirty="0" smtClean="0">
                 <a:latin typeface="+mn-ea"/>
               </a:rPr>
-              <a:t>持久化</a:t>
-            </a:r>
-            <a:endParaRPr lang="en-US" altLang="zh-CN" b="1" dirty="0">
+              <a:t>事务支持</a:t>
+            </a:r>
+            <a:endParaRPr lang="en-US" altLang="zh-CN" b="1" dirty="0" smtClean="0">
               <a:latin typeface="+mn-ea"/>
             </a:endParaRPr>
+          </a:p>
+          <a:p>
+            <a:pPr>
+              <a:lnSpc>
+                <a:spcPct val="150000"/>
+              </a:lnSpc>
+            </a:pPr>
+            <a:r>
+              <a:rPr lang="en-US" altLang="zh-CN" dirty="0" smtClean="0">
+                <a:latin typeface="+mn-ea"/>
+              </a:rPr>
+              <a:t>Watch</a:t>
+            </a:r>
+            <a:r>
+              <a:rPr lang="zh-CN" altLang="en-US" dirty="0" smtClean="0">
+                <a:latin typeface="+mn-ea"/>
+              </a:rPr>
+              <a:t>指令</a:t>
+            </a:r>
+            <a:endParaRPr lang="en-US" altLang="zh-CN" dirty="0">
+              <a:latin typeface="+mn-ea"/>
+            </a:endParaRPr>
+          </a:p>
+        </p:txBody>
+      </p:sp>
+      <p:sp>
+        <p:nvSpPr>
+          <p:cNvPr id="4" name="矩形 3"/>
+          <p:cNvSpPr/>
+          <p:nvPr/>
+        </p:nvSpPr>
+        <p:spPr>
+          <a:xfrm>
+            <a:off x="2672861" y="2048755"/>
+            <a:ext cx="9158068" cy="3970318"/>
+          </a:xfrm>
+          <a:prstGeom prst="rect">
+            <a:avLst/>
+          </a:prstGeom>
+          <a:solidFill>
+            <a:schemeClr val="tx1"/>
+          </a:solidFill>
+        </p:spPr>
+        <p:txBody>
+          <a:bodyPr wrap="square">
+            <a:spAutoFit/>
+          </a:bodyPr>
+          <a:lstStyle/>
+          <a:p>
+            <a:r>
+              <a:rPr lang="en-US" altLang="zh-CN" dirty="0">
+                <a:solidFill>
+                  <a:schemeClr val="bg1"/>
+                </a:solidFill>
+              </a:rPr>
+              <a:t>127.0.0.1:6379&gt; set age 23</a:t>
+            </a:r>
+            <a:br>
+              <a:rPr lang="en-US" altLang="zh-CN" dirty="0">
+                <a:solidFill>
+                  <a:schemeClr val="bg1"/>
+                </a:solidFill>
+              </a:rPr>
+            </a:br>
+            <a:r>
+              <a:rPr lang="en-US" altLang="zh-CN" dirty="0">
+                <a:solidFill>
+                  <a:schemeClr val="bg1"/>
+                </a:solidFill>
+              </a:rPr>
+              <a:t>OK</a:t>
+            </a:r>
+            <a:br>
+              <a:rPr lang="en-US" altLang="zh-CN" dirty="0">
+                <a:solidFill>
+                  <a:schemeClr val="bg1"/>
+                </a:solidFill>
+              </a:rPr>
+            </a:br>
+            <a:r>
+              <a:rPr lang="en-US" altLang="zh-CN" dirty="0">
+                <a:solidFill>
+                  <a:schemeClr val="bg1"/>
+                </a:solidFill>
+              </a:rPr>
+              <a:t>127.0.0.1:6379&gt; watch age //</a:t>
+            </a:r>
+            <a:r>
+              <a:rPr lang="zh-CN" altLang="en-US" dirty="0">
+                <a:solidFill>
+                  <a:schemeClr val="bg1"/>
+                </a:solidFill>
+              </a:rPr>
+              <a:t>开始监视</a:t>
+            </a:r>
+            <a:r>
+              <a:rPr lang="en-US" altLang="zh-CN" dirty="0">
+                <a:solidFill>
+                  <a:schemeClr val="bg1"/>
+                </a:solidFill>
+              </a:rPr>
+              <a:t>age</a:t>
+            </a:r>
+            <a:br>
+              <a:rPr lang="en-US" altLang="zh-CN" dirty="0">
+                <a:solidFill>
+                  <a:schemeClr val="bg1"/>
+                </a:solidFill>
+              </a:rPr>
+            </a:br>
+            <a:r>
+              <a:rPr lang="en-US" altLang="zh-CN" dirty="0">
+                <a:solidFill>
+                  <a:schemeClr val="bg1"/>
+                </a:solidFill>
+              </a:rPr>
+              <a:t>OK</a:t>
+            </a:r>
+            <a:br>
+              <a:rPr lang="en-US" altLang="zh-CN" dirty="0">
+                <a:solidFill>
+                  <a:schemeClr val="bg1"/>
+                </a:solidFill>
+              </a:rPr>
+            </a:br>
+            <a:r>
+              <a:rPr lang="en-US" altLang="zh-CN" dirty="0">
+                <a:solidFill>
+                  <a:schemeClr val="bg1"/>
+                </a:solidFill>
+              </a:rPr>
+              <a:t>127.0.0.1:6379&gt; set age 24 //</a:t>
+            </a:r>
+            <a:r>
+              <a:rPr lang="zh-CN" altLang="en-US" dirty="0">
+                <a:solidFill>
+                  <a:schemeClr val="bg1"/>
+                </a:solidFill>
+              </a:rPr>
+              <a:t>在</a:t>
+            </a:r>
+            <a:r>
+              <a:rPr lang="en-US" altLang="zh-CN" dirty="0">
+                <a:solidFill>
+                  <a:schemeClr val="bg1"/>
+                </a:solidFill>
+              </a:rPr>
+              <a:t>EXEC</a:t>
+            </a:r>
+            <a:r>
+              <a:rPr lang="zh-CN" altLang="en-US" dirty="0">
+                <a:solidFill>
+                  <a:schemeClr val="bg1"/>
+                </a:solidFill>
+              </a:rPr>
+              <a:t>之前，</a:t>
+            </a:r>
+            <a:r>
+              <a:rPr lang="en-US" altLang="zh-CN" dirty="0">
+                <a:solidFill>
+                  <a:schemeClr val="bg1"/>
+                </a:solidFill>
+              </a:rPr>
+              <a:t>age</a:t>
+            </a:r>
+            <a:r>
+              <a:rPr lang="zh-CN" altLang="en-US" dirty="0">
+                <a:solidFill>
+                  <a:schemeClr val="bg1"/>
+                </a:solidFill>
+              </a:rPr>
+              <a:t>的值被修改了</a:t>
+            </a:r>
+            <a:br>
+              <a:rPr lang="zh-CN" altLang="en-US" dirty="0">
+                <a:solidFill>
+                  <a:schemeClr val="bg1"/>
+                </a:solidFill>
+              </a:rPr>
+            </a:br>
+            <a:r>
+              <a:rPr lang="en-US" altLang="zh-CN" dirty="0">
+                <a:solidFill>
+                  <a:schemeClr val="bg1"/>
+                </a:solidFill>
+              </a:rPr>
+              <a:t>OK</a:t>
+            </a:r>
+            <a:br>
+              <a:rPr lang="en-US" altLang="zh-CN" dirty="0">
+                <a:solidFill>
+                  <a:schemeClr val="bg1"/>
+                </a:solidFill>
+              </a:rPr>
+            </a:br>
+            <a:r>
+              <a:rPr lang="en-US" altLang="zh-CN" dirty="0">
+                <a:solidFill>
+                  <a:schemeClr val="bg1"/>
+                </a:solidFill>
+              </a:rPr>
+              <a:t>127.0.0.1:6379&gt; multi</a:t>
+            </a:r>
+            <a:br>
+              <a:rPr lang="en-US" altLang="zh-CN" dirty="0">
+                <a:solidFill>
+                  <a:schemeClr val="bg1"/>
+                </a:solidFill>
+              </a:rPr>
+            </a:br>
+            <a:r>
+              <a:rPr lang="en-US" altLang="zh-CN" dirty="0">
+                <a:solidFill>
+                  <a:schemeClr val="bg1"/>
+                </a:solidFill>
+              </a:rPr>
+              <a:t>OK</a:t>
+            </a:r>
+            <a:br>
+              <a:rPr lang="en-US" altLang="zh-CN" dirty="0">
+                <a:solidFill>
+                  <a:schemeClr val="bg1"/>
+                </a:solidFill>
+              </a:rPr>
+            </a:br>
+            <a:r>
+              <a:rPr lang="en-US" altLang="zh-CN" dirty="0">
+                <a:solidFill>
+                  <a:schemeClr val="bg1"/>
+                </a:solidFill>
+              </a:rPr>
+              <a:t>127.0.0.1:6379&gt; set age 25</a:t>
+            </a:r>
+            <a:br>
+              <a:rPr lang="en-US" altLang="zh-CN" dirty="0">
+                <a:solidFill>
+                  <a:schemeClr val="bg1"/>
+                </a:solidFill>
+              </a:rPr>
+            </a:br>
+            <a:r>
+              <a:rPr lang="en-US" altLang="zh-CN" dirty="0">
+                <a:solidFill>
+                  <a:schemeClr val="bg1"/>
+                </a:solidFill>
+              </a:rPr>
+              <a:t>QUEUED</a:t>
+            </a:r>
+            <a:br>
+              <a:rPr lang="en-US" altLang="zh-CN" dirty="0">
+                <a:solidFill>
+                  <a:schemeClr val="bg1"/>
+                </a:solidFill>
+              </a:rPr>
+            </a:br>
+            <a:r>
+              <a:rPr lang="en-US" altLang="zh-CN" dirty="0">
+                <a:solidFill>
+                  <a:schemeClr val="bg1"/>
+                </a:solidFill>
+              </a:rPr>
+              <a:t>127.0.0.1:6379&gt; get age</a:t>
+            </a:r>
+            <a:br>
+              <a:rPr lang="en-US" altLang="zh-CN" dirty="0">
+                <a:solidFill>
+                  <a:schemeClr val="bg1"/>
+                </a:solidFill>
+              </a:rPr>
+            </a:br>
+            <a:r>
+              <a:rPr lang="en-US" altLang="zh-CN" dirty="0">
+                <a:solidFill>
+                  <a:schemeClr val="bg1"/>
+                </a:solidFill>
+              </a:rPr>
+              <a:t>QUEUED</a:t>
+            </a:r>
+            <a:br>
+              <a:rPr lang="en-US" altLang="zh-CN" dirty="0">
+                <a:solidFill>
+                  <a:schemeClr val="bg1"/>
+                </a:solidFill>
+              </a:rPr>
+            </a:br>
+            <a:r>
+              <a:rPr lang="en-US" altLang="zh-CN" dirty="0">
+                <a:solidFill>
+                  <a:schemeClr val="bg1"/>
+                </a:solidFill>
+              </a:rPr>
+              <a:t>127.0.0.1:6379&gt; exec //</a:t>
+            </a:r>
+            <a:r>
+              <a:rPr lang="zh-CN" altLang="en-US" dirty="0">
+                <a:solidFill>
+                  <a:schemeClr val="bg1"/>
+                </a:solidFill>
+              </a:rPr>
+              <a:t>触发</a:t>
+            </a:r>
+            <a:r>
+              <a:rPr lang="en-US" altLang="zh-CN" dirty="0">
+                <a:solidFill>
+                  <a:schemeClr val="bg1"/>
+                </a:solidFill>
+              </a:rPr>
+              <a:t>EXEC</a:t>
+            </a:r>
+            <a:br>
+              <a:rPr lang="en-US" altLang="zh-CN" dirty="0">
+                <a:solidFill>
+                  <a:schemeClr val="bg1"/>
+                </a:solidFill>
+              </a:rPr>
+            </a:br>
+            <a:r>
+              <a:rPr lang="en-US" altLang="zh-CN" dirty="0">
+                <a:solidFill>
+                  <a:schemeClr val="bg1"/>
+                </a:solidFill>
+              </a:rPr>
+              <a:t>(nil) //</a:t>
+            </a:r>
+            <a:r>
+              <a:rPr lang="zh-CN" altLang="en-US" dirty="0">
+                <a:solidFill>
+                  <a:schemeClr val="bg1"/>
+                </a:solidFill>
+              </a:rPr>
+              <a:t>事务无法被执行</a:t>
+            </a:r>
           </a:p>
         </p:txBody>
       </p:sp>
@@ -14289,16 +16413,12 @@
               <a:t>          介绍</a:t>
             </a:r>
             <a:r>
-              <a:rPr lang="en-US" altLang="zh-CN" dirty="0"/>
-              <a:t>redis</a:t>
-            </a:r>
-            <a:r>
-              <a:rPr lang="zh-CN" altLang="en-US" dirty="0"/>
-              <a:t>前</a:t>
+              <a:rPr lang="en-US" altLang="zh-CN" dirty="0" smtClean="0"/>
+              <a:t>Redis</a:t>
             </a:r>
             <a:r>
               <a:rPr lang="zh-CN" altLang="en-US" dirty="0" smtClean="0"/>
-              <a:t>，先</a:t>
+              <a:t>前，先</a:t>
             </a:r>
             <a:r>
               <a:rPr lang="zh-CN" altLang="en-US" dirty="0"/>
@@ -14364,8 +16484,12 @@
               <a:t>产品： </a:t>
             </a:r>
             <a:r>
+              <a:rPr lang="en-US" altLang="zh-CN" dirty="0" smtClean="0"/>
+              <a:t>Redis/MongoDB/Memcached/Hbase/Cassandra</a:t>
+            </a:r>
+            <a:r>
               <a:rPr lang="en-US" altLang="zh-CN" dirty="0"/>
-              <a:t>Redis/MongoDB/Memcached/Hbase/Cassandra/ Tokyo </a:t>
+              <a:t>/ Tokyo </a:t>
             </a:r>
             <a:r>
               <a:rPr lang="en-US" altLang="zh-CN" dirty="0" smtClean="0"/>
@@ -14695,7 +16819,7 @@
               <a:t>Redis</a:t>
             </a:r>
             <a:r>
-              <a:rPr lang="zh-CN" altLang="en-US" sz="3600" b="1" dirty="0"/>
+              <a:rPr lang="zh-CN" altLang="en-US" sz="3600" b="1" dirty="0" smtClean="0"/>
               <a:t>配置</a:t>
             </a:r>
             <a:endParaRPr lang="zh-CN" altLang="en-US" sz="3600" b="1" dirty="0">
@@ -14782,2062 +16906,6 @@
 </file>
 
 <file path=ppt/slides/slide31.xml><?xml version="1.0" encoding="utf-8"?>
-<p:sld xmlns:a="http://schemas.openxmlformats.org/drawingml/2006/main" xmlns:r="http://schemas.openxmlformats.org/officeDocument/2006/relationships" xmlns:p="http://schemas.openxmlformats.org/presentationml/2006/main">
-  <p:cSld>
-    <p:spTree>
-      <p:nvGrpSpPr>
-        <p:cNvPr id="1" name=""/>
-        <p:cNvGrpSpPr/>
-        <p:nvPr/>
-      </p:nvGrpSpPr>
-      <p:grpSpPr>
-        <a:xfrm>
-          <a:off x="0" y="0"/>
-          <a:ext cx="0" cy="0"/>
-          <a:chOff x="0" y="0"/>
-          <a:chExt cx="0" cy="0"/>
-        </a:xfrm>
-      </p:grpSpPr>
-      <p:sp>
-        <p:nvSpPr>
-          <p:cNvPr id="2" name="矩形 1"/>
-          <p:cNvSpPr/>
-          <p:nvPr/>
-        </p:nvSpPr>
-        <p:spPr>
-          <a:xfrm>
-            <a:off x="0" y="6335485"/>
-            <a:ext cx="12192000" cy="522515"/>
-          </a:xfrm>
-          <a:prstGeom prst="rect">
-            <a:avLst/>
-          </a:prstGeom>
-          <a:solidFill>
-            <a:srgbClr val="037D6A"/>
-          </a:solidFill>
-          <a:ln>
-            <a:noFill/>
-          </a:ln>
-        </p:spPr>
-        <p:style>
-          <a:lnRef idx="2">
-            <a:schemeClr val="accent1">
-              <a:shade val="50000"/>
-            </a:schemeClr>
-          </a:lnRef>
-          <a:fillRef idx="1">
-            <a:schemeClr val="accent1"/>
-          </a:fillRef>
-          <a:effectRef idx="0">
-            <a:schemeClr val="accent1"/>
-          </a:effectRef>
-          <a:fontRef idx="minor">
-            <a:schemeClr val="lt1"/>
-          </a:fontRef>
-        </p:style>
-        <p:txBody>
-          <a:bodyPr rtlCol="0" anchor="ctr"/>
-          <a:lstStyle/>
-          <a:p>
-            <a:pPr algn="ctr"/>
-            <a:endParaRPr lang="zh-CN" altLang="en-US"/>
-          </a:p>
-        </p:txBody>
-      </p:sp>
-      <p:sp>
-        <p:nvSpPr>
-          <p:cNvPr id="3" name="矩形 2"/>
-          <p:cNvSpPr/>
-          <p:nvPr/>
-        </p:nvSpPr>
-        <p:spPr>
-          <a:xfrm>
-            <a:off x="17060" y="-987"/>
-            <a:ext cx="3471727" cy="696446"/>
-          </a:xfrm>
-          <a:prstGeom prst="rect">
-            <a:avLst/>
-          </a:prstGeom>
-          <a:solidFill>
-            <a:srgbClr val="037D6A"/>
-          </a:solidFill>
-          <a:ln>
-            <a:noFill/>
-          </a:ln>
-        </p:spPr>
-        <p:style>
-          <a:lnRef idx="2">
-            <a:schemeClr val="accent1">
-              <a:shade val="50000"/>
-            </a:schemeClr>
-          </a:lnRef>
-          <a:fillRef idx="1">
-            <a:schemeClr val="accent1"/>
-          </a:fillRef>
-          <a:effectRef idx="0">
-            <a:schemeClr val="accent1"/>
-          </a:effectRef>
-          <a:fontRef idx="minor">
-            <a:schemeClr val="lt1"/>
-          </a:fontRef>
-        </p:style>
-        <p:txBody>
-          <a:bodyPr rtlCol="0" anchor="ctr"/>
-          <a:lstStyle/>
-          <a:p>
-            <a:pPr algn="ctr"/>
-            <a:r>
-              <a:rPr lang="en-US" altLang="zh-CN" sz="3600" b="1" dirty="0" smtClean="0"/>
-              <a:t>Redis</a:t>
-            </a:r>
-            <a:r>
-              <a:rPr lang="zh-CN" altLang="en-US" sz="3600" b="1" dirty="0" smtClean="0"/>
-              <a:t>应用场景</a:t>
-            </a:r>
-            <a:endParaRPr lang="zh-CN" altLang="en-US" sz="3600" b="1" dirty="0">
-              <a:solidFill>
-                <a:srgbClr val="F2F2F2"/>
-              </a:solidFill>
-            </a:endParaRPr>
-          </a:p>
-        </p:txBody>
-      </p:sp>
-      <p:sp>
-        <p:nvSpPr>
-          <p:cNvPr id="5" name="Rectangle 3"/>
-          <p:cNvSpPr>
-            <a:spLocks noGrp="1" noChangeArrowheads="1"/>
-          </p:cNvSpPr>
-          <p:nvPr/>
-        </p:nvSpPr>
-        <p:spPr bwMode="auto">
-          <a:xfrm>
-            <a:off x="1714500" y="800100"/>
-            <a:ext cx="8763000" cy="5257800"/>
-          </a:xfrm>
-          <a:prstGeom prst="rect">
-            <a:avLst/>
-          </a:prstGeom>
-          <a:noFill/>
-          <a:ln>
-            <a:noFill/>
-          </a:ln>
-          <a:extLst>
-            <a:ext uri="{909E8E84-426E-40DD-AFC4-6F175D3DCCD1}">
-              <a14:hiddenFill xmlns:a14="http://schemas.microsoft.com/office/drawing/2010/main">
-                <a:solidFill>
-                  <a:srgbClr val="FFFFFF"/>
-                </a:solidFill>
-              </a14:hiddenFill>
-            </a:ext>
-            <a:ext uri="{91240B29-F687-4F45-9708-019B960494DF}">
-              <a14:hiddenLine xmlns:a14="http://schemas.microsoft.com/office/drawing/2010/main" w="9525">
-                <a:solidFill>
-                  <a:srgbClr val="000000"/>
-                </a:solidFill>
-                <a:miter lim="800000"/>
-                <a:headEnd/>
-                <a:tailEnd/>
-              </a14:hiddenLine>
-            </a:ext>
-          </a:extLst>
-        </p:spPr>
-        <p:txBody>
-          <a:bodyPr vert="horz" wrap="square" lIns="91440" tIns="45720" rIns="91440" bIns="45720" numCol="1" anchor="t" anchorCtr="0" compatLnSpc="1">
-            <a:prstTxWarp prst="textNoShape">
-              <a:avLst/>
-            </a:prstTxWarp>
-          </a:bodyPr>
-          <a:lstStyle>
-            <a:lvl1pPr marL="342900" indent="-342900" algn="l" rtl="0" eaLnBrk="0" fontAlgn="base" hangingPunct="0">
-              <a:spcBef>
-                <a:spcPct val="20000"/>
-              </a:spcBef>
-              <a:spcAft>
-                <a:spcPct val="0"/>
-              </a:spcAft>
-              <a:buChar char="•"/>
-              <a:defRPr sz="2400">
-                <a:solidFill>
-                  <a:schemeClr val="tx1"/>
-                </a:solidFill>
-                <a:latin typeface="+mn-lt"/>
-                <a:ea typeface="+mn-ea"/>
-                <a:cs typeface="+mn-cs"/>
-              </a:defRPr>
-            </a:lvl1pPr>
-            <a:lvl2pPr marL="742950" indent="-285750" algn="l" rtl="0" eaLnBrk="0" fontAlgn="base" hangingPunct="0">
-              <a:spcBef>
-                <a:spcPct val="20000"/>
-              </a:spcBef>
-              <a:spcAft>
-                <a:spcPct val="0"/>
-              </a:spcAft>
-              <a:buChar char="–"/>
-              <a:defRPr sz="2000">
-                <a:solidFill>
-                  <a:schemeClr val="tx1"/>
-                </a:solidFill>
-                <a:latin typeface="+mn-lt"/>
-                <a:cs typeface="+mn-cs"/>
-              </a:defRPr>
-            </a:lvl2pPr>
-            <a:lvl3pPr marL="1143000" indent="-228600" algn="l" rtl="0" eaLnBrk="0" fontAlgn="base" hangingPunct="0">
-              <a:spcBef>
-                <a:spcPct val="20000"/>
-              </a:spcBef>
-              <a:spcAft>
-                <a:spcPct val="0"/>
-              </a:spcAft>
-              <a:buChar char="•"/>
-              <a:defRPr>
-                <a:solidFill>
-                  <a:schemeClr val="tx1"/>
-                </a:solidFill>
-                <a:latin typeface="+mn-lt"/>
-                <a:cs typeface="+mn-cs"/>
-              </a:defRPr>
-            </a:lvl3pPr>
-            <a:lvl4pPr marL="1600200" indent="-228600" algn="l" rtl="0" eaLnBrk="0" fontAlgn="base" hangingPunct="0">
-              <a:spcBef>
-                <a:spcPct val="20000"/>
-              </a:spcBef>
-              <a:spcAft>
-                <a:spcPct val="0"/>
-              </a:spcAft>
-              <a:buChar char="–"/>
-              <a:defRPr sz="1600">
-                <a:solidFill>
-                  <a:schemeClr val="tx1"/>
-                </a:solidFill>
-                <a:latin typeface="+mn-lt"/>
-                <a:cs typeface="+mn-cs"/>
-              </a:defRPr>
-            </a:lvl4pPr>
-            <a:lvl5pPr marL="2057400" indent="-228600" algn="l" rtl="0" eaLnBrk="0" fontAlgn="base" hangingPunct="0">
-              <a:spcBef>
-                <a:spcPct val="20000"/>
-              </a:spcBef>
-              <a:spcAft>
-                <a:spcPct val="0"/>
-              </a:spcAft>
-              <a:buChar char="»"/>
-              <a:defRPr sz="1600">
-                <a:solidFill>
-                  <a:schemeClr val="tx1"/>
-                </a:solidFill>
-                <a:latin typeface="+mn-lt"/>
-                <a:cs typeface="+mn-cs"/>
-              </a:defRPr>
-            </a:lvl5pPr>
-            <a:lvl6pPr marL="2514600" indent="-228600" algn="l" rtl="0" eaLnBrk="1" fontAlgn="base" hangingPunct="1">
-              <a:spcBef>
-                <a:spcPct val="20000"/>
-              </a:spcBef>
-              <a:spcAft>
-                <a:spcPct val="0"/>
-              </a:spcAft>
-              <a:buChar char="»"/>
-              <a:defRPr sz="1600">
-                <a:solidFill>
-                  <a:schemeClr val="tx1"/>
-                </a:solidFill>
-                <a:latin typeface="+mn-lt"/>
-                <a:cs typeface="+mn-cs"/>
-              </a:defRPr>
-            </a:lvl6pPr>
-            <a:lvl7pPr marL="2971800" indent="-228600" algn="l" rtl="0" eaLnBrk="1" fontAlgn="base" hangingPunct="1">
-              <a:spcBef>
-                <a:spcPct val="20000"/>
-              </a:spcBef>
-              <a:spcAft>
-                <a:spcPct val="0"/>
-              </a:spcAft>
-              <a:buChar char="»"/>
-              <a:defRPr sz="1600">
-                <a:solidFill>
-                  <a:schemeClr val="tx1"/>
-                </a:solidFill>
-                <a:latin typeface="+mn-lt"/>
-                <a:cs typeface="+mn-cs"/>
-              </a:defRPr>
-            </a:lvl7pPr>
-            <a:lvl8pPr marL="3429000" indent="-228600" algn="l" rtl="0" eaLnBrk="1" fontAlgn="base" hangingPunct="1">
-              <a:spcBef>
-                <a:spcPct val="20000"/>
-              </a:spcBef>
-              <a:spcAft>
-                <a:spcPct val="0"/>
-              </a:spcAft>
-              <a:buChar char="»"/>
-              <a:defRPr sz="1600">
-                <a:solidFill>
-                  <a:schemeClr val="tx1"/>
-                </a:solidFill>
-                <a:latin typeface="+mn-lt"/>
-                <a:cs typeface="+mn-cs"/>
-              </a:defRPr>
-            </a:lvl8pPr>
-            <a:lvl9pPr marL="3886200" indent="-228600" algn="l" rtl="0" eaLnBrk="1" fontAlgn="base" hangingPunct="1">
-              <a:spcBef>
-                <a:spcPct val="20000"/>
-              </a:spcBef>
-              <a:spcAft>
-                <a:spcPct val="0"/>
-              </a:spcAft>
-              <a:buChar char="»"/>
-              <a:defRPr sz="1600">
-                <a:solidFill>
-                  <a:schemeClr val="tx1"/>
-                </a:solidFill>
-                <a:latin typeface="+mn-lt"/>
-                <a:cs typeface="+mn-cs"/>
-              </a:defRPr>
-            </a:lvl9pPr>
-          </a:lstStyle>
-          <a:p>
-            <a:pPr marL="457200" indent="-457200">
-              <a:buFontTx/>
-              <a:buNone/>
-            </a:pPr>
-            <a:r>
-              <a:rPr lang="en-US" altLang="zh-CN" sz="1800" b="1" smtClean="0">
-                <a:latin typeface="华文细黑" panose="02010600040101010101" pitchFamily="2" charset="-122"/>
-                <a:ea typeface="华文细黑" panose="02010600040101010101" pitchFamily="2" charset="-122"/>
-              </a:rPr>
-              <a:t>1.</a:t>
-            </a:r>
-            <a:r>
-              <a:rPr lang="zh-CN" altLang="en-US" sz="1800" b="1" smtClean="0">
-                <a:latin typeface="华文细黑" panose="02010600040101010101" pitchFamily="2" charset="-122"/>
-                <a:ea typeface="华文细黑" panose="02010600040101010101" pitchFamily="2" charset="-122"/>
-              </a:rPr>
-              <a:t>取最新</a:t>
-            </a:r>
-            <a:r>
-              <a:rPr lang="en-US" altLang="zh-CN" sz="1800" b="1" smtClean="0">
-                <a:latin typeface="华文细黑" panose="02010600040101010101" pitchFamily="2" charset="-122"/>
-                <a:ea typeface="华文细黑" panose="02010600040101010101" pitchFamily="2" charset="-122"/>
-              </a:rPr>
-              <a:t>N</a:t>
-            </a:r>
-            <a:r>
-              <a:rPr lang="zh-CN" altLang="en-US" sz="1800" b="1" smtClean="0">
-                <a:latin typeface="华文细黑" panose="02010600040101010101" pitchFamily="2" charset="-122"/>
-                <a:ea typeface="华文细黑" panose="02010600040101010101" pitchFamily="2" charset="-122"/>
-              </a:rPr>
-              <a:t>个数据的操作</a:t>
-            </a:r>
-          </a:p>
-          <a:p>
-            <a:pPr marL="838200" lvl="1" indent="-381000"/>
-            <a:r>
-              <a:rPr lang="zh-CN" altLang="en-US" sz="1800" smtClean="0">
-                <a:latin typeface="华文细黑" panose="02010600040101010101" pitchFamily="2" charset="-122"/>
-                <a:ea typeface="华文细黑" panose="02010600040101010101" pitchFamily="2" charset="-122"/>
-              </a:rPr>
-              <a:t>比如典型的取你网站的最新文章，通过下面方式，我们可以将最新的</a:t>
-            </a:r>
-            <a:r>
-              <a:rPr lang="en-US" altLang="zh-CN" sz="1800" smtClean="0">
-                <a:latin typeface="华文细黑" panose="02010600040101010101" pitchFamily="2" charset="-122"/>
-                <a:ea typeface="华文细黑" panose="02010600040101010101" pitchFamily="2" charset="-122"/>
-              </a:rPr>
-              <a:t>5000</a:t>
-            </a:r>
-            <a:r>
-              <a:rPr lang="zh-CN" altLang="en-US" sz="1800" smtClean="0">
-                <a:latin typeface="华文细黑" panose="02010600040101010101" pitchFamily="2" charset="-122"/>
-                <a:ea typeface="华文细黑" panose="02010600040101010101" pitchFamily="2" charset="-122"/>
-              </a:rPr>
-              <a:t>条评论的</a:t>
-            </a:r>
-            <a:r>
-              <a:rPr lang="en-US" altLang="zh-CN" sz="1800" smtClean="0">
-                <a:latin typeface="华文细黑" panose="02010600040101010101" pitchFamily="2" charset="-122"/>
-                <a:ea typeface="华文细黑" panose="02010600040101010101" pitchFamily="2" charset="-122"/>
-              </a:rPr>
-              <a:t>ID</a:t>
-            </a:r>
-            <a:r>
-              <a:rPr lang="zh-CN" altLang="en-US" sz="1800" smtClean="0">
-                <a:latin typeface="华文细黑" panose="02010600040101010101" pitchFamily="2" charset="-122"/>
-                <a:ea typeface="华文细黑" panose="02010600040101010101" pitchFamily="2" charset="-122"/>
-              </a:rPr>
-              <a:t>放在</a:t>
-            </a:r>
-            <a:r>
-              <a:rPr lang="en-US" altLang="zh-CN" sz="1800" smtClean="0">
-                <a:latin typeface="华文细黑" panose="02010600040101010101" pitchFamily="2" charset="-122"/>
-                <a:ea typeface="华文细黑" panose="02010600040101010101" pitchFamily="2" charset="-122"/>
-              </a:rPr>
-              <a:t>Redis</a:t>
-            </a:r>
-            <a:r>
-              <a:rPr lang="zh-CN" altLang="en-US" sz="1800" smtClean="0">
-                <a:latin typeface="华文细黑" panose="02010600040101010101" pitchFamily="2" charset="-122"/>
-                <a:ea typeface="华文细黑" panose="02010600040101010101" pitchFamily="2" charset="-122"/>
-              </a:rPr>
-              <a:t>的</a:t>
-            </a:r>
-            <a:r>
-              <a:rPr lang="en-US" altLang="zh-CN" sz="1800" smtClean="0">
-                <a:latin typeface="华文细黑" panose="02010600040101010101" pitchFamily="2" charset="-122"/>
-                <a:ea typeface="华文细黑" panose="02010600040101010101" pitchFamily="2" charset="-122"/>
-              </a:rPr>
-              <a:t>List</a:t>
-            </a:r>
-            <a:r>
-              <a:rPr lang="zh-CN" altLang="en-US" sz="1800" smtClean="0">
-                <a:latin typeface="华文细黑" panose="02010600040101010101" pitchFamily="2" charset="-122"/>
-                <a:ea typeface="华文细黑" panose="02010600040101010101" pitchFamily="2" charset="-122"/>
-              </a:rPr>
-              <a:t>集合中，并将超出集合部分从数据库获取</a:t>
-            </a:r>
-          </a:p>
-          <a:p>
-            <a:pPr marL="1257300" lvl="2" indent="-342900"/>
-            <a:r>
-              <a:rPr lang="zh-CN" altLang="en-US" smtClean="0">
-                <a:latin typeface="华文细黑" panose="02010600040101010101" pitchFamily="2" charset="-122"/>
-                <a:ea typeface="华文细黑" panose="02010600040101010101" pitchFamily="2" charset="-122"/>
-              </a:rPr>
-              <a:t>使用</a:t>
-            </a:r>
-            <a:r>
-              <a:rPr lang="en-US" altLang="zh-CN" smtClean="0">
-                <a:latin typeface="华文细黑" panose="02010600040101010101" pitchFamily="2" charset="-122"/>
-                <a:ea typeface="华文细黑" panose="02010600040101010101" pitchFamily="2" charset="-122"/>
-              </a:rPr>
-              <a:t>LPUSH latest.comments&lt;ID&gt;</a:t>
-            </a:r>
-            <a:r>
-              <a:rPr lang="zh-CN" altLang="en-US" smtClean="0">
-                <a:latin typeface="华文细黑" panose="02010600040101010101" pitchFamily="2" charset="-122"/>
-                <a:ea typeface="华文细黑" panose="02010600040101010101" pitchFamily="2" charset="-122"/>
-              </a:rPr>
-              <a:t>命令，向</a:t>
-            </a:r>
-            <a:r>
-              <a:rPr lang="en-US" altLang="zh-CN" b="1" smtClean="0">
-                <a:latin typeface="华文细黑" panose="02010600040101010101" pitchFamily="2" charset="-122"/>
-                <a:ea typeface="华文细黑" panose="02010600040101010101" pitchFamily="2" charset="-122"/>
-                <a:hlinkClick r:id="rId2" tooltip="查看 list 的全部文章"/>
-              </a:rPr>
-              <a:t>list</a:t>
-            </a:r>
-            <a:r>
-              <a:rPr lang="zh-CN" altLang="en-US" smtClean="0">
-                <a:latin typeface="华文细黑" panose="02010600040101010101" pitchFamily="2" charset="-122"/>
-                <a:ea typeface="华文细黑" panose="02010600040101010101" pitchFamily="2" charset="-122"/>
-              </a:rPr>
-              <a:t>集合中插入数据 </a:t>
-            </a:r>
-          </a:p>
-          <a:p>
-            <a:pPr marL="1257300" lvl="2" indent="-342900"/>
-            <a:r>
-              <a:rPr lang="zh-CN" altLang="en-US" smtClean="0">
-                <a:latin typeface="华文细黑" panose="02010600040101010101" pitchFamily="2" charset="-122"/>
-                <a:ea typeface="华文细黑" panose="02010600040101010101" pitchFamily="2" charset="-122"/>
-              </a:rPr>
-              <a:t>插入完成后再用</a:t>
-            </a:r>
-            <a:r>
-              <a:rPr lang="en-US" altLang="zh-CN" smtClean="0">
-                <a:latin typeface="华文细黑" panose="02010600040101010101" pitchFamily="2" charset="-122"/>
-                <a:ea typeface="华文细黑" panose="02010600040101010101" pitchFamily="2" charset="-122"/>
-              </a:rPr>
-              <a:t>LTRIM latest.comments 0 5000</a:t>
-            </a:r>
-            <a:r>
-              <a:rPr lang="zh-CN" altLang="en-US" smtClean="0">
-                <a:latin typeface="华文细黑" panose="02010600040101010101" pitchFamily="2" charset="-122"/>
-                <a:ea typeface="华文细黑" panose="02010600040101010101" pitchFamily="2" charset="-122"/>
-              </a:rPr>
-              <a:t>命令使其永远只保存最近</a:t>
-            </a:r>
-            <a:r>
-              <a:rPr lang="en-US" altLang="zh-CN" smtClean="0">
-                <a:latin typeface="华文细黑" panose="02010600040101010101" pitchFamily="2" charset="-122"/>
-                <a:ea typeface="华文细黑" panose="02010600040101010101" pitchFamily="2" charset="-122"/>
-              </a:rPr>
-              <a:t>5000</a:t>
-            </a:r>
-            <a:r>
-              <a:rPr lang="zh-CN" altLang="en-US" smtClean="0">
-                <a:latin typeface="华文细黑" panose="02010600040101010101" pitchFamily="2" charset="-122"/>
-                <a:ea typeface="华文细黑" panose="02010600040101010101" pitchFamily="2" charset="-122"/>
-              </a:rPr>
-              <a:t>个</a:t>
-            </a:r>
-            <a:r>
-              <a:rPr lang="en-US" altLang="zh-CN" smtClean="0">
-                <a:latin typeface="华文细黑" panose="02010600040101010101" pitchFamily="2" charset="-122"/>
-                <a:ea typeface="华文细黑" panose="02010600040101010101" pitchFamily="2" charset="-122"/>
-              </a:rPr>
-              <a:t>ID </a:t>
-            </a:r>
-          </a:p>
-          <a:p>
-            <a:pPr marL="1257300" lvl="2" indent="-342900"/>
-            <a:r>
-              <a:rPr lang="zh-CN" altLang="en-US" smtClean="0">
-                <a:latin typeface="华文细黑" panose="02010600040101010101" pitchFamily="2" charset="-122"/>
-                <a:ea typeface="华文细黑" panose="02010600040101010101" pitchFamily="2" charset="-122"/>
-              </a:rPr>
-              <a:t>然后我们在客户端获取某一页评论时可以用下面的逻辑（伪代码） </a:t>
-            </a:r>
-          </a:p>
-          <a:p>
-            <a:pPr marL="838200" lvl="1" indent="-381000"/>
-            <a:r>
-              <a:rPr lang="en-US" altLang="zh-CN" sz="1800" smtClean="0">
-                <a:latin typeface="华文细黑" panose="02010600040101010101" pitchFamily="2" charset="-122"/>
-                <a:ea typeface="华文细黑" panose="02010600040101010101" pitchFamily="2" charset="-122"/>
-              </a:rPr>
-              <a:t>FUNCTION get_latest_comments(start,num_items):</a:t>
-            </a:r>
-          </a:p>
-          <a:p>
-            <a:pPr marL="1257300" lvl="2" indent="-342900">
-              <a:buFontTx/>
-              <a:buNone/>
-            </a:pPr>
-            <a:r>
-              <a:rPr lang="en-US" altLang="zh-CN" smtClean="0">
-                <a:latin typeface="华文细黑" panose="02010600040101010101" pitchFamily="2" charset="-122"/>
-                <a:ea typeface="华文细黑" panose="02010600040101010101" pitchFamily="2" charset="-122"/>
-              </a:rPr>
-              <a:t>   id_list = redis.lrange("latest.comments",start,start+num_items-1)</a:t>
-            </a:r>
-          </a:p>
-          <a:p>
-            <a:pPr marL="1257300" lvl="2" indent="-342900">
-              <a:buFontTx/>
-              <a:buNone/>
-            </a:pPr>
-            <a:r>
-              <a:rPr lang="en-US" altLang="zh-CN" smtClean="0">
-                <a:latin typeface="华文细黑" panose="02010600040101010101" pitchFamily="2" charset="-122"/>
-                <a:ea typeface="华文细黑" panose="02010600040101010101" pitchFamily="2" charset="-122"/>
-              </a:rPr>
-              <a:t>   IF id_list.length &lt; num_items </a:t>
-            </a:r>
-          </a:p>
-          <a:p>
-            <a:pPr marL="1257300" lvl="2" indent="-342900">
-              <a:buFontTx/>
-              <a:buNone/>
-            </a:pPr>
-            <a:r>
-              <a:rPr lang="en-US" altLang="zh-CN" smtClean="0">
-                <a:latin typeface="华文细黑" panose="02010600040101010101" pitchFamily="2" charset="-122"/>
-                <a:ea typeface="华文细黑" panose="02010600040101010101" pitchFamily="2" charset="-122"/>
-              </a:rPr>
-              <a:t>   id_list = SQL_DB("SELECT ... ORDER BY time LIMIT ...") </a:t>
-            </a:r>
-          </a:p>
-          <a:p>
-            <a:pPr marL="1257300" lvl="2" indent="-342900">
-              <a:buFontTx/>
-              <a:buNone/>
-            </a:pPr>
-            <a:r>
-              <a:rPr lang="en-US" altLang="zh-CN" smtClean="0">
-                <a:latin typeface="华文细黑" panose="02010600040101010101" pitchFamily="2" charset="-122"/>
-                <a:ea typeface="华文细黑" panose="02010600040101010101" pitchFamily="2" charset="-122"/>
-              </a:rPr>
-              <a:t>   END </a:t>
-            </a:r>
-          </a:p>
-          <a:p>
-            <a:pPr marL="1257300" lvl="2" indent="-342900">
-              <a:buFontTx/>
-              <a:buNone/>
-            </a:pPr>
-            <a:r>
-              <a:rPr lang="en-US" altLang="zh-CN" smtClean="0">
-                <a:latin typeface="华文细黑" panose="02010600040101010101" pitchFamily="2" charset="-122"/>
-                <a:ea typeface="华文细黑" panose="02010600040101010101" pitchFamily="2" charset="-122"/>
-              </a:rPr>
-              <a:t>RETURN id_list </a:t>
-            </a:r>
-          </a:p>
-          <a:p>
-            <a:pPr marL="1257300" lvl="2" indent="-342900">
-              <a:buFontTx/>
-              <a:buNone/>
-            </a:pPr>
-            <a:r>
-              <a:rPr lang="en-US" altLang="zh-CN" smtClean="0">
-                <a:latin typeface="华文细黑" panose="02010600040101010101" pitchFamily="2" charset="-122"/>
-                <a:ea typeface="华文细黑" panose="02010600040101010101" pitchFamily="2" charset="-122"/>
-              </a:rPr>
-              <a:t>END </a:t>
-            </a:r>
-          </a:p>
-          <a:p>
-            <a:pPr marL="838200" lvl="1" indent="-381000"/>
-            <a:r>
-              <a:rPr lang="zh-CN" altLang="en-US" sz="1800" smtClean="0">
-                <a:latin typeface="华文细黑" panose="02010600040101010101" pitchFamily="2" charset="-122"/>
-                <a:ea typeface="华文细黑" panose="02010600040101010101" pitchFamily="2" charset="-122"/>
-              </a:rPr>
-              <a:t>如果你还有不同的筛选维度，比如某个分类的最新</a:t>
-            </a:r>
-            <a:r>
-              <a:rPr lang="en-US" altLang="zh-CN" sz="1800" smtClean="0">
-                <a:latin typeface="华文细黑" panose="02010600040101010101" pitchFamily="2" charset="-122"/>
-                <a:ea typeface="华文细黑" panose="02010600040101010101" pitchFamily="2" charset="-122"/>
-              </a:rPr>
-              <a:t>N</a:t>
-            </a:r>
-            <a:r>
-              <a:rPr lang="zh-CN" altLang="en-US" sz="1800" smtClean="0">
-                <a:latin typeface="华文细黑" panose="02010600040101010101" pitchFamily="2" charset="-122"/>
-                <a:ea typeface="华文细黑" panose="02010600040101010101" pitchFamily="2" charset="-122"/>
-              </a:rPr>
-              <a:t>条，那么你可以再建一个按此分类的</a:t>
-            </a:r>
-            <a:r>
-              <a:rPr lang="en-US" altLang="zh-CN" sz="1800" smtClean="0">
-                <a:latin typeface="华文细黑" panose="02010600040101010101" pitchFamily="2" charset="-122"/>
-                <a:ea typeface="华文细黑" panose="02010600040101010101" pitchFamily="2" charset="-122"/>
-              </a:rPr>
-              <a:t>List</a:t>
-            </a:r>
-            <a:r>
-              <a:rPr lang="zh-CN" altLang="en-US" sz="1800" smtClean="0">
-                <a:latin typeface="华文细黑" panose="02010600040101010101" pitchFamily="2" charset="-122"/>
-                <a:ea typeface="华文细黑" panose="02010600040101010101" pitchFamily="2" charset="-122"/>
-              </a:rPr>
-              <a:t>，只存</a:t>
-            </a:r>
-            <a:r>
-              <a:rPr lang="en-US" altLang="zh-CN" sz="1800" smtClean="0">
-                <a:latin typeface="华文细黑" panose="02010600040101010101" pitchFamily="2" charset="-122"/>
-                <a:ea typeface="华文细黑" panose="02010600040101010101" pitchFamily="2" charset="-122"/>
-              </a:rPr>
-              <a:t>ID</a:t>
-            </a:r>
-            <a:r>
-              <a:rPr lang="zh-CN" altLang="en-US" sz="1800" smtClean="0">
-                <a:latin typeface="华文细黑" panose="02010600040101010101" pitchFamily="2" charset="-122"/>
-                <a:ea typeface="华文细黑" panose="02010600040101010101" pitchFamily="2" charset="-122"/>
-              </a:rPr>
-              <a:t>的话，</a:t>
-            </a:r>
-            <a:r>
-              <a:rPr lang="en-US" altLang="zh-CN" sz="1800" smtClean="0">
-                <a:latin typeface="华文细黑" panose="02010600040101010101" pitchFamily="2" charset="-122"/>
-                <a:ea typeface="华文细黑" panose="02010600040101010101" pitchFamily="2" charset="-122"/>
-              </a:rPr>
-              <a:t>Redis</a:t>
-            </a:r>
-            <a:r>
-              <a:rPr lang="zh-CN" altLang="en-US" sz="1800" smtClean="0">
-                <a:latin typeface="华文细黑" panose="02010600040101010101" pitchFamily="2" charset="-122"/>
-                <a:ea typeface="华文细黑" panose="02010600040101010101" pitchFamily="2" charset="-122"/>
-              </a:rPr>
-              <a:t>是非常高效的。</a:t>
-            </a:r>
-          </a:p>
-          <a:p>
-            <a:pPr marL="457200" indent="-457200">
-              <a:buFontTx/>
-              <a:buNone/>
-            </a:pPr>
-            <a:endParaRPr lang="zh-CN" altLang="en-US" sz="1800" smtClean="0">
-              <a:latin typeface="华文细黑" panose="02010600040101010101" pitchFamily="2" charset="-122"/>
-              <a:ea typeface="华文细黑" panose="02010600040101010101" pitchFamily="2" charset="-122"/>
-            </a:endParaRPr>
-          </a:p>
-          <a:p>
-            <a:pPr marL="457200" indent="-457200">
-              <a:buFontTx/>
-              <a:buNone/>
-            </a:pPr>
-            <a:endParaRPr lang="zh-CN" altLang="en-US" smtClean="0">
-              <a:ea typeface="宋体" panose="02010600030101010101" pitchFamily="2" charset="-122"/>
-            </a:endParaRPr>
-          </a:p>
-          <a:p>
-            <a:pPr marL="457200" indent="-457200">
-              <a:buFontTx/>
-              <a:buNone/>
-            </a:pPr>
-            <a:endParaRPr lang="zh-CN" altLang="en-US" smtClean="0">
-              <a:ea typeface="宋体" panose="02010600030101010101" pitchFamily="2" charset="-122"/>
-            </a:endParaRPr>
-          </a:p>
-          <a:p>
-            <a:pPr marL="457200" indent="-457200">
-              <a:buFontTx/>
-              <a:buNone/>
-            </a:pPr>
-            <a:endParaRPr lang="zh-CN" altLang="en-US" smtClean="0">
-              <a:ea typeface="宋体" panose="02010600030101010101" pitchFamily="2" charset="-122"/>
-            </a:endParaRPr>
-          </a:p>
-          <a:p>
-            <a:pPr marL="457200" indent="-457200">
-              <a:buFontTx/>
-              <a:buNone/>
-            </a:pPr>
-            <a:endParaRPr lang="zh-CN" altLang="en-US" smtClean="0">
-              <a:ea typeface="宋体" panose="02010600030101010101" pitchFamily="2" charset="-122"/>
-            </a:endParaRPr>
-          </a:p>
-        </p:txBody>
-      </p:sp>
-    </p:spTree>
-    <p:extLst>
-      <p:ext uri="{BB962C8B-B14F-4D97-AF65-F5344CB8AC3E}">
-        <p14:creationId xmlns:p14="http://schemas.microsoft.com/office/powerpoint/2010/main" val="4143966369"/>
-      </p:ext>
-    </p:extLst>
-  </p:cSld>
-  <p:clrMapOvr>
-    <a:masterClrMapping/>
-  </p:clrMapOvr>
-  <p:transition spd="med">
-    <p:pull/>
-  </p:transition>
-  <p:timing>
-    <p:tnLst>
-      <p:par>
-        <p:cTn id="1" dur="indefinite" restart="never" nodeType="tmRoot"/>
-      </p:par>
-    </p:tnLst>
-  </p:timing>
-</p:sld>
-</file>
-
-<file path=ppt/slides/slide32.xml><?xml version="1.0" encoding="utf-8"?>
-<p:sld xmlns:a="http://schemas.openxmlformats.org/drawingml/2006/main" xmlns:r="http://schemas.openxmlformats.org/officeDocument/2006/relationships" xmlns:p="http://schemas.openxmlformats.org/presentationml/2006/main">
-  <p:cSld>
-    <p:spTree>
-      <p:nvGrpSpPr>
-        <p:cNvPr id="1" name=""/>
-        <p:cNvGrpSpPr/>
-        <p:nvPr/>
-      </p:nvGrpSpPr>
-      <p:grpSpPr>
-        <a:xfrm>
-          <a:off x="0" y="0"/>
-          <a:ext cx="0" cy="0"/>
-          <a:chOff x="0" y="0"/>
-          <a:chExt cx="0" cy="0"/>
-        </a:xfrm>
-      </p:grpSpPr>
-      <p:sp>
-        <p:nvSpPr>
-          <p:cNvPr id="2" name="矩形 1"/>
-          <p:cNvSpPr/>
-          <p:nvPr/>
-        </p:nvSpPr>
-        <p:spPr>
-          <a:xfrm>
-            <a:off x="0" y="6335485"/>
-            <a:ext cx="12192000" cy="522515"/>
-          </a:xfrm>
-          <a:prstGeom prst="rect">
-            <a:avLst/>
-          </a:prstGeom>
-          <a:solidFill>
-            <a:srgbClr val="037D6A"/>
-          </a:solidFill>
-          <a:ln>
-            <a:noFill/>
-          </a:ln>
-        </p:spPr>
-        <p:style>
-          <a:lnRef idx="2">
-            <a:schemeClr val="accent1">
-              <a:shade val="50000"/>
-            </a:schemeClr>
-          </a:lnRef>
-          <a:fillRef idx="1">
-            <a:schemeClr val="accent1"/>
-          </a:fillRef>
-          <a:effectRef idx="0">
-            <a:schemeClr val="accent1"/>
-          </a:effectRef>
-          <a:fontRef idx="minor">
-            <a:schemeClr val="lt1"/>
-          </a:fontRef>
-        </p:style>
-        <p:txBody>
-          <a:bodyPr rtlCol="0" anchor="ctr"/>
-          <a:lstStyle/>
-          <a:p>
-            <a:pPr algn="ctr"/>
-            <a:endParaRPr lang="zh-CN" altLang="en-US"/>
-          </a:p>
-        </p:txBody>
-      </p:sp>
-      <p:sp>
-        <p:nvSpPr>
-          <p:cNvPr id="3" name="矩形 2"/>
-          <p:cNvSpPr/>
-          <p:nvPr/>
-        </p:nvSpPr>
-        <p:spPr>
-          <a:xfrm>
-            <a:off x="17060" y="-987"/>
-            <a:ext cx="3471727" cy="696446"/>
-          </a:xfrm>
-          <a:prstGeom prst="rect">
-            <a:avLst/>
-          </a:prstGeom>
-          <a:solidFill>
-            <a:srgbClr val="037D6A"/>
-          </a:solidFill>
-          <a:ln>
-            <a:noFill/>
-          </a:ln>
-        </p:spPr>
-        <p:style>
-          <a:lnRef idx="2">
-            <a:schemeClr val="accent1">
-              <a:shade val="50000"/>
-            </a:schemeClr>
-          </a:lnRef>
-          <a:fillRef idx="1">
-            <a:schemeClr val="accent1"/>
-          </a:fillRef>
-          <a:effectRef idx="0">
-            <a:schemeClr val="accent1"/>
-          </a:effectRef>
-          <a:fontRef idx="minor">
-            <a:schemeClr val="lt1"/>
-          </a:fontRef>
-        </p:style>
-        <p:txBody>
-          <a:bodyPr rtlCol="0" anchor="ctr"/>
-          <a:lstStyle/>
-          <a:p>
-            <a:pPr algn="ctr"/>
-            <a:r>
-              <a:rPr lang="en-US" altLang="zh-CN" sz="3600" b="1" dirty="0" smtClean="0"/>
-              <a:t>Redis</a:t>
-            </a:r>
-            <a:r>
-              <a:rPr lang="zh-CN" altLang="en-US" sz="3600" b="1" dirty="0" smtClean="0"/>
-              <a:t>应用场景</a:t>
-            </a:r>
-            <a:endParaRPr lang="zh-CN" altLang="en-US" sz="3600" b="1" dirty="0">
-              <a:solidFill>
-                <a:srgbClr val="F2F2F2"/>
-              </a:solidFill>
-            </a:endParaRPr>
-          </a:p>
-        </p:txBody>
-      </p:sp>
-      <p:sp>
-        <p:nvSpPr>
-          <p:cNvPr id="5" name="Rectangle 3"/>
-          <p:cNvSpPr>
-            <a:spLocks noGrp="1" noChangeArrowheads="1"/>
-          </p:cNvSpPr>
-          <p:nvPr/>
-        </p:nvSpPr>
-        <p:spPr bwMode="auto">
-          <a:xfrm>
-            <a:off x="1752600" y="800100"/>
-            <a:ext cx="8686800" cy="5257800"/>
-          </a:xfrm>
-          <a:prstGeom prst="rect">
-            <a:avLst/>
-          </a:prstGeom>
-          <a:noFill/>
-          <a:ln>
-            <a:noFill/>
-          </a:ln>
-          <a:extLst>
-            <a:ext uri="{909E8E84-426E-40DD-AFC4-6F175D3DCCD1}">
-              <a14:hiddenFill xmlns:a14="http://schemas.microsoft.com/office/drawing/2010/main">
-                <a:solidFill>
-                  <a:srgbClr val="FFFFFF"/>
-                </a:solidFill>
-              </a14:hiddenFill>
-            </a:ext>
-            <a:ext uri="{91240B29-F687-4F45-9708-019B960494DF}">
-              <a14:hiddenLine xmlns:a14="http://schemas.microsoft.com/office/drawing/2010/main" w="9525">
-                <a:solidFill>
-                  <a:srgbClr val="000000"/>
-                </a:solidFill>
-                <a:miter lim="800000"/>
-                <a:headEnd/>
-                <a:tailEnd/>
-              </a14:hiddenLine>
-            </a:ext>
-          </a:extLst>
-        </p:spPr>
-        <p:txBody>
-          <a:bodyPr vert="horz" wrap="square" lIns="91440" tIns="45720" rIns="91440" bIns="45720" numCol="1" anchor="t" anchorCtr="0" compatLnSpc="1">
-            <a:prstTxWarp prst="textNoShape">
-              <a:avLst/>
-            </a:prstTxWarp>
-          </a:bodyPr>
-          <a:lstStyle>
-            <a:lvl1pPr marL="342900" indent="-342900" algn="l" rtl="0" eaLnBrk="0" fontAlgn="base" hangingPunct="0">
-              <a:spcBef>
-                <a:spcPct val="20000"/>
-              </a:spcBef>
-              <a:spcAft>
-                <a:spcPct val="0"/>
-              </a:spcAft>
-              <a:buChar char="•"/>
-              <a:defRPr sz="2400">
-                <a:solidFill>
-                  <a:schemeClr val="tx1"/>
-                </a:solidFill>
-                <a:latin typeface="+mn-lt"/>
-                <a:ea typeface="+mn-ea"/>
-                <a:cs typeface="+mn-cs"/>
-              </a:defRPr>
-            </a:lvl1pPr>
-            <a:lvl2pPr marL="742950" indent="-285750" algn="l" rtl="0" eaLnBrk="0" fontAlgn="base" hangingPunct="0">
-              <a:spcBef>
-                <a:spcPct val="20000"/>
-              </a:spcBef>
-              <a:spcAft>
-                <a:spcPct val="0"/>
-              </a:spcAft>
-              <a:buChar char="–"/>
-              <a:defRPr sz="2000">
-                <a:solidFill>
-                  <a:schemeClr val="tx1"/>
-                </a:solidFill>
-                <a:latin typeface="+mn-lt"/>
-                <a:cs typeface="+mn-cs"/>
-              </a:defRPr>
-            </a:lvl2pPr>
-            <a:lvl3pPr marL="1143000" indent="-228600" algn="l" rtl="0" eaLnBrk="0" fontAlgn="base" hangingPunct="0">
-              <a:spcBef>
-                <a:spcPct val="20000"/>
-              </a:spcBef>
-              <a:spcAft>
-                <a:spcPct val="0"/>
-              </a:spcAft>
-              <a:buChar char="•"/>
-              <a:defRPr>
-                <a:solidFill>
-                  <a:schemeClr val="tx1"/>
-                </a:solidFill>
-                <a:latin typeface="+mn-lt"/>
-                <a:cs typeface="+mn-cs"/>
-              </a:defRPr>
-            </a:lvl3pPr>
-            <a:lvl4pPr marL="1600200" indent="-228600" algn="l" rtl="0" eaLnBrk="0" fontAlgn="base" hangingPunct="0">
-              <a:spcBef>
-                <a:spcPct val="20000"/>
-              </a:spcBef>
-              <a:spcAft>
-                <a:spcPct val="0"/>
-              </a:spcAft>
-              <a:buChar char="–"/>
-              <a:defRPr sz="1600">
-                <a:solidFill>
-                  <a:schemeClr val="tx1"/>
-                </a:solidFill>
-                <a:latin typeface="+mn-lt"/>
-                <a:cs typeface="+mn-cs"/>
-              </a:defRPr>
-            </a:lvl4pPr>
-            <a:lvl5pPr marL="2057400" indent="-228600" algn="l" rtl="0" eaLnBrk="0" fontAlgn="base" hangingPunct="0">
-              <a:spcBef>
-                <a:spcPct val="20000"/>
-              </a:spcBef>
-              <a:spcAft>
-                <a:spcPct val="0"/>
-              </a:spcAft>
-              <a:buChar char="»"/>
-              <a:defRPr sz="1600">
-                <a:solidFill>
-                  <a:schemeClr val="tx1"/>
-                </a:solidFill>
-                <a:latin typeface="+mn-lt"/>
-                <a:cs typeface="+mn-cs"/>
-              </a:defRPr>
-            </a:lvl5pPr>
-            <a:lvl6pPr marL="2514600" indent="-228600" algn="l" rtl="0" eaLnBrk="1" fontAlgn="base" hangingPunct="1">
-              <a:spcBef>
-                <a:spcPct val="20000"/>
-              </a:spcBef>
-              <a:spcAft>
-                <a:spcPct val="0"/>
-              </a:spcAft>
-              <a:buChar char="»"/>
-              <a:defRPr sz="1600">
-                <a:solidFill>
-                  <a:schemeClr val="tx1"/>
-                </a:solidFill>
-                <a:latin typeface="+mn-lt"/>
-                <a:cs typeface="+mn-cs"/>
-              </a:defRPr>
-            </a:lvl6pPr>
-            <a:lvl7pPr marL="2971800" indent="-228600" algn="l" rtl="0" eaLnBrk="1" fontAlgn="base" hangingPunct="1">
-              <a:spcBef>
-                <a:spcPct val="20000"/>
-              </a:spcBef>
-              <a:spcAft>
-                <a:spcPct val="0"/>
-              </a:spcAft>
-              <a:buChar char="»"/>
-              <a:defRPr sz="1600">
-                <a:solidFill>
-                  <a:schemeClr val="tx1"/>
-                </a:solidFill>
-                <a:latin typeface="+mn-lt"/>
-                <a:cs typeface="+mn-cs"/>
-              </a:defRPr>
-            </a:lvl7pPr>
-            <a:lvl8pPr marL="3429000" indent="-228600" algn="l" rtl="0" eaLnBrk="1" fontAlgn="base" hangingPunct="1">
-              <a:spcBef>
-                <a:spcPct val="20000"/>
-              </a:spcBef>
-              <a:spcAft>
-                <a:spcPct val="0"/>
-              </a:spcAft>
-              <a:buChar char="»"/>
-              <a:defRPr sz="1600">
-                <a:solidFill>
-                  <a:schemeClr val="tx1"/>
-                </a:solidFill>
-                <a:latin typeface="+mn-lt"/>
-                <a:cs typeface="+mn-cs"/>
-              </a:defRPr>
-            </a:lvl8pPr>
-            <a:lvl9pPr marL="3886200" indent="-228600" algn="l" rtl="0" eaLnBrk="1" fontAlgn="base" hangingPunct="1">
-              <a:spcBef>
-                <a:spcPct val="20000"/>
-              </a:spcBef>
-              <a:spcAft>
-                <a:spcPct val="0"/>
-              </a:spcAft>
-              <a:buChar char="»"/>
-              <a:defRPr sz="1600">
-                <a:solidFill>
-                  <a:schemeClr val="tx1"/>
-                </a:solidFill>
-                <a:latin typeface="+mn-lt"/>
-                <a:cs typeface="+mn-cs"/>
-              </a:defRPr>
-            </a:lvl9pPr>
-          </a:lstStyle>
-          <a:p>
-            <a:pPr>
-              <a:buFontTx/>
-              <a:buNone/>
-            </a:pPr>
-            <a:r>
-              <a:rPr lang="en-US" altLang="zh-CN" sz="1800" b="1" smtClean="0">
-                <a:latin typeface="华文细黑" panose="02010600040101010101" pitchFamily="2" charset="-122"/>
-                <a:ea typeface="华文细黑" panose="02010600040101010101" pitchFamily="2" charset="-122"/>
-              </a:rPr>
-              <a:t>2.</a:t>
-            </a:r>
-            <a:r>
-              <a:rPr lang="zh-CN" altLang="en-US" sz="1800" b="1" smtClean="0">
-                <a:latin typeface="华文细黑" panose="02010600040101010101" pitchFamily="2" charset="-122"/>
-                <a:ea typeface="华文细黑" panose="02010600040101010101" pitchFamily="2" charset="-122"/>
-              </a:rPr>
-              <a:t>排行榜应用，取</a:t>
-            </a:r>
-            <a:r>
-              <a:rPr lang="en-US" altLang="zh-CN" sz="1800" b="1" smtClean="0">
-                <a:latin typeface="华文细黑" panose="02010600040101010101" pitchFamily="2" charset="-122"/>
-                <a:ea typeface="华文细黑" panose="02010600040101010101" pitchFamily="2" charset="-122"/>
-              </a:rPr>
-              <a:t>TOP N</a:t>
-            </a:r>
-            <a:r>
-              <a:rPr lang="zh-CN" altLang="en-US" sz="1800" b="1" smtClean="0">
-                <a:latin typeface="华文细黑" panose="02010600040101010101" pitchFamily="2" charset="-122"/>
-                <a:ea typeface="华文细黑" panose="02010600040101010101" pitchFamily="2" charset="-122"/>
-              </a:rPr>
-              <a:t>操作</a:t>
-            </a:r>
-          </a:p>
-          <a:p>
-            <a:pPr lvl="1"/>
-            <a:r>
-              <a:rPr lang="zh-CN" altLang="en-US" sz="1800" smtClean="0">
-                <a:latin typeface="华文细黑" panose="02010600040101010101" pitchFamily="2" charset="-122"/>
-                <a:ea typeface="华文细黑" panose="02010600040101010101" pitchFamily="2" charset="-122"/>
-              </a:rPr>
-              <a:t>这个需求与上面需求的不同之处在于，前面操作以时间为权重，这个是以某个条件为权重，比如按顶的次数排序，这时候就需要我们的</a:t>
-            </a:r>
-            <a:r>
-              <a:rPr lang="en-US" altLang="zh-CN" sz="1800" smtClean="0">
-                <a:latin typeface="华文细黑" panose="02010600040101010101" pitchFamily="2" charset="-122"/>
-                <a:ea typeface="华文细黑" panose="02010600040101010101" pitchFamily="2" charset="-122"/>
-              </a:rPr>
-              <a:t>sorted </a:t>
-            </a:r>
-            <a:r>
-              <a:rPr lang="en-US" altLang="zh-CN" sz="1800" b="1" smtClean="0">
-                <a:latin typeface="华文细黑" panose="02010600040101010101" pitchFamily="2" charset="-122"/>
-                <a:ea typeface="华文细黑" panose="02010600040101010101" pitchFamily="2" charset="-122"/>
-              </a:rPr>
-              <a:t>set</a:t>
-            </a:r>
-            <a:r>
-              <a:rPr lang="zh-CN" altLang="en-US" sz="1800" smtClean="0">
-                <a:latin typeface="华文细黑" panose="02010600040101010101" pitchFamily="2" charset="-122"/>
-                <a:ea typeface="华文细黑" panose="02010600040101010101" pitchFamily="2" charset="-122"/>
-              </a:rPr>
-              <a:t>出马了，将你要排序的值设置成</a:t>
-            </a:r>
-            <a:r>
-              <a:rPr lang="en-US" altLang="zh-CN" sz="1800" smtClean="0">
-                <a:latin typeface="华文细黑" panose="02010600040101010101" pitchFamily="2" charset="-122"/>
-                <a:ea typeface="华文细黑" panose="02010600040101010101" pitchFamily="2" charset="-122"/>
-              </a:rPr>
-              <a:t>sorted </a:t>
-            </a:r>
-            <a:r>
-              <a:rPr lang="en-US" altLang="zh-CN" sz="1800" b="1" smtClean="0">
-                <a:latin typeface="华文细黑" panose="02010600040101010101" pitchFamily="2" charset="-122"/>
-                <a:ea typeface="华文细黑" panose="02010600040101010101" pitchFamily="2" charset="-122"/>
-              </a:rPr>
-              <a:t>set</a:t>
-            </a:r>
-            <a:r>
-              <a:rPr lang="zh-CN" altLang="en-US" sz="1800" smtClean="0">
-                <a:latin typeface="华文细黑" panose="02010600040101010101" pitchFamily="2" charset="-122"/>
-                <a:ea typeface="华文细黑" panose="02010600040101010101" pitchFamily="2" charset="-122"/>
-              </a:rPr>
-              <a:t>的</a:t>
-            </a:r>
-            <a:r>
-              <a:rPr lang="en-US" altLang="zh-CN" sz="1800" smtClean="0">
-                <a:latin typeface="华文细黑" panose="02010600040101010101" pitchFamily="2" charset="-122"/>
-                <a:ea typeface="华文细黑" panose="02010600040101010101" pitchFamily="2" charset="-122"/>
-              </a:rPr>
-              <a:t>score</a:t>
-            </a:r>
-            <a:r>
-              <a:rPr lang="zh-CN" altLang="en-US" sz="1800" smtClean="0">
-                <a:latin typeface="华文细黑" panose="02010600040101010101" pitchFamily="2" charset="-122"/>
-                <a:ea typeface="华文细黑" panose="02010600040101010101" pitchFamily="2" charset="-122"/>
-              </a:rPr>
-              <a:t>，将具体的数据设置成相应的</a:t>
-            </a:r>
-            <a:r>
-              <a:rPr lang="en-US" altLang="zh-CN" sz="1800" smtClean="0">
-                <a:latin typeface="华文细黑" panose="02010600040101010101" pitchFamily="2" charset="-122"/>
-                <a:ea typeface="华文细黑" panose="02010600040101010101" pitchFamily="2" charset="-122"/>
-              </a:rPr>
-              <a:t>value</a:t>
-            </a:r>
-            <a:r>
-              <a:rPr lang="zh-CN" altLang="en-US" sz="1800" smtClean="0">
-                <a:latin typeface="华文细黑" panose="02010600040101010101" pitchFamily="2" charset="-122"/>
-                <a:ea typeface="华文细黑" panose="02010600040101010101" pitchFamily="2" charset="-122"/>
-              </a:rPr>
-              <a:t>，每次只需要执行一条</a:t>
-            </a:r>
-            <a:r>
-              <a:rPr lang="en-US" altLang="zh-CN" sz="1800" smtClean="0">
-                <a:latin typeface="华文细黑" panose="02010600040101010101" pitchFamily="2" charset="-122"/>
-                <a:ea typeface="华文细黑" panose="02010600040101010101" pitchFamily="2" charset="-122"/>
-              </a:rPr>
-              <a:t>ZADD</a:t>
-            </a:r>
-            <a:r>
-              <a:rPr lang="zh-CN" altLang="en-US" sz="1800" smtClean="0">
-                <a:latin typeface="华文细黑" panose="02010600040101010101" pitchFamily="2" charset="-122"/>
-                <a:ea typeface="华文细黑" panose="02010600040101010101" pitchFamily="2" charset="-122"/>
-              </a:rPr>
-              <a:t>命令即可。</a:t>
-            </a:r>
-            <a:endParaRPr lang="zh-CN" altLang="en-US" sz="1800" b="1" smtClean="0">
-              <a:latin typeface="华文细黑" panose="02010600040101010101" pitchFamily="2" charset="-122"/>
-              <a:ea typeface="华文细黑" panose="02010600040101010101" pitchFamily="2" charset="-122"/>
-            </a:endParaRPr>
-          </a:p>
-          <a:p>
-            <a:pPr>
-              <a:buFontTx/>
-              <a:buNone/>
-            </a:pPr>
-            <a:r>
-              <a:rPr lang="en-US" altLang="zh-CN" sz="1800" b="1" smtClean="0">
-                <a:latin typeface="华文细黑" panose="02010600040101010101" pitchFamily="2" charset="-122"/>
-                <a:ea typeface="华文细黑" panose="02010600040101010101" pitchFamily="2" charset="-122"/>
-              </a:rPr>
-              <a:t>3.</a:t>
-            </a:r>
-            <a:r>
-              <a:rPr lang="zh-CN" altLang="en-US" sz="1800" b="1" smtClean="0">
-                <a:latin typeface="华文细黑" panose="02010600040101010101" pitchFamily="2" charset="-122"/>
-                <a:ea typeface="华文细黑" panose="02010600040101010101" pitchFamily="2" charset="-122"/>
-              </a:rPr>
-              <a:t>需要精准设定过期时间的应用</a:t>
-            </a:r>
-          </a:p>
-          <a:p>
-            <a:pPr lvl="1"/>
-            <a:r>
-              <a:rPr lang="zh-CN" altLang="en-US" sz="1800" smtClean="0">
-                <a:latin typeface="华文细黑" panose="02010600040101010101" pitchFamily="2" charset="-122"/>
-                <a:ea typeface="华文细黑" panose="02010600040101010101" pitchFamily="2" charset="-122"/>
-              </a:rPr>
-              <a:t>比如你可以把上面说到的</a:t>
-            </a:r>
-            <a:r>
-              <a:rPr lang="en-US" altLang="zh-CN" sz="1800" smtClean="0">
-                <a:latin typeface="华文细黑" panose="02010600040101010101" pitchFamily="2" charset="-122"/>
-                <a:ea typeface="华文细黑" panose="02010600040101010101" pitchFamily="2" charset="-122"/>
-              </a:rPr>
-              <a:t>sorted set</a:t>
-            </a:r>
-            <a:r>
-              <a:rPr lang="zh-CN" altLang="en-US" sz="1800" smtClean="0">
-                <a:latin typeface="华文细黑" panose="02010600040101010101" pitchFamily="2" charset="-122"/>
-                <a:ea typeface="华文细黑" panose="02010600040101010101" pitchFamily="2" charset="-122"/>
-              </a:rPr>
-              <a:t>的</a:t>
-            </a:r>
-            <a:r>
-              <a:rPr lang="en-US" altLang="zh-CN" sz="1800" smtClean="0">
-                <a:latin typeface="华文细黑" panose="02010600040101010101" pitchFamily="2" charset="-122"/>
-                <a:ea typeface="华文细黑" panose="02010600040101010101" pitchFamily="2" charset="-122"/>
-              </a:rPr>
-              <a:t>score</a:t>
-            </a:r>
-            <a:r>
-              <a:rPr lang="zh-CN" altLang="en-US" sz="1800" smtClean="0">
-                <a:latin typeface="华文细黑" panose="02010600040101010101" pitchFamily="2" charset="-122"/>
-                <a:ea typeface="华文细黑" panose="02010600040101010101" pitchFamily="2" charset="-122"/>
-              </a:rPr>
-              <a:t>值设置成过期时间的时间戳，那么就可以简单地通过过期时间排序，定时清除过期数据了，不仅是清除</a:t>
-            </a:r>
-            <a:r>
-              <a:rPr lang="en-US" altLang="zh-CN" sz="1800" smtClean="0">
-                <a:latin typeface="华文细黑" panose="02010600040101010101" pitchFamily="2" charset="-122"/>
-                <a:ea typeface="华文细黑" panose="02010600040101010101" pitchFamily="2" charset="-122"/>
-              </a:rPr>
-              <a:t>Redis</a:t>
-            </a:r>
-            <a:r>
-              <a:rPr lang="zh-CN" altLang="en-US" sz="1800" smtClean="0">
-                <a:latin typeface="华文细黑" panose="02010600040101010101" pitchFamily="2" charset="-122"/>
-                <a:ea typeface="华文细黑" panose="02010600040101010101" pitchFamily="2" charset="-122"/>
-              </a:rPr>
-              <a:t>中的过期数据，你完全可以把</a:t>
-            </a:r>
-            <a:r>
-              <a:rPr lang="en-US" altLang="zh-CN" sz="1800" smtClean="0">
-                <a:latin typeface="华文细黑" panose="02010600040101010101" pitchFamily="2" charset="-122"/>
-                <a:ea typeface="华文细黑" panose="02010600040101010101" pitchFamily="2" charset="-122"/>
-              </a:rPr>
-              <a:t>Redis</a:t>
-            </a:r>
-            <a:r>
-              <a:rPr lang="zh-CN" altLang="en-US" sz="1800" smtClean="0">
-                <a:latin typeface="华文细黑" panose="02010600040101010101" pitchFamily="2" charset="-122"/>
-                <a:ea typeface="华文细黑" panose="02010600040101010101" pitchFamily="2" charset="-122"/>
-              </a:rPr>
-              <a:t>里这个过期时间当成是对数据库中数据的索引，用</a:t>
-            </a:r>
-            <a:r>
-              <a:rPr lang="en-US" altLang="zh-CN" sz="1800" smtClean="0">
-                <a:latin typeface="华文细黑" panose="02010600040101010101" pitchFamily="2" charset="-122"/>
-                <a:ea typeface="华文细黑" panose="02010600040101010101" pitchFamily="2" charset="-122"/>
-              </a:rPr>
-              <a:t>Redis</a:t>
-            </a:r>
-            <a:r>
-              <a:rPr lang="zh-CN" altLang="en-US" sz="1800" smtClean="0">
-                <a:latin typeface="华文细黑" panose="02010600040101010101" pitchFamily="2" charset="-122"/>
-                <a:ea typeface="华文细黑" panose="02010600040101010101" pitchFamily="2" charset="-122"/>
-              </a:rPr>
-              <a:t>来找出哪些数据需要过期删除，然后再精准地从数据库中删除相应的记录。</a:t>
-            </a:r>
-          </a:p>
-          <a:p>
-            <a:pPr>
-              <a:buFontTx/>
-              <a:buNone/>
-            </a:pPr>
-            <a:r>
-              <a:rPr lang="en-US" altLang="zh-CN" sz="1800" b="1" smtClean="0">
-                <a:latin typeface="华文细黑" panose="02010600040101010101" pitchFamily="2" charset="-122"/>
-                <a:ea typeface="华文细黑" panose="02010600040101010101" pitchFamily="2" charset="-122"/>
-              </a:rPr>
-              <a:t>4.</a:t>
-            </a:r>
-            <a:r>
-              <a:rPr lang="zh-CN" altLang="en-US" sz="1800" b="1" smtClean="0">
-                <a:latin typeface="华文细黑" panose="02010600040101010101" pitchFamily="2" charset="-122"/>
-                <a:ea typeface="华文细黑" panose="02010600040101010101" pitchFamily="2" charset="-122"/>
-              </a:rPr>
-              <a:t>计数器应用</a:t>
-            </a:r>
-          </a:p>
-          <a:p>
-            <a:pPr lvl="1"/>
-            <a:r>
-              <a:rPr lang="en-US" altLang="zh-CN" sz="1800" smtClean="0">
-                <a:latin typeface="华文细黑" panose="02010600040101010101" pitchFamily="2" charset="-122"/>
-                <a:ea typeface="华文细黑" panose="02010600040101010101" pitchFamily="2" charset="-122"/>
-              </a:rPr>
-              <a:t>Redis</a:t>
-            </a:r>
-            <a:r>
-              <a:rPr lang="zh-CN" altLang="en-US" sz="1800" smtClean="0">
-                <a:latin typeface="华文细黑" panose="02010600040101010101" pitchFamily="2" charset="-122"/>
-                <a:ea typeface="华文细黑" panose="02010600040101010101" pitchFamily="2" charset="-122"/>
-              </a:rPr>
-              <a:t>的命令都是原子性的，你可以轻松地利用</a:t>
-            </a:r>
-            <a:r>
-              <a:rPr lang="en-US" altLang="zh-CN" sz="1800" smtClean="0">
-                <a:latin typeface="华文细黑" panose="02010600040101010101" pitchFamily="2" charset="-122"/>
-                <a:ea typeface="华文细黑" panose="02010600040101010101" pitchFamily="2" charset="-122"/>
-              </a:rPr>
-              <a:t>INCR</a:t>
-            </a:r>
-            <a:r>
-              <a:rPr lang="zh-CN" altLang="en-US" sz="1800" smtClean="0">
-                <a:latin typeface="华文细黑" panose="02010600040101010101" pitchFamily="2" charset="-122"/>
-                <a:ea typeface="华文细黑" panose="02010600040101010101" pitchFamily="2" charset="-122"/>
-              </a:rPr>
-              <a:t>，</a:t>
-            </a:r>
-            <a:r>
-              <a:rPr lang="en-US" altLang="zh-CN" sz="1800" smtClean="0">
-                <a:latin typeface="华文细黑" panose="02010600040101010101" pitchFamily="2" charset="-122"/>
-                <a:ea typeface="华文细黑" panose="02010600040101010101" pitchFamily="2" charset="-122"/>
-              </a:rPr>
-              <a:t>DECR</a:t>
-            </a:r>
-            <a:r>
-              <a:rPr lang="zh-CN" altLang="en-US" sz="1800" smtClean="0">
-                <a:latin typeface="华文细黑" panose="02010600040101010101" pitchFamily="2" charset="-122"/>
-                <a:ea typeface="华文细黑" panose="02010600040101010101" pitchFamily="2" charset="-122"/>
-              </a:rPr>
-              <a:t>命令来构建计数器系统。</a:t>
-            </a:r>
-          </a:p>
-        </p:txBody>
-      </p:sp>
-    </p:spTree>
-    <p:extLst>
-      <p:ext uri="{BB962C8B-B14F-4D97-AF65-F5344CB8AC3E}">
-        <p14:creationId xmlns:p14="http://schemas.microsoft.com/office/powerpoint/2010/main" val="3299268978"/>
-      </p:ext>
-    </p:extLst>
-  </p:cSld>
-  <p:clrMapOvr>
-    <a:masterClrMapping/>
-  </p:clrMapOvr>
-  <p:transition spd="med">
-    <p:pull/>
-  </p:transition>
-  <p:timing>
-    <p:tnLst>
-      <p:par>
-        <p:cTn id="1" dur="indefinite" restart="never" nodeType="tmRoot"/>
-      </p:par>
-    </p:tnLst>
-  </p:timing>
-</p:sld>
-</file>
-
-<file path=ppt/slides/slide33.xml><?xml version="1.0" encoding="utf-8"?>
-<p:sld xmlns:a="http://schemas.openxmlformats.org/drawingml/2006/main" xmlns:r="http://schemas.openxmlformats.org/officeDocument/2006/relationships" xmlns:p="http://schemas.openxmlformats.org/presentationml/2006/main">
-  <p:cSld>
-    <p:spTree>
-      <p:nvGrpSpPr>
-        <p:cNvPr id="1" name=""/>
-        <p:cNvGrpSpPr/>
-        <p:nvPr/>
-      </p:nvGrpSpPr>
-      <p:grpSpPr>
-        <a:xfrm>
-          <a:off x="0" y="0"/>
-          <a:ext cx="0" cy="0"/>
-          <a:chOff x="0" y="0"/>
-          <a:chExt cx="0" cy="0"/>
-        </a:xfrm>
-      </p:grpSpPr>
-      <p:sp>
-        <p:nvSpPr>
-          <p:cNvPr id="2" name="矩形 1"/>
-          <p:cNvSpPr/>
-          <p:nvPr/>
-        </p:nvSpPr>
-        <p:spPr>
-          <a:xfrm>
-            <a:off x="0" y="6335485"/>
-            <a:ext cx="12192000" cy="522515"/>
-          </a:xfrm>
-          <a:prstGeom prst="rect">
-            <a:avLst/>
-          </a:prstGeom>
-          <a:solidFill>
-            <a:srgbClr val="037D6A"/>
-          </a:solidFill>
-          <a:ln>
-            <a:noFill/>
-          </a:ln>
-        </p:spPr>
-        <p:style>
-          <a:lnRef idx="2">
-            <a:schemeClr val="accent1">
-              <a:shade val="50000"/>
-            </a:schemeClr>
-          </a:lnRef>
-          <a:fillRef idx="1">
-            <a:schemeClr val="accent1"/>
-          </a:fillRef>
-          <a:effectRef idx="0">
-            <a:schemeClr val="accent1"/>
-          </a:effectRef>
-          <a:fontRef idx="minor">
-            <a:schemeClr val="lt1"/>
-          </a:fontRef>
-        </p:style>
-        <p:txBody>
-          <a:bodyPr rtlCol="0" anchor="ctr"/>
-          <a:lstStyle/>
-          <a:p>
-            <a:pPr algn="ctr"/>
-            <a:endParaRPr lang="zh-CN" altLang="en-US"/>
-          </a:p>
-        </p:txBody>
-      </p:sp>
-      <p:sp>
-        <p:nvSpPr>
-          <p:cNvPr id="3" name="矩形 2"/>
-          <p:cNvSpPr/>
-          <p:nvPr/>
-        </p:nvSpPr>
-        <p:spPr>
-          <a:xfrm>
-            <a:off x="17060" y="-987"/>
-            <a:ext cx="3471727" cy="696446"/>
-          </a:xfrm>
-          <a:prstGeom prst="rect">
-            <a:avLst/>
-          </a:prstGeom>
-          <a:solidFill>
-            <a:srgbClr val="037D6A"/>
-          </a:solidFill>
-          <a:ln>
-            <a:noFill/>
-          </a:ln>
-        </p:spPr>
-        <p:style>
-          <a:lnRef idx="2">
-            <a:schemeClr val="accent1">
-              <a:shade val="50000"/>
-            </a:schemeClr>
-          </a:lnRef>
-          <a:fillRef idx="1">
-            <a:schemeClr val="accent1"/>
-          </a:fillRef>
-          <a:effectRef idx="0">
-            <a:schemeClr val="accent1"/>
-          </a:effectRef>
-          <a:fontRef idx="minor">
-            <a:schemeClr val="lt1"/>
-          </a:fontRef>
-        </p:style>
-        <p:txBody>
-          <a:bodyPr rtlCol="0" anchor="ctr"/>
-          <a:lstStyle/>
-          <a:p>
-            <a:pPr algn="ctr"/>
-            <a:r>
-              <a:rPr lang="en-US" altLang="zh-CN" sz="3600" b="1" dirty="0" smtClean="0"/>
-              <a:t>Redis</a:t>
-            </a:r>
-            <a:r>
-              <a:rPr lang="zh-CN" altLang="en-US" sz="3600" b="1" dirty="0" smtClean="0"/>
-              <a:t>应用场景</a:t>
-            </a:r>
-            <a:endParaRPr lang="zh-CN" altLang="en-US" sz="3600" b="1" dirty="0">
-              <a:solidFill>
-                <a:srgbClr val="F2F2F2"/>
-              </a:solidFill>
-            </a:endParaRPr>
-          </a:p>
-        </p:txBody>
-      </p:sp>
-      <p:sp>
-        <p:nvSpPr>
-          <p:cNvPr id="4" name="Rectangle 3"/>
-          <p:cNvSpPr>
-            <a:spLocks noGrp="1" noChangeArrowheads="1"/>
-          </p:cNvSpPr>
-          <p:nvPr/>
-        </p:nvSpPr>
-        <p:spPr bwMode="auto">
-          <a:xfrm>
-            <a:off x="1752600" y="876300"/>
-            <a:ext cx="8686800" cy="5105400"/>
-          </a:xfrm>
-          <a:prstGeom prst="rect">
-            <a:avLst/>
-          </a:prstGeom>
-          <a:noFill/>
-          <a:ln>
-            <a:noFill/>
-          </a:ln>
-          <a:extLst>
-            <a:ext uri="{909E8E84-426E-40DD-AFC4-6F175D3DCCD1}">
-              <a14:hiddenFill xmlns:a14="http://schemas.microsoft.com/office/drawing/2010/main">
-                <a:solidFill>
-                  <a:srgbClr val="FFFFFF"/>
-                </a:solidFill>
-              </a14:hiddenFill>
-            </a:ext>
-            <a:ext uri="{91240B29-F687-4F45-9708-019B960494DF}">
-              <a14:hiddenLine xmlns:a14="http://schemas.microsoft.com/office/drawing/2010/main" w="9525">
-                <a:solidFill>
-                  <a:srgbClr val="000000"/>
-                </a:solidFill>
-                <a:miter lim="800000"/>
-                <a:headEnd/>
-                <a:tailEnd/>
-              </a14:hiddenLine>
-            </a:ext>
-          </a:extLst>
-        </p:spPr>
-        <p:txBody>
-          <a:bodyPr vert="horz" wrap="square" lIns="91440" tIns="45720" rIns="91440" bIns="45720" numCol="1" anchor="t" anchorCtr="0" compatLnSpc="1">
-            <a:prstTxWarp prst="textNoShape">
-              <a:avLst/>
-            </a:prstTxWarp>
-          </a:bodyPr>
-          <a:lstStyle>
-            <a:lvl1pPr marL="342900" indent="-342900" algn="l" rtl="0" eaLnBrk="0" fontAlgn="base" hangingPunct="0">
-              <a:spcBef>
-                <a:spcPct val="20000"/>
-              </a:spcBef>
-              <a:spcAft>
-                <a:spcPct val="0"/>
-              </a:spcAft>
-              <a:buChar char="•"/>
-              <a:defRPr sz="2400">
-                <a:solidFill>
-                  <a:schemeClr val="tx1"/>
-                </a:solidFill>
-                <a:latin typeface="+mn-lt"/>
-                <a:ea typeface="+mn-ea"/>
-                <a:cs typeface="+mn-cs"/>
-              </a:defRPr>
-            </a:lvl1pPr>
-            <a:lvl2pPr marL="742950" indent="-285750" algn="l" rtl="0" eaLnBrk="0" fontAlgn="base" hangingPunct="0">
-              <a:spcBef>
-                <a:spcPct val="20000"/>
-              </a:spcBef>
-              <a:spcAft>
-                <a:spcPct val="0"/>
-              </a:spcAft>
-              <a:buChar char="–"/>
-              <a:defRPr sz="2000">
-                <a:solidFill>
-                  <a:schemeClr val="tx1"/>
-                </a:solidFill>
-                <a:latin typeface="+mn-lt"/>
-                <a:cs typeface="+mn-cs"/>
-              </a:defRPr>
-            </a:lvl2pPr>
-            <a:lvl3pPr marL="1143000" indent="-228600" algn="l" rtl="0" eaLnBrk="0" fontAlgn="base" hangingPunct="0">
-              <a:spcBef>
-                <a:spcPct val="20000"/>
-              </a:spcBef>
-              <a:spcAft>
-                <a:spcPct val="0"/>
-              </a:spcAft>
-              <a:buChar char="•"/>
-              <a:defRPr>
-                <a:solidFill>
-                  <a:schemeClr val="tx1"/>
-                </a:solidFill>
-                <a:latin typeface="+mn-lt"/>
-                <a:cs typeface="+mn-cs"/>
-              </a:defRPr>
-            </a:lvl3pPr>
-            <a:lvl4pPr marL="1600200" indent="-228600" algn="l" rtl="0" eaLnBrk="0" fontAlgn="base" hangingPunct="0">
-              <a:spcBef>
-                <a:spcPct val="20000"/>
-              </a:spcBef>
-              <a:spcAft>
-                <a:spcPct val="0"/>
-              </a:spcAft>
-              <a:buChar char="–"/>
-              <a:defRPr sz="1600">
-                <a:solidFill>
-                  <a:schemeClr val="tx1"/>
-                </a:solidFill>
-                <a:latin typeface="+mn-lt"/>
-                <a:cs typeface="+mn-cs"/>
-              </a:defRPr>
-            </a:lvl4pPr>
-            <a:lvl5pPr marL="2057400" indent="-228600" algn="l" rtl="0" eaLnBrk="0" fontAlgn="base" hangingPunct="0">
-              <a:spcBef>
-                <a:spcPct val="20000"/>
-              </a:spcBef>
-              <a:spcAft>
-                <a:spcPct val="0"/>
-              </a:spcAft>
-              <a:buChar char="»"/>
-              <a:defRPr sz="1600">
-                <a:solidFill>
-                  <a:schemeClr val="tx1"/>
-                </a:solidFill>
-                <a:latin typeface="+mn-lt"/>
-                <a:cs typeface="+mn-cs"/>
-              </a:defRPr>
-            </a:lvl5pPr>
-            <a:lvl6pPr marL="2514600" indent="-228600" algn="l" rtl="0" eaLnBrk="1" fontAlgn="base" hangingPunct="1">
-              <a:spcBef>
-                <a:spcPct val="20000"/>
-              </a:spcBef>
-              <a:spcAft>
-                <a:spcPct val="0"/>
-              </a:spcAft>
-              <a:buChar char="»"/>
-              <a:defRPr sz="1600">
-                <a:solidFill>
-                  <a:schemeClr val="tx1"/>
-                </a:solidFill>
-                <a:latin typeface="+mn-lt"/>
-                <a:cs typeface="+mn-cs"/>
-              </a:defRPr>
-            </a:lvl6pPr>
-            <a:lvl7pPr marL="2971800" indent="-228600" algn="l" rtl="0" eaLnBrk="1" fontAlgn="base" hangingPunct="1">
-              <a:spcBef>
-                <a:spcPct val="20000"/>
-              </a:spcBef>
-              <a:spcAft>
-                <a:spcPct val="0"/>
-              </a:spcAft>
-              <a:buChar char="»"/>
-              <a:defRPr sz="1600">
-                <a:solidFill>
-                  <a:schemeClr val="tx1"/>
-                </a:solidFill>
-                <a:latin typeface="+mn-lt"/>
-                <a:cs typeface="+mn-cs"/>
-              </a:defRPr>
-            </a:lvl7pPr>
-            <a:lvl8pPr marL="3429000" indent="-228600" algn="l" rtl="0" eaLnBrk="1" fontAlgn="base" hangingPunct="1">
-              <a:spcBef>
-                <a:spcPct val="20000"/>
-              </a:spcBef>
-              <a:spcAft>
-                <a:spcPct val="0"/>
-              </a:spcAft>
-              <a:buChar char="»"/>
-              <a:defRPr sz="1600">
-                <a:solidFill>
-                  <a:schemeClr val="tx1"/>
-                </a:solidFill>
-                <a:latin typeface="+mn-lt"/>
-                <a:cs typeface="+mn-cs"/>
-              </a:defRPr>
-            </a:lvl8pPr>
-            <a:lvl9pPr marL="3886200" indent="-228600" algn="l" rtl="0" eaLnBrk="1" fontAlgn="base" hangingPunct="1">
-              <a:spcBef>
-                <a:spcPct val="20000"/>
-              </a:spcBef>
-              <a:spcAft>
-                <a:spcPct val="0"/>
-              </a:spcAft>
-              <a:buChar char="»"/>
-              <a:defRPr sz="1600">
-                <a:solidFill>
-                  <a:schemeClr val="tx1"/>
-                </a:solidFill>
-                <a:latin typeface="+mn-lt"/>
-                <a:cs typeface="+mn-cs"/>
-              </a:defRPr>
-            </a:lvl9pPr>
-          </a:lstStyle>
-          <a:p>
-            <a:pPr>
-              <a:lnSpc>
-                <a:spcPct val="90000"/>
-              </a:lnSpc>
-              <a:buFontTx/>
-              <a:buNone/>
-            </a:pPr>
-            <a:r>
-              <a:rPr lang="en-US" altLang="zh-CN" sz="1800" b="1" smtClean="0">
-                <a:latin typeface="华文细黑" panose="02010600040101010101" pitchFamily="2" charset="-122"/>
-                <a:ea typeface="华文细黑" panose="02010600040101010101" pitchFamily="2" charset="-122"/>
-              </a:rPr>
-              <a:t>5.Uniq</a:t>
-            </a:r>
-            <a:r>
-              <a:rPr lang="zh-CN" altLang="en-US" sz="1800" b="1" smtClean="0">
-                <a:latin typeface="华文细黑" panose="02010600040101010101" pitchFamily="2" charset="-122"/>
-                <a:ea typeface="华文细黑" panose="02010600040101010101" pitchFamily="2" charset="-122"/>
-              </a:rPr>
-              <a:t>操作，获取某段时间所有数据排重值</a:t>
-            </a:r>
-          </a:p>
-          <a:p>
-            <a:pPr lvl="1">
-              <a:lnSpc>
-                <a:spcPct val="90000"/>
-              </a:lnSpc>
-            </a:pPr>
-            <a:r>
-              <a:rPr lang="zh-CN" altLang="en-US" sz="1800" smtClean="0">
-                <a:latin typeface="华文细黑" panose="02010600040101010101" pitchFamily="2" charset="-122"/>
-                <a:ea typeface="华文细黑" panose="02010600040101010101" pitchFamily="2" charset="-122"/>
-              </a:rPr>
-              <a:t>这个使用</a:t>
-            </a:r>
-            <a:r>
-              <a:rPr lang="en-US" altLang="zh-CN" sz="1800" smtClean="0">
-                <a:latin typeface="华文细黑" panose="02010600040101010101" pitchFamily="2" charset="-122"/>
-                <a:ea typeface="华文细黑" panose="02010600040101010101" pitchFamily="2" charset="-122"/>
-              </a:rPr>
-              <a:t>Redis</a:t>
-            </a:r>
-            <a:r>
-              <a:rPr lang="zh-CN" altLang="en-US" sz="1800" smtClean="0">
-                <a:latin typeface="华文细黑" panose="02010600040101010101" pitchFamily="2" charset="-122"/>
-                <a:ea typeface="华文细黑" panose="02010600040101010101" pitchFamily="2" charset="-122"/>
-              </a:rPr>
-              <a:t>的</a:t>
-            </a:r>
-            <a:r>
-              <a:rPr lang="en-US" altLang="zh-CN" sz="1800" smtClean="0">
-                <a:latin typeface="华文细黑" panose="02010600040101010101" pitchFamily="2" charset="-122"/>
-                <a:ea typeface="华文细黑" panose="02010600040101010101" pitchFamily="2" charset="-122"/>
-              </a:rPr>
-              <a:t>set</a:t>
-            </a:r>
-            <a:r>
-              <a:rPr lang="zh-CN" altLang="en-US" sz="1800" smtClean="0">
-                <a:latin typeface="华文细黑" panose="02010600040101010101" pitchFamily="2" charset="-122"/>
-                <a:ea typeface="华文细黑" panose="02010600040101010101" pitchFamily="2" charset="-122"/>
-              </a:rPr>
-              <a:t>数据结构最合适了，只需要不断地将数据往</a:t>
-            </a:r>
-            <a:r>
-              <a:rPr lang="en-US" altLang="zh-CN" sz="1800" smtClean="0">
-                <a:latin typeface="华文细黑" panose="02010600040101010101" pitchFamily="2" charset="-122"/>
-                <a:ea typeface="华文细黑" panose="02010600040101010101" pitchFamily="2" charset="-122"/>
-              </a:rPr>
-              <a:t>set</a:t>
-            </a:r>
-            <a:r>
-              <a:rPr lang="zh-CN" altLang="en-US" sz="1800" smtClean="0">
-                <a:latin typeface="华文细黑" panose="02010600040101010101" pitchFamily="2" charset="-122"/>
-                <a:ea typeface="华文细黑" panose="02010600040101010101" pitchFamily="2" charset="-122"/>
-              </a:rPr>
-              <a:t>中扔就行了，</a:t>
-            </a:r>
-            <a:r>
-              <a:rPr lang="en-US" altLang="zh-CN" sz="1800" smtClean="0">
-                <a:latin typeface="华文细黑" panose="02010600040101010101" pitchFamily="2" charset="-122"/>
-                <a:ea typeface="华文细黑" panose="02010600040101010101" pitchFamily="2" charset="-122"/>
-              </a:rPr>
-              <a:t>set</a:t>
-            </a:r>
-            <a:r>
-              <a:rPr lang="zh-CN" altLang="en-US" sz="1800" smtClean="0">
-                <a:latin typeface="华文细黑" panose="02010600040101010101" pitchFamily="2" charset="-122"/>
-                <a:ea typeface="华文细黑" panose="02010600040101010101" pitchFamily="2" charset="-122"/>
-              </a:rPr>
-              <a:t>意为集合，所以会自动排重。</a:t>
-            </a:r>
-            <a:endParaRPr lang="zh-CN" altLang="en-US" sz="1800" b="1" smtClean="0">
-              <a:latin typeface="华文细黑" panose="02010600040101010101" pitchFamily="2" charset="-122"/>
-              <a:ea typeface="华文细黑" panose="02010600040101010101" pitchFamily="2" charset="-122"/>
-            </a:endParaRPr>
-          </a:p>
-          <a:p>
-            <a:pPr>
-              <a:lnSpc>
-                <a:spcPct val="90000"/>
-              </a:lnSpc>
-              <a:buFontTx/>
-              <a:buNone/>
-            </a:pPr>
-            <a:r>
-              <a:rPr lang="en-US" altLang="zh-CN" sz="1800" b="1" smtClean="0">
-                <a:latin typeface="华文细黑" panose="02010600040101010101" pitchFamily="2" charset="-122"/>
-                <a:ea typeface="华文细黑" panose="02010600040101010101" pitchFamily="2" charset="-122"/>
-              </a:rPr>
-              <a:t>6.</a:t>
-            </a:r>
-            <a:r>
-              <a:rPr lang="zh-CN" altLang="en-US" sz="1800" b="1" smtClean="0">
-                <a:latin typeface="华文细黑" panose="02010600040101010101" pitchFamily="2" charset="-122"/>
-                <a:ea typeface="华文细黑" panose="02010600040101010101" pitchFamily="2" charset="-122"/>
-              </a:rPr>
-              <a:t>实时系统，反垃圾系统</a:t>
-            </a:r>
-          </a:p>
-          <a:p>
-            <a:pPr lvl="1">
-              <a:lnSpc>
-                <a:spcPct val="90000"/>
-              </a:lnSpc>
-            </a:pPr>
-            <a:r>
-              <a:rPr lang="zh-CN" altLang="en-US" sz="1800" smtClean="0">
-                <a:latin typeface="华文细黑" panose="02010600040101010101" pitchFamily="2" charset="-122"/>
-                <a:ea typeface="华文细黑" panose="02010600040101010101" pitchFamily="2" charset="-122"/>
-              </a:rPr>
-              <a:t>通过上面说到的</a:t>
-            </a:r>
-            <a:r>
-              <a:rPr lang="en-US" altLang="zh-CN" sz="1800" smtClean="0">
-                <a:latin typeface="华文细黑" panose="02010600040101010101" pitchFamily="2" charset="-122"/>
-                <a:ea typeface="华文细黑" panose="02010600040101010101" pitchFamily="2" charset="-122"/>
-              </a:rPr>
-              <a:t>set</a:t>
-            </a:r>
-            <a:r>
-              <a:rPr lang="zh-CN" altLang="en-US" sz="1800" smtClean="0">
-                <a:latin typeface="华文细黑" panose="02010600040101010101" pitchFamily="2" charset="-122"/>
-                <a:ea typeface="华文细黑" panose="02010600040101010101" pitchFamily="2" charset="-122"/>
-              </a:rPr>
-              <a:t>功能，你可以知道一个终端用户是否进行了某个操作，可以找到其操作的集合并进行分析统计对比等。没有做不到，只有想不到。</a:t>
-            </a:r>
-            <a:endParaRPr lang="zh-CN" altLang="en-US" sz="1800" b="1" smtClean="0">
-              <a:latin typeface="华文细黑" panose="02010600040101010101" pitchFamily="2" charset="-122"/>
-              <a:ea typeface="华文细黑" panose="02010600040101010101" pitchFamily="2" charset="-122"/>
-            </a:endParaRPr>
-          </a:p>
-          <a:p>
-            <a:pPr>
-              <a:lnSpc>
-                <a:spcPct val="90000"/>
-              </a:lnSpc>
-              <a:buFontTx/>
-              <a:buNone/>
-            </a:pPr>
-            <a:r>
-              <a:rPr lang="en-US" altLang="zh-CN" sz="1800" b="1" smtClean="0">
-                <a:latin typeface="华文细黑" panose="02010600040101010101" pitchFamily="2" charset="-122"/>
-                <a:ea typeface="华文细黑" panose="02010600040101010101" pitchFamily="2" charset="-122"/>
-              </a:rPr>
-              <a:t>7.Pub/Sub</a:t>
-            </a:r>
-            <a:r>
-              <a:rPr lang="zh-CN" altLang="en-US" sz="1800" b="1" smtClean="0">
-                <a:latin typeface="华文细黑" panose="02010600040101010101" pitchFamily="2" charset="-122"/>
-                <a:ea typeface="华文细黑" panose="02010600040101010101" pitchFamily="2" charset="-122"/>
-              </a:rPr>
-              <a:t>构建实时消息系统</a:t>
-            </a:r>
-          </a:p>
-          <a:p>
-            <a:pPr lvl="1">
-              <a:lnSpc>
-                <a:spcPct val="90000"/>
-              </a:lnSpc>
-            </a:pPr>
-            <a:r>
-              <a:rPr lang="en-US" altLang="zh-CN" sz="1800" smtClean="0">
-                <a:latin typeface="华文细黑" panose="02010600040101010101" pitchFamily="2" charset="-122"/>
-                <a:ea typeface="华文细黑" panose="02010600040101010101" pitchFamily="2" charset="-122"/>
-              </a:rPr>
-              <a:t>Redis</a:t>
-            </a:r>
-            <a:r>
-              <a:rPr lang="zh-CN" altLang="en-US" sz="1800" smtClean="0">
-                <a:latin typeface="华文细黑" panose="02010600040101010101" pitchFamily="2" charset="-122"/>
-                <a:ea typeface="华文细黑" panose="02010600040101010101" pitchFamily="2" charset="-122"/>
-              </a:rPr>
-              <a:t>的</a:t>
-            </a:r>
-            <a:r>
-              <a:rPr lang="en-US" altLang="zh-CN" sz="1800" smtClean="0">
-                <a:latin typeface="华文细黑" panose="02010600040101010101" pitchFamily="2" charset="-122"/>
-                <a:ea typeface="华文细黑" panose="02010600040101010101" pitchFamily="2" charset="-122"/>
-              </a:rPr>
-              <a:t>Pub/Sub</a:t>
-            </a:r>
-            <a:r>
-              <a:rPr lang="zh-CN" altLang="en-US" sz="1800" smtClean="0">
-                <a:latin typeface="华文细黑" panose="02010600040101010101" pitchFamily="2" charset="-122"/>
-                <a:ea typeface="华文细黑" panose="02010600040101010101" pitchFamily="2" charset="-122"/>
-              </a:rPr>
-              <a:t>系统可以构建实时的消息系统，比如很多用</a:t>
-            </a:r>
-            <a:r>
-              <a:rPr lang="en-US" altLang="zh-CN" sz="1800" smtClean="0">
-                <a:latin typeface="华文细黑" panose="02010600040101010101" pitchFamily="2" charset="-122"/>
-                <a:ea typeface="华文细黑" panose="02010600040101010101" pitchFamily="2" charset="-122"/>
-              </a:rPr>
-              <a:t>Pub/Sub</a:t>
-            </a:r>
-            <a:r>
-              <a:rPr lang="zh-CN" altLang="en-US" sz="1800" smtClean="0">
-                <a:latin typeface="华文细黑" panose="02010600040101010101" pitchFamily="2" charset="-122"/>
-                <a:ea typeface="华文细黑" panose="02010600040101010101" pitchFamily="2" charset="-122"/>
-              </a:rPr>
-              <a:t>构建的实时聊天系统的例子。</a:t>
-            </a:r>
-            <a:endParaRPr lang="zh-CN" altLang="en-US" sz="1800" b="1" smtClean="0">
-              <a:latin typeface="华文细黑" panose="02010600040101010101" pitchFamily="2" charset="-122"/>
-              <a:ea typeface="华文细黑" panose="02010600040101010101" pitchFamily="2" charset="-122"/>
-            </a:endParaRPr>
-          </a:p>
-          <a:p>
-            <a:pPr>
-              <a:lnSpc>
-                <a:spcPct val="90000"/>
-              </a:lnSpc>
-              <a:buFontTx/>
-              <a:buNone/>
-            </a:pPr>
-            <a:r>
-              <a:rPr lang="en-US" altLang="zh-CN" sz="1800" b="1" smtClean="0">
-                <a:latin typeface="华文细黑" panose="02010600040101010101" pitchFamily="2" charset="-122"/>
-                <a:ea typeface="华文细黑" panose="02010600040101010101" pitchFamily="2" charset="-122"/>
-              </a:rPr>
-              <a:t>8.</a:t>
-            </a:r>
-            <a:r>
-              <a:rPr lang="zh-CN" altLang="en-US" sz="1800" b="1" smtClean="0">
-                <a:latin typeface="华文细黑" panose="02010600040101010101" pitchFamily="2" charset="-122"/>
-                <a:ea typeface="华文细黑" panose="02010600040101010101" pitchFamily="2" charset="-122"/>
-              </a:rPr>
-              <a:t>构建队列系统</a:t>
-            </a:r>
-          </a:p>
-          <a:p>
-            <a:pPr lvl="1">
-              <a:lnSpc>
-                <a:spcPct val="90000"/>
-              </a:lnSpc>
-            </a:pPr>
-            <a:r>
-              <a:rPr lang="zh-CN" altLang="en-US" sz="1800" smtClean="0">
-                <a:latin typeface="华文细黑" panose="02010600040101010101" pitchFamily="2" charset="-122"/>
-                <a:ea typeface="华文细黑" panose="02010600040101010101" pitchFamily="2" charset="-122"/>
-              </a:rPr>
-              <a:t>使用</a:t>
-            </a:r>
-            <a:r>
-              <a:rPr lang="en-US" altLang="zh-CN" sz="1800" smtClean="0">
-                <a:latin typeface="华文细黑" panose="02010600040101010101" pitchFamily="2" charset="-122"/>
-                <a:ea typeface="华文细黑" panose="02010600040101010101" pitchFamily="2" charset="-122"/>
-              </a:rPr>
-              <a:t>list</a:t>
-            </a:r>
-            <a:r>
-              <a:rPr lang="zh-CN" altLang="en-US" sz="1800" smtClean="0">
-                <a:latin typeface="华文细黑" panose="02010600040101010101" pitchFamily="2" charset="-122"/>
-                <a:ea typeface="华文细黑" panose="02010600040101010101" pitchFamily="2" charset="-122"/>
-              </a:rPr>
-              <a:t>可以构建队列系统，使用</a:t>
-            </a:r>
-            <a:r>
-              <a:rPr lang="en-US" altLang="zh-CN" sz="1800" smtClean="0">
-                <a:latin typeface="华文细黑" panose="02010600040101010101" pitchFamily="2" charset="-122"/>
-                <a:ea typeface="华文细黑" panose="02010600040101010101" pitchFamily="2" charset="-122"/>
-              </a:rPr>
-              <a:t>sorted set</a:t>
-            </a:r>
-            <a:r>
-              <a:rPr lang="zh-CN" altLang="en-US" sz="1800" smtClean="0">
-                <a:latin typeface="华文细黑" panose="02010600040101010101" pitchFamily="2" charset="-122"/>
-                <a:ea typeface="华文细黑" panose="02010600040101010101" pitchFamily="2" charset="-122"/>
-              </a:rPr>
-              <a:t>甚至可以构建有优先级的队列系统。</a:t>
-            </a:r>
-            <a:endParaRPr lang="zh-CN" altLang="en-US" sz="1800" b="1" smtClean="0">
-              <a:latin typeface="华文细黑" panose="02010600040101010101" pitchFamily="2" charset="-122"/>
-              <a:ea typeface="华文细黑" panose="02010600040101010101" pitchFamily="2" charset="-122"/>
-            </a:endParaRPr>
-          </a:p>
-          <a:p>
-            <a:pPr>
-              <a:lnSpc>
-                <a:spcPct val="90000"/>
-              </a:lnSpc>
-              <a:buFontTx/>
-              <a:buNone/>
-            </a:pPr>
-            <a:r>
-              <a:rPr lang="en-US" altLang="zh-CN" sz="1800" b="1" smtClean="0">
-                <a:latin typeface="华文细黑" panose="02010600040101010101" pitchFamily="2" charset="-122"/>
-                <a:ea typeface="华文细黑" panose="02010600040101010101" pitchFamily="2" charset="-122"/>
-              </a:rPr>
-              <a:t>9.</a:t>
-            </a:r>
-            <a:r>
-              <a:rPr lang="zh-CN" altLang="en-US" sz="1800" b="1" smtClean="0">
-                <a:latin typeface="华文细黑" panose="02010600040101010101" pitchFamily="2" charset="-122"/>
-                <a:ea typeface="华文细黑" panose="02010600040101010101" pitchFamily="2" charset="-122"/>
-              </a:rPr>
-              <a:t>缓存</a:t>
-            </a:r>
-          </a:p>
-          <a:p>
-            <a:pPr lvl="1">
-              <a:lnSpc>
-                <a:spcPct val="90000"/>
-              </a:lnSpc>
-            </a:pPr>
-            <a:r>
-              <a:rPr lang="zh-CN" altLang="en-US" sz="1800" smtClean="0">
-                <a:latin typeface="华文细黑" panose="02010600040101010101" pitchFamily="2" charset="-122"/>
-                <a:ea typeface="华文细黑" panose="02010600040101010101" pitchFamily="2" charset="-122"/>
-              </a:rPr>
-              <a:t>这个不必说了，性能优于</a:t>
-            </a:r>
-            <a:r>
-              <a:rPr lang="en-US" altLang="zh-CN" sz="1800" smtClean="0">
-                <a:latin typeface="华文细黑" panose="02010600040101010101" pitchFamily="2" charset="-122"/>
-                <a:ea typeface="华文细黑" panose="02010600040101010101" pitchFamily="2" charset="-122"/>
-              </a:rPr>
-              <a:t>Memcached</a:t>
-            </a:r>
-            <a:r>
-              <a:rPr lang="zh-CN" altLang="en-US" sz="1800" smtClean="0">
-                <a:latin typeface="华文细黑" panose="02010600040101010101" pitchFamily="2" charset="-122"/>
-                <a:ea typeface="华文细黑" panose="02010600040101010101" pitchFamily="2" charset="-122"/>
-              </a:rPr>
-              <a:t>，数据结构更多样化。</a:t>
-            </a:r>
-          </a:p>
-        </p:txBody>
-      </p:sp>
-    </p:spTree>
-    <p:extLst>
-      <p:ext uri="{BB962C8B-B14F-4D97-AF65-F5344CB8AC3E}">
-        <p14:creationId xmlns:p14="http://schemas.microsoft.com/office/powerpoint/2010/main" val="2716564622"/>
-      </p:ext>
-    </p:extLst>
-  </p:cSld>
-  <p:clrMapOvr>
-    <a:masterClrMapping/>
-  </p:clrMapOvr>
-  <p:transition spd="med">
-    <p:pull/>
-  </p:transition>
-  <p:timing>
-    <p:tnLst>
-      <p:par>
-        <p:cTn id="1" dur="indefinite" restart="never" nodeType="tmRoot"/>
-      </p:par>
-    </p:tnLst>
-  </p:timing>
-</p:sld>
-</file>
-
-<file path=ppt/slides/slide34.xml><?xml version="1.0" encoding="utf-8"?>
 <p:sld xmlns:a="http://schemas.openxmlformats.org/drawingml/2006/main" xmlns:r="http://schemas.openxmlformats.org/officeDocument/2006/relationships" xmlns:p="http://schemas.openxmlformats.org/presentationml/2006/main">
   <p:cSld>
     <p:spTree>
@@ -17246,12 +17314,8 @@
               <a:t>Redis</a:t>
             </a:r>
             <a:r>
-              <a:rPr lang="zh-CN" altLang="en-US" b="1" dirty="0"/>
-              <a:t>是</a:t>
-            </a:r>
-            <a:r>
               <a:rPr lang="zh-CN" altLang="en-US" b="1" dirty="0" smtClean="0"/>
-              <a:t>什么</a:t>
+              <a:t>是什么</a:t>
             </a:r>
             <a:endParaRPr lang="en-US" altLang="zh-CN" b="1" dirty="0" smtClean="0"/>
           </a:p>
@@ -17266,8 +17330,12 @@
               <a:t>          Redis</a:t>
             </a:r>
             <a:r>
+              <a:rPr lang="zh-CN" altLang="en-US" dirty="0" smtClean="0"/>
+              <a:t>是</a:t>
+            </a:r>
+            <a:r>
               <a:rPr lang="zh-CN" altLang="en-US" dirty="0"/>
-              <a:t>是一款开源的、高性能的键</a:t>
+              <a:t>一款开源的、高性能的键</a:t>
             </a:r>
             <a:r>
               <a:rPr lang="en-US" altLang="zh-CN" dirty="0"/>
@@ -17291,15 +17359,23 @@
             </a:r>
             <a:r>
               <a:rPr lang="zh-CN" altLang="en-US" dirty="0"/>
-              <a:t>）。</a:t>
-            </a:r>
-            <a:r>
-              <a:rPr lang="en-US" altLang="zh-CN" dirty="0"/>
+              <a:t>）</a:t>
+            </a:r>
+            <a:r>
+              <a:rPr lang="zh-CN" altLang="en-US" dirty="0" smtClean="0"/>
+              <a:t>。</a:t>
+            </a:r>
+            <a:r>
+              <a:rPr lang="en-US" altLang="zh-CN" dirty="0" smtClean="0"/>
               <a:t>Redis</a:t>
             </a:r>
             <a:r>
+              <a:rPr lang="zh-CN" altLang="en-US" dirty="0" smtClean="0"/>
+              <a:t>的</a:t>
+            </a:r>
+            <a:r>
               <a:rPr lang="zh-CN" altLang="en-US" dirty="0"/>
-              <a:t>的键值可以包括字符串（</a:t>
+              <a:t>键值可以包括字符串（</a:t>
             </a:r>
             <a:r>
               <a:rPr lang="en-US" altLang="zh-CN" dirty="0"/>
@@ -17351,15 +17427,23 @@
             </a:r>
             <a:r>
               <a:rPr lang="zh-CN" altLang="en-US" dirty="0"/>
-              <a:t>等。在此基础上，</a:t>
-            </a:r>
-            <a:r>
-              <a:rPr lang="en-US" altLang="zh-CN" dirty="0"/>
-              <a:t>redis</a:t>
+              <a:t>等。在此基础上</a:t>
+            </a:r>
+            <a:r>
+              <a:rPr lang="zh-CN" altLang="en-US" dirty="0" smtClean="0"/>
+              <a:t>，</a:t>
+            </a:r>
+            <a:r>
+              <a:rPr lang="en-US" altLang="zh-CN" dirty="0" smtClean="0"/>
+              <a:t>Redis</a:t>
+            </a:r>
+            <a:r>
+              <a:rPr lang="zh-CN" altLang="en-US" dirty="0" smtClean="0"/>
+              <a:t>支持</a:t>
             </a:r>
             <a:r>
               <a:rPr lang="zh-CN" altLang="en-US" dirty="0"/>
-              <a:t>支持各种不同方式的排序。与</a:t>
+              <a:t>各种不同方式的排序。与</a:t>
             </a:r>
             <a:r>
               <a:rPr lang="en-US" altLang="zh-CN" dirty="0"/>
@@ -17367,15 +17451,23 @@
             </a:r>
             <a:r>
               <a:rPr lang="zh-CN" altLang="en-US" dirty="0"/>
-              <a:t>一样，为了保证效率，数据都是缓存在内存中。区别的是</a:t>
-            </a:r>
-            <a:r>
-              <a:rPr lang="en-US" altLang="zh-CN" dirty="0"/>
-              <a:t>redis</a:t>
+              <a:t>一样，为了保证效率，数据都是缓存在内存中。区别的</a:t>
+            </a:r>
+            <a:r>
+              <a:rPr lang="zh-CN" altLang="en-US" dirty="0" smtClean="0"/>
+              <a:t>是</a:t>
+            </a:r>
+            <a:r>
+              <a:rPr lang="en-US" altLang="zh-CN" dirty="0" smtClean="0"/>
+              <a:t>Redis</a:t>
+            </a:r>
+            <a:r>
+              <a:rPr lang="zh-CN" altLang="en-US" dirty="0" smtClean="0"/>
+              <a:t>会</a:t>
             </a:r>
             <a:r>
               <a:rPr lang="zh-CN" altLang="en-US" dirty="0"/>
-              <a:t>会周期性的把更新的数据写入磁盘或者把修改操作写入追加的记录文件，并且在此基础上实现了</a:t>
+              <a:t>周期性的把更新的数据写入磁盘或者把修改操作写入追加的记录文件，并且在此基础上实现了</a:t>
             </a:r>
             <a:r>
               <a:rPr lang="en-US" altLang="zh-CN" dirty="0"/>
@@ -17542,7 +17634,7 @@
         <p:spPr>
           <a:xfrm>
             <a:off x="2665927" y="1146219"/>
-            <a:ext cx="9208394" cy="464871"/>
+            <a:ext cx="9208394" cy="507831"/>
           </a:xfrm>
           <a:prstGeom prst="rect">
             <a:avLst/>
@@ -17565,8 +17657,12 @@
               <a:t>Redis</a:t>
             </a:r>
             <a:r>
+              <a:rPr lang="zh-CN" altLang="en-US" b="1" dirty="0" smtClean="0"/>
+              <a:t>的</a:t>
+            </a:r>
+            <a:r>
               <a:rPr lang="zh-CN" altLang="en-US" b="1" dirty="0"/>
-              <a:t>的作者何许人也</a:t>
+              <a:t>作者何许人也</a:t>
             </a:r>
             <a:endParaRPr lang="zh-CN" altLang="en-US" dirty="0"/>
           </a:p>
@@ -17722,7 +17818,7 @@
         <p:spPr>
           <a:xfrm>
             <a:off x="2665927" y="4680238"/>
-            <a:ext cx="9099909" cy="879087"/>
+            <a:ext cx="9099909" cy="923330"/>
           </a:xfrm>
           <a:prstGeom prst="rect">
             <a:avLst/>
@@ -18151,7 +18247,7 @@
           <a:lstStyle/>
           <a:p>
             <a:r>
-              <a:rPr lang="en-US" altLang="zh-CN" b="1" dirty="0"/>
+              <a:rPr lang="en-US" altLang="zh-CN" b="1" dirty="0" smtClean="0"/>
               <a:t>Redis </a:t>
             </a:r>
             <a:r>
@@ -18172,19 +18268,31 @@
               <a:rPr lang="zh-CN" altLang="en-US" dirty="0">
                 <a:latin typeface="+mn-ea"/>
               </a:rPr>
-              <a:t>异常快速：</a:t>
-            </a:r>
-            <a:r>
-              <a:rPr lang="en-US" altLang="zh-CN" dirty="0">
+              <a:t>异常快速</a:t>
+            </a:r>
+            <a:r>
+              <a:rPr lang="zh-CN" altLang="en-US" dirty="0" smtClean="0">
+                <a:latin typeface="+mn-ea"/>
+              </a:rPr>
+              <a:t>：</a:t>
+            </a:r>
+            <a:r>
+              <a:rPr lang="en-US" altLang="zh-CN" dirty="0" smtClean="0">
                 <a:latin typeface="+mn-ea"/>
               </a:rPr>
               <a:t>Redis</a:t>
             </a:r>
             <a:r>
+              <a:rPr lang="zh-CN" altLang="en-US" dirty="0" smtClean="0">
+                <a:latin typeface="+mn-ea"/>
+              </a:rPr>
+              <a:t>的</a:t>
+            </a:r>
+            <a:r>
               <a:rPr lang="zh-CN" altLang="en-US" dirty="0">
                 <a:latin typeface="+mn-ea"/>
               </a:rPr>
-              <a:t>的速度非常快，每秒能执行约</a:t>
+              <a:t>速度非常快，每秒能执行约</a:t>
             </a:r>
             <a:r>
               <a:rPr lang="en-US" altLang="zh-CN" dirty="0">
@@ -18238,19 +18346,31 @@
               <a:rPr lang="zh-CN" altLang="en-US" dirty="0">
                 <a:latin typeface="+mn-ea"/>
               </a:rPr>
-              <a:t>丰富的数据类型：</a:t>
-            </a:r>
-            <a:r>
-              <a:rPr lang="en-US" altLang="zh-CN" dirty="0">
+              <a:t>丰富的数据类型</a:t>
+            </a:r>
+            <a:r>
+              <a:rPr lang="zh-CN" altLang="en-US" dirty="0" smtClean="0">
+                <a:latin typeface="+mn-ea"/>
+              </a:rPr>
+              <a:t>：</a:t>
+            </a:r>
+            <a:r>
+              <a:rPr lang="en-US" altLang="zh-CN" dirty="0" smtClean="0">
                 <a:latin typeface="+mn-ea"/>
               </a:rPr>
               <a:t>Redis</a:t>
             </a:r>
             <a:r>
+              <a:rPr lang="zh-CN" altLang="en-US" dirty="0" smtClean="0">
+                <a:latin typeface="+mn-ea"/>
+              </a:rPr>
+              <a:t>支持</a:t>
+            </a:r>
+            <a:r>
               <a:rPr lang="zh-CN" altLang="en-US" dirty="0">
                 <a:latin typeface="+mn-ea"/>
               </a:rPr>
-              <a:t>支持最大多数开发人员已经知道像列表，集合，有序集合，散列数据类型。这使得它非常容易解决各种各样的问题，因为我们知道哪些问题是可以处理通过它的数据类型更好</a:t>
+              <a:t>最大多数开发人员已经知道像列表，集合，有序集合，散列数据类型。这使得它非常容易解决各种各样的问题，因为我们知道哪些问题是可以处理通过它的数据类型更好</a:t>
             </a:r>
             <a:r>
               <a:rPr lang="zh-CN" altLang="en-US" dirty="0" smtClean="0">
@@ -18280,31 +18400,55 @@
               <a:rPr lang="zh-CN" altLang="en-US" dirty="0">
                 <a:latin typeface="+mn-ea"/>
               </a:rPr>
-              <a:t>都是原子性：所有</a:t>
-            </a:r>
-            <a:r>
-              <a:rPr lang="en-US" altLang="zh-CN" dirty="0">
+              <a:t>都是原子性：</a:t>
+            </a:r>
+            <a:r>
+              <a:rPr lang="zh-CN" altLang="en-US" dirty="0" smtClean="0">
+                <a:latin typeface="+mn-ea"/>
+              </a:rPr>
+              <a:t>所有</a:t>
+            </a:r>
+            <a:r>
+              <a:rPr lang="en-US" altLang="zh-CN" dirty="0" smtClean="0">
                 <a:latin typeface="+mn-ea"/>
               </a:rPr>
               <a:t>Redis</a:t>
             </a:r>
             <a:r>
+              <a:rPr lang="zh-CN" altLang="en-US" dirty="0" smtClean="0">
+                <a:latin typeface="+mn-ea"/>
+              </a:rPr>
+              <a:t>操作</a:t>
+            </a:r>
+            <a:r>
               <a:rPr lang="zh-CN" altLang="en-US" dirty="0">
                 <a:latin typeface="+mn-ea"/>
               </a:rPr>
-              <a:t>操作是原子的，这保证了如果两个客户端同时访问的</a:t>
-            </a:r>
-            <a:r>
-              <a:rPr lang="en-US" altLang="zh-CN" dirty="0">
+              <a:t>是原子的，这保证了如果两个客户端同时访问</a:t>
+            </a:r>
+            <a:r>
+              <a:rPr lang="zh-CN" altLang="en-US" dirty="0" smtClean="0">
+                <a:latin typeface="+mn-ea"/>
+              </a:rPr>
+              <a:t>的</a:t>
+            </a:r>
+            <a:r>
+              <a:rPr lang="en-US" altLang="zh-CN" dirty="0" smtClean="0">
                 <a:latin typeface="+mn-ea"/>
               </a:rPr>
               <a:t>Redis</a:t>
             </a:r>
             <a:r>
+              <a:rPr lang="zh-CN" altLang="en-US" dirty="0" smtClean="0">
+                <a:latin typeface="+mn-ea"/>
+              </a:rPr>
+              <a:t>服务器</a:t>
+            </a:r>
+            <a:r>
               <a:rPr lang="zh-CN" altLang="en-US" dirty="0">
                 <a:latin typeface="+mn-ea"/>
               </a:rPr>
-              <a:t>服务器将获得更新后的值</a:t>
+              <a:t>将获得更新后的值</a:t>
             </a:r>
             <a:r>
               <a:rPr lang="zh-CN" altLang="en-US" dirty="0" smtClean="0">
@@ -18334,31 +18478,49 @@
               <a:rPr lang="zh-CN" altLang="en-US" dirty="0">
                 <a:latin typeface="+mn-ea"/>
               </a:rPr>
-              <a:t>实用工具：</a:t>
-            </a:r>
-            <a:r>
-              <a:rPr lang="en-US" altLang="zh-CN" dirty="0">
+              <a:t>实用工具</a:t>
+            </a:r>
+            <a:r>
+              <a:rPr lang="zh-CN" altLang="en-US" dirty="0" smtClean="0">
+                <a:latin typeface="+mn-ea"/>
+              </a:rPr>
+              <a:t>：</a:t>
+            </a:r>
+            <a:r>
+              <a:rPr lang="en-US" altLang="zh-CN" dirty="0" smtClean="0">
                 <a:latin typeface="+mn-ea"/>
               </a:rPr>
               <a:t>Redis</a:t>
             </a:r>
             <a:r>
+              <a:rPr lang="zh-CN" altLang="en-US" dirty="0" smtClean="0">
+                <a:latin typeface="+mn-ea"/>
+              </a:rPr>
+              <a:t>是</a:t>
+            </a:r>
+            <a:r>
               <a:rPr lang="zh-CN" altLang="en-US" dirty="0">
                 <a:latin typeface="+mn-ea"/>
               </a:rPr>
-              <a:t>是一个多实用的工具，可以在多个用例如缓存，消息，队列使用</a:t>
-            </a:r>
-            <a:r>
-              <a:rPr lang="en-US" altLang="zh-CN" dirty="0">
+              <a:t>一个多实用的工具，可以在多个用例如缓存，消息，队列使用</a:t>
+            </a:r>
+            <a:r>
+              <a:rPr lang="en-US" altLang="zh-CN" dirty="0" smtClean="0">
                 <a:latin typeface="+mn-ea"/>
               </a:rPr>
               <a:t>(Redis</a:t>
             </a:r>
             <a:r>
+              <a:rPr lang="zh-CN" altLang="en-US" dirty="0" smtClean="0">
+                <a:latin typeface="+mn-ea"/>
+              </a:rPr>
+              <a:t>原</a:t>
+            </a:r>
+            <a:r>
               <a:rPr lang="zh-CN" altLang="en-US" dirty="0">
                 <a:latin typeface="+mn-ea"/>
               </a:rPr>
-              <a:t>原生支持发布</a:t>
+              <a:t>生支持发布</a:t>
             </a:r>
             <a:r>
               <a:rPr lang="en-US" altLang="zh-CN" dirty="0">
@@ -18628,7 +18790,7 @@
               </a:lnSpc>
             </a:pPr>
             <a:r>
-              <a:rPr lang="zh-CN" altLang="en-US" b="1" dirty="0"/>
+              <a:rPr lang="zh-CN" altLang="en-US" b="1" dirty="0" smtClean="0"/>
               <a:t>安装</a:t>
             </a:r>
             <a:r>
@@ -18653,7 +18815,21 @@
                 <a:latin typeface="+mn-ea"/>
                 <a:hlinkClick r:id="rId2"/>
               </a:rPr>
-              <a:t>http://redis.io/</a:t>
+              <a:t>http</a:t>
+            </a:r>
+            <a:r>
+              <a:rPr lang="en-US" altLang="zh-CN" dirty="0" smtClean="0">
+                <a:latin typeface="+mn-ea"/>
+                <a:hlinkClick r:id="rId2"/>
+              </a:rPr>
+              <a:t>://Redis.io</a:t>
+            </a:r>
+            <a:r>
+              <a:rPr lang="en-US" altLang="zh-CN" dirty="0">
+                <a:latin typeface="+mn-ea"/>
+                <a:hlinkClick r:id="rId2"/>
+              </a:rPr>
+              <a:t>/</a:t>
             </a:r>
             <a:endParaRPr lang="en-US" altLang="zh-CN" dirty="0">
               <a:latin typeface="+mn-ea"/>
@@ -18676,10 +18852,17 @@
                 <a:latin typeface="+mn-ea"/>
                 <a:hlinkClick r:id="rId3"/>
               </a:rPr>
-              <a:t>http://redis.io/download</a:t>
-            </a:r>
-            <a:r>
-              <a:rPr lang="en-US" altLang="zh-CN" dirty="0">
+              <a:t>http</a:t>
+            </a:r>
+            <a:r>
+              <a:rPr lang="en-US" altLang="zh-CN" dirty="0" smtClean="0">
+                <a:latin typeface="+mn-ea"/>
+                <a:hlinkClick r:id="rId3"/>
+              </a:rPr>
+              <a:t>://Redis.io/download</a:t>
+            </a:r>
+            <a:r>
+              <a:rPr lang="en-US" altLang="zh-CN" dirty="0" smtClean="0">
                 <a:latin typeface="+mn-ea"/>
               </a:rPr>
               <a:t> </a:t>
@@ -18721,7 +18904,7 @@
                 <a:latin typeface="+mn-ea"/>
                 <a:hlinkClick r:id="rId4"/>
               </a:rPr>
-              <a:t>github.com/mythz/redis-windows</a:t>
+              <a:t>github.com/mythz/Redis-windows</a:t>
             </a:r>
             <a:endParaRPr lang="en-US" altLang="zh-CN" dirty="0" smtClean="0">
               <a:latin typeface="+mn-ea"/>
@@ -18774,7 +18957,13 @@
               <a:rPr lang="en-US" altLang="zh-CN" dirty="0">
                 <a:latin typeface="+mn-ea"/>
               </a:rPr>
-              <a:t>D:\Redis\redis-2.6</a:t>
+              <a:t>D</a:t>
+            </a:r>
+            <a:r>
+              <a:rPr lang="en-US" altLang="zh-CN" dirty="0" smtClean="0">
+                <a:latin typeface="+mn-ea"/>
+              </a:rPr>
+              <a:t>:\Redis\Redis-2.6</a:t>
             </a:r>
             <a:r>
               <a:rPr lang="zh-CN" altLang="en-US" dirty="0">
@@ -19010,7 +19199,7 @@
               <a:rPr lang="en-US" altLang="zh-CN" dirty="0" smtClean="0">
                 <a:latin typeface="+mn-ea"/>
               </a:rPr>
-              <a:t>redis.windows.conf  //</a:t>
+              <a:t>Redis.windows.conf  //</a:t>
             </a:r>
             <a:r>
               <a:rPr lang="zh-CN" altLang="en-US" dirty="0" smtClean="0">
@@ -19031,28 +19220,46 @@
               <a:buChar char="l"/>
             </a:pPr>
             <a:r>
-              <a:rPr lang="en-US" altLang="zh-CN" dirty="0">
-                <a:latin typeface="+mn-ea"/>
-              </a:rPr>
-              <a:t>redis-benchmark.exe //</a:t>
+              <a:rPr lang="en-US" altLang="zh-CN" dirty="0" smtClean="0">
+                <a:latin typeface="+mn-ea"/>
+              </a:rPr>
+              <a:t>Redis-benchmark.exe </a:t>
+            </a:r>
+            <a:r>
+              <a:rPr lang="en-US" altLang="zh-CN" dirty="0">
+                <a:latin typeface="+mn-ea"/>
+              </a:rPr>
+              <a:t>//</a:t>
             </a:r>
             <a:r>
               <a:rPr lang="zh-CN" altLang="en-US" dirty="0">
                 <a:latin typeface="+mn-ea"/>
               </a:rPr>
-              <a:t>用于进行</a:t>
-            </a:r>
-            <a:r>
-              <a:rPr lang="en-US" altLang="zh-CN" dirty="0">
-                <a:latin typeface="+mn-ea"/>
-              </a:rPr>
-              <a:t>redis</a:t>
+              <a:t>用于</a:t>
+            </a:r>
+            <a:r>
+              <a:rPr lang="zh-CN" altLang="en-US" dirty="0" smtClean="0">
+                <a:latin typeface="+mn-ea"/>
+              </a:rPr>
+              <a:t>进行</a:t>
+            </a:r>
+            <a:r>
+              <a:rPr lang="en-US" altLang="zh-CN" dirty="0" smtClean="0">
+                <a:latin typeface="+mn-ea"/>
+              </a:rPr>
+              <a:t>Redis</a:t>
+            </a:r>
+            <a:r>
+              <a:rPr lang="zh-CN" altLang="en-US" dirty="0" smtClean="0">
+                <a:latin typeface="+mn-ea"/>
+              </a:rPr>
+              <a:t>性能</a:t>
             </a:r>
             <a:r>
               <a:rPr lang="zh-CN" altLang="en-US" dirty="0">
                 <a:latin typeface="+mn-ea"/>
               </a:rPr>
-              <a:t>性能测试的</a:t>
+              <a:t>测试的</a:t>
             </a:r>
             <a:r>
               <a:rPr lang="zh-CN" altLang="en-US" dirty="0" smtClean="0">
@@ -19076,7 +19283,7 @@
               <a:rPr lang="en-US" altLang="zh-CN" dirty="0" smtClean="0">
                 <a:latin typeface="+mn-ea"/>
               </a:rPr>
-              <a:t>redis-check-dump </a:t>
+              <a:t>Redis-check-dump </a:t>
             </a:r>
             <a:r>
               <a:rPr lang="en-US" altLang="zh-CN" dirty="0">
@@ -19118,25 +19325,13 @@
               <a:rPr lang="en-US" altLang="zh-CN" dirty="0" smtClean="0">
                 <a:latin typeface="+mn-ea"/>
               </a:rPr>
-              <a:t>redis-cli </a:t>
-            </a:r>
-            <a:r>
-              <a:rPr lang="en-US" altLang="zh-CN" dirty="0">
-                <a:latin typeface="+mn-ea"/>
-              </a:rPr>
-              <a:t>//redis</a:t>
-            </a:r>
-            <a:r>
-              <a:rPr lang="zh-CN" altLang="en-US" dirty="0">
-                <a:latin typeface="+mn-ea"/>
-              </a:rPr>
-              <a:t>的</a:t>
+              <a:t>Redis-cli //Redis</a:t>
             </a:r>
             <a:r>
               <a:rPr lang="zh-CN" altLang="en-US" dirty="0" smtClean="0">
                 <a:latin typeface="+mn-ea"/>
               </a:rPr>
-              <a:t>客户端</a:t>
+              <a:t>的客户端</a:t>
             </a:r>
             <a:endParaRPr lang="en-US" altLang="zh-CN" dirty="0" smtClean="0">
               <a:latin typeface="+mn-ea"/>
@@ -19154,19 +19349,19 @@
               <a:rPr lang="en-US" altLang="zh-CN" dirty="0" smtClean="0">
                 <a:latin typeface="+mn-ea"/>
               </a:rPr>
-              <a:t>redis-server </a:t>
-            </a:r>
-            <a:r>
-              <a:rPr lang="en-US" altLang="zh-CN" dirty="0">
-                <a:latin typeface="+mn-ea"/>
-              </a:rPr>
-              <a:t>//redis</a:t>
+              <a:t>Redis-server //Redis</a:t>
+            </a:r>
+            <a:r>
+              <a:rPr lang="zh-CN" altLang="en-US" dirty="0" smtClean="0">
+                <a:latin typeface="+mn-ea"/>
+              </a:rPr>
+              <a:t>的</a:t>
             </a:r>
             <a:r>
               <a:rPr lang="zh-CN" altLang="en-US" dirty="0">
                 <a:latin typeface="+mn-ea"/>
               </a:rPr>
-              <a:t>的服务</a:t>
+              <a:t>服务</a:t>
             </a:r>
             <a:r>
               <a:rPr lang="zh-CN" altLang="en-US" dirty="0" smtClean="0">
@@ -19190,7 +19385,7 @@
               <a:rPr lang="en-US" altLang="zh-CN" dirty="0" smtClean="0">
                 <a:latin typeface="+mn-ea"/>
               </a:rPr>
-              <a:t>redis-check-</a:t>
+              <a:t>Redis-check-</a:t>
             </a:r>
             <a:r>
               <a:rPr lang="en-US" altLang="zh-CN" dirty="0" err="1" smtClean="0">
@@ -19439,7 +19634,7 @@
         <p:spPr>
           <a:xfrm>
             <a:off x="2729129" y="998803"/>
-            <a:ext cx="8440619" cy="1615827"/>
+            <a:ext cx="8440619" cy="2031325"/>
           </a:xfrm>
           <a:prstGeom prst="rect">
             <a:avLst/>
@@ -19476,75 +19671,105 @@
               </a:lnSpc>
             </a:pPr>
             <a:r>
+              <a:rPr lang="zh-CN" altLang="en-US" dirty="0" smtClean="0">
+                <a:latin typeface="+mn-ea"/>
+              </a:rPr>
+              <a:t>进入</a:t>
+            </a:r>
+            <a:r>
+              <a:rPr lang="en-US" altLang="zh-CN" dirty="0" smtClean="0">
+                <a:latin typeface="+mn-ea"/>
+              </a:rPr>
+              <a:t>Redis</a:t>
+            </a:r>
+            <a:r>
+              <a:rPr lang="zh-CN" altLang="en-US" dirty="0" smtClean="0">
+                <a:latin typeface="+mn-ea"/>
+              </a:rPr>
+              <a:t>目录</a:t>
+            </a:r>
+            <a:r>
               <a:rPr lang="zh-CN" altLang="en-US" dirty="0">
                 <a:latin typeface="+mn-ea"/>
               </a:rPr>
-              <a:t>进入</a:t>
-            </a:r>
-            <a:r>
-              <a:rPr lang="en-US" altLang="zh-CN" dirty="0">
-                <a:latin typeface="+mn-ea"/>
-              </a:rPr>
-              <a:t>redis</a:t>
-            </a:r>
+              <a:t>后 开启服务  （注意</a:t>
+            </a:r>
+            <a:r>
+              <a:rPr lang="zh-CN" altLang="en-US" dirty="0" smtClean="0">
+                <a:latin typeface="+mn-ea"/>
+              </a:rPr>
+              <a:t>加上</a:t>
+            </a:r>
+            <a:r>
+              <a:rPr lang="en-US" altLang="zh-CN" dirty="0" err="1" smtClean="0">
+                <a:latin typeface="+mn-ea"/>
+              </a:rPr>
+              <a:t>Redis.conf</a:t>
+            </a:r>
+            <a:r>
+              <a:rPr lang="zh-CN" altLang="en-US" dirty="0" smtClean="0">
+                <a:latin typeface="+mn-ea"/>
+              </a:rPr>
+              <a:t>）</a:t>
+            </a:r>
+            <a:r>
+              <a:rPr lang="en-US" altLang="zh-CN" dirty="0" smtClean="0">
+                <a:latin typeface="+mn-ea"/>
+              </a:rPr>
+              <a:t>Redis-server.exe </a:t>
+            </a:r>
+            <a:r>
+              <a:rPr lang="en-US" altLang="zh-CN" dirty="0" err="1" smtClean="0">
+                <a:latin typeface="+mn-ea"/>
+              </a:rPr>
+              <a:t>Redis.conf</a:t>
+            </a:r>
+            <a:r>
+              <a:rPr lang="en-US" altLang="zh-CN" dirty="0" smtClean="0">
+                <a:latin typeface="+mn-ea"/>
+              </a:rPr>
+              <a:t> </a:t>
+            </a:r>
+            <a:r>
+              <a:rPr lang="en-US" altLang="zh-CN" dirty="0">
+                <a:latin typeface="+mn-ea"/>
+              </a:rPr>
+              <a:t/>
+            </a:r>
+            <a:br>
+              <a:rPr lang="en-US" altLang="zh-CN" dirty="0">
+                <a:latin typeface="+mn-ea"/>
+              </a:rPr>
+            </a:br>
             <a:r>
               <a:rPr lang="zh-CN" altLang="en-US" dirty="0">
                 <a:latin typeface="+mn-ea"/>
               </a:rPr>
-              <a:t>目录后 开启服务  （注意加上</a:t>
-            </a:r>
-            <a:r>
-              <a:rPr lang="en-US" altLang="zh-CN" dirty="0" err="1">
-                <a:latin typeface="+mn-ea"/>
-              </a:rPr>
-              <a:t>redis.conf</a:t>
+              <a:t>这个窗口要保持开启  关闭</a:t>
             </a:r>
             <a:r>
               <a:rPr lang="zh-CN" altLang="en-US" dirty="0" smtClean="0">
                 <a:latin typeface="+mn-ea"/>
               </a:rPr>
-              <a:t>）</a:t>
+              <a:t>时</a:t>
             </a:r>
             <a:r>
               <a:rPr lang="en-US" altLang="zh-CN" dirty="0" smtClean="0">
                 <a:latin typeface="+mn-ea"/>
               </a:rPr>
-              <a:t>redis-server.exe </a:t>
-            </a:r>
-            <a:r>
-              <a:rPr lang="en-US" altLang="zh-CN" dirty="0" err="1">
-                <a:latin typeface="+mn-ea"/>
-              </a:rPr>
-              <a:t>redis.conf</a:t>
-            </a:r>
-            <a:r>
-              <a:rPr lang="en-US" altLang="zh-CN" dirty="0">
-                <a:latin typeface="+mn-ea"/>
-              </a:rPr>
-              <a:t> </a:t>
-            </a:r>
-            <a:br>
-              <a:rPr lang="en-US" altLang="zh-CN" dirty="0">
-                <a:latin typeface="+mn-ea"/>
-              </a:rPr>
-            </a:br>
+              <a:t>Redis</a:t>
+            </a:r>
+            <a:r>
+              <a:rPr lang="zh-CN" altLang="en-US" dirty="0" smtClean="0">
+                <a:latin typeface="+mn-ea"/>
+              </a:rPr>
+              <a:t>服务</a:t>
+            </a:r>
             <a:r>
               <a:rPr lang="zh-CN" altLang="en-US" dirty="0">
                 <a:latin typeface="+mn-ea"/>
               </a:rPr>
-              <a:t>这个窗口要保持开启  关闭时</a:t>
-            </a:r>
-            <a:r>
-              <a:rPr lang="en-US" altLang="zh-CN" dirty="0">
-                <a:latin typeface="+mn-ea"/>
-              </a:rPr>
-              <a:t>redis</a:t>
-            </a:r>
-            <a:r>
-              <a:rPr lang="zh-CN" altLang="en-US" dirty="0">
-                <a:latin typeface="+mn-ea"/>
-              </a:rPr>
-              <a:t>服务会自动关闭</a:t>
+              <a:t>会自动关闭</a:t>
             </a:r>
           </a:p>
           <a:p>
@@ -19555,25 +19780,25 @@
             </a:pPr>
             <a:r>
               <a:rPr lang="zh-CN" altLang="en-US" dirty="0"/>
-              <a:t>另外开启一个命令行窗口 进入</a:t>
-            </a:r>
-            <a:r>
-              <a:rPr lang="en-US" altLang="zh-CN" dirty="0"/>
-              <a:t>redis</a:t>
-            </a:r>
-            <a:r>
-              <a:rPr lang="zh-CN" altLang="en-US" dirty="0"/>
-              <a:t>目录</a:t>
+              <a:t>另外开启一个命令行窗口 </a:t>
             </a:r>
             <a:r>
               <a:rPr lang="zh-CN" altLang="en-US" dirty="0" smtClean="0"/>
-              <a:t>下 启动客户端</a:t>
+              <a:t>进入</a:t>
+            </a:r>
+            <a:r>
+              <a:rPr lang="en-US" altLang="zh-CN" dirty="0" smtClean="0"/>
+              <a:t>Redis</a:t>
+            </a:r>
+            <a:r>
+              <a:rPr lang="zh-CN" altLang="en-US" dirty="0" smtClean="0"/>
+              <a:t>目录下 启动客户端</a:t>
             </a:r>
             <a:r>
               <a:rPr lang="en-US" altLang="zh-CN" dirty="0" smtClean="0">
                 <a:latin typeface="+mn-ea"/>
               </a:rPr>
-              <a:t>redis-cli.exe</a:t>
+              <a:t>Redis-cli.exe</a:t>
             </a:r>
             <a:endParaRPr lang="zh-CN" altLang="en-US" b="1" dirty="0">
               <a:latin typeface="+mn-ea"/>
